--- a/model_file_template_primary.pptx
+++ b/model_file_template_primary.pptx
@@ -1043,7 +1043,7 @@
           <a:p>
             <a:fld id="{C764DE79-268F-4C1A-8933-263129D2AF90}" type="datetimeFigureOut">
               <a:rPr lang="en-US" dirty="0"/>
-              <a:t>4/19/22</a:t>
+              <a:t>4/11/2023</a:t>
             </a:fld>
             <a:endParaRPr lang="en-US" dirty="0"/>
           </a:p>
@@ -1138,7 +1138,7 @@
           <a:p>
             <a:fld id="{C764DE79-268F-4C1A-8933-263129D2AF90}" type="datetimeFigureOut">
               <a:rPr lang="en-US" dirty="0"/>
-              <a:t>4/19/22</a:t>
+              <a:t>4/11/2023</a:t>
             </a:fld>
             <a:endParaRPr lang="en-US" dirty="0"/>
           </a:p>
@@ -1447,7 +1447,7 @@
           <a:p>
             <a:fld id="{C764DE79-268F-4C1A-8933-263129D2AF90}" type="datetimeFigureOut">
               <a:rPr lang="en-US" dirty="0"/>
-              <a:t>4/19/22</a:t>
+              <a:t>4/11/2023</a:t>
             </a:fld>
             <a:endParaRPr lang="en-US" dirty="0"/>
           </a:p>
@@ -1704,7 +1704,7 @@
           <a:p>
             <a:fld id="{C764DE79-268F-4C1A-8933-263129D2AF90}" type="datetimeFigureOut">
               <a:rPr lang="en-US" dirty="0"/>
-              <a:t>4/19/22</a:t>
+              <a:t>4/11/2023</a:t>
             </a:fld>
             <a:endParaRPr lang="en-US" dirty="0"/>
           </a:p>
@@ -1906,7 +1906,7 @@
           <a:p>
             <a:fld id="{C764DE79-268F-4C1A-8933-263129D2AF90}" type="datetimeFigureOut">
               <a:rPr lang="en-US" dirty="0"/>
-              <a:t>4/19/22</a:t>
+              <a:t>4/11/2023</a:t>
             </a:fld>
             <a:endParaRPr lang="en-US" dirty="0"/>
           </a:p>
@@ -2118,7 +2118,7 @@
           <a:p>
             <a:fld id="{C764DE79-268F-4C1A-8933-263129D2AF90}" type="datetimeFigureOut">
               <a:rPr lang="en-US" dirty="0"/>
-              <a:t>4/19/22</a:t>
+              <a:t>4/11/2023</a:t>
             </a:fld>
             <a:endParaRPr lang="en-US" dirty="0"/>
           </a:p>
@@ -2545,7 +2545,7 @@
           <a:p>
             <a:fld id="{C764DE79-268F-4C1A-8933-263129D2AF90}" type="datetimeFigureOut">
               <a:rPr lang="en-US" dirty="0"/>
-              <a:t>4/19/22</a:t>
+              <a:t>4/11/2023</a:t>
             </a:fld>
             <a:endParaRPr lang="en-US" dirty="0"/>
           </a:p>
@@ -2747,7 +2747,7 @@
           <a:p>
             <a:fld id="{C764DE79-268F-4C1A-8933-263129D2AF90}" type="datetimeFigureOut">
               <a:rPr lang="en-US" dirty="0"/>
-              <a:t>4/19/22</a:t>
+              <a:t>4/11/2023</a:t>
             </a:fld>
             <a:endParaRPr lang="en-US" dirty="0"/>
           </a:p>
@@ -2991,7 +2991,7 @@
           <a:p>
             <a:fld id="{C764DE79-268F-4C1A-8933-263129D2AF90}" type="datetimeFigureOut">
               <a:rPr lang="en-US" dirty="0"/>
-              <a:t>4/19/22</a:t>
+              <a:t>4/11/2023</a:t>
             </a:fld>
             <a:endParaRPr lang="en-US" dirty="0"/>
           </a:p>
@@ -3287,7 +3287,7 @@
           <a:p>
             <a:fld id="{C764DE79-268F-4C1A-8933-263129D2AF90}" type="datetimeFigureOut">
               <a:rPr lang="en-US" dirty="0"/>
-              <a:t>4/19/22</a:t>
+              <a:t>4/11/2023</a:t>
             </a:fld>
             <a:endParaRPr lang="en-US" dirty="0"/>
           </a:p>
@@ -3718,7 +3718,7 @@
           <a:p>
             <a:fld id="{C764DE79-268F-4C1A-8933-263129D2AF90}" type="datetimeFigureOut">
               <a:rPr lang="en-US" dirty="0"/>
-              <a:t>4/19/22</a:t>
+              <a:t>4/11/2023</a:t>
             </a:fld>
             <a:endParaRPr lang="en-US" dirty="0"/>
           </a:p>
@@ -4743,7 +4743,7 @@
           <a:p>
             <a:fld id="{C764DE79-268F-4C1A-8933-263129D2AF90}" type="datetimeFigureOut">
               <a:rPr lang="en-US" dirty="0"/>
-              <a:t>4/19/22</a:t>
+              <a:t>4/11/2023</a:t>
             </a:fld>
             <a:endParaRPr lang="en-US" dirty="0"/>
           </a:p>
@@ -5475,14 +5475,11 @@
           <a:p>
             <a:pPr eaLnBrk="1" hangingPunct="1"/>
             <a:r>
-              <a:rPr lang="en-US" altLang="ja-JP" sz="2673" dirty="0">
+              <a:rPr lang="ja-JP" altLang="en-US" sz="2673" dirty="0">
                 <a:latin typeface="ＭＳ Ｐゴシック" panose="020B0600070205080204" pitchFamily="34" charset="-128"/>
               </a:rPr>
-              <a:t>XXXXXXXXXXXXXXXX</a:t>
-            </a:r>
-            <a:endParaRPr lang="ja-JP" altLang="en-US" sz="2673" dirty="0">
-              <a:latin typeface="ＭＳ Ｐゴシック" panose="020B0600070205080204" pitchFamily="34" charset="-128"/>
-            </a:endParaRPr>
+              <a:t>盛岡情報ビジネス＆デザイン専門学校</a:t>
+            </a:r>
           </a:p>
         </p:txBody>
       </p:sp>
@@ -5644,10 +5641,10 @@
           <a:p>
             <a:pPr eaLnBrk="1" hangingPunct="1"/>
             <a:r>
-              <a:rPr lang="en-US" altLang="ja-JP" sz="2673" dirty="0">
+              <a:rPr lang="ja-JP" altLang="en-US" sz="2673" dirty="0">
                 <a:latin typeface="ＭＳ Ｐゴシック" panose="020B0600070205080204" pitchFamily="34" charset="-128"/>
               </a:rPr>
-              <a:t>XXXXXX</a:t>
+              <a:t>東北</a:t>
             </a:r>
             <a:endParaRPr lang="ja-JP" altLang="en-US" sz="2673" dirty="0"/>
           </a:p>
@@ -5811,10 +5808,10 @@
           <a:p>
             <a:pPr eaLnBrk="1" hangingPunct="1"/>
             <a:r>
-              <a:rPr lang="en-US" altLang="ja-JP" sz="2673" dirty="0">
+              <a:rPr lang="ja-JP" altLang="en-US" sz="2673" dirty="0">
                 <a:latin typeface="ＭＳ Ｐゴシック" panose="020B0600070205080204" pitchFamily="34" charset="-128"/>
               </a:rPr>
-              <a:t>XXXXXXXXX</a:t>
+              <a:t>岩手県盛岡市</a:t>
             </a:r>
             <a:endParaRPr lang="ja-JP" altLang="en-US" sz="2673" dirty="0"/>
           </a:p>
@@ -5978,16 +5975,18 @@
           <a:p>
             <a:pPr eaLnBrk="1" hangingPunct="1"/>
             <a:r>
-              <a:rPr lang="en-US" altLang="ja-JP" sz="2673" dirty="0">
-                <a:solidFill>
-                  <a:prstClr val="black"/>
-                </a:solidFill>
-                <a:latin typeface="HG丸ｺﾞｼｯｸM-PRO" panose="020F0600000000000000" pitchFamily="50" charset="-128"/>
-                <a:ea typeface="HG丸ｺﾞｼｯｸM-PRO" panose="020F0600000000000000" pitchFamily="50" charset="-128"/>
-              </a:rPr>
-              <a:t>XXXXXXXXXX</a:t>
-            </a:r>
-            <a:endParaRPr lang="en-US" altLang="ja-JP" sz="4009" dirty="0"/>
+              <a:rPr lang="ja-JP" altLang="en-US" sz="3600" dirty="0"/>
+              <a:t>モリジョビ</a:t>
+            </a:r>
+            <a:r>
+              <a:rPr lang="en-US" altLang="ja-JP" sz="3600" dirty="0"/>
+              <a:t>2</a:t>
+            </a:r>
+            <a:r>
+              <a:rPr lang="ja-JP" altLang="en-US" sz="3600" dirty="0"/>
+              <a:t>軍</a:t>
+            </a:r>
+            <a:endParaRPr lang="en-US" altLang="ja-JP" sz="3600" dirty="0"/>
           </a:p>
         </p:txBody>
       </p:sp>
@@ -6479,282 +6478,6 @@
                 </a:solidFill>
               </a:rPr>
               <a:t>ここに書いた説明で、どのように分析設計が進められ、分析に何が書いてあるか、設計の何が書いてあるか、制御として何に取り組んでいるか、それらがどのようにつながっているか、といったことが把握できる</a:t>
-            </a:r>
-          </a:p>
-        </p:txBody>
-      </p:sp>
-      <p:sp>
-        <p:nvSpPr>
-          <p:cNvPr id="10" name="テキスト ボックス 9">
-            <a:extLst>
-              <a:ext uri="{FF2B5EF4-FFF2-40B4-BE49-F238E27FC236}">
-                <a16:creationId xmlns:a16="http://schemas.microsoft.com/office/drawing/2014/main" id="{293D6709-775D-814B-8D7B-66C88BB8FC31}"/>
-              </a:ext>
-            </a:extLst>
-          </p:cNvPr>
-          <p:cNvSpPr txBox="1"/>
-          <p:nvPr/>
-        </p:nvSpPr>
-        <p:spPr>
-          <a:xfrm>
-            <a:off x="214860" y="5448409"/>
-            <a:ext cx="7104253" cy="408125"/>
-          </a:xfrm>
-          <a:prstGeom prst="rect">
-            <a:avLst/>
-          </a:prstGeom>
-          <a:solidFill>
-            <a:schemeClr val="bg1">
-              <a:lumMod val="95000"/>
-            </a:schemeClr>
-          </a:solidFill>
-        </p:spPr>
-        <p:txBody>
-          <a:bodyPr wrap="square" rtlCol="0">
-            <a:spAutoFit/>
-          </a:bodyPr>
-          <a:lstStyle/>
-          <a:p>
-            <a:r>
-              <a:rPr lang="ja-JP" altLang="en-US" sz="2052" dirty="0">
-                <a:solidFill>
-                  <a:schemeClr val="bg1">
-                    <a:lumMod val="50000"/>
-                  </a:schemeClr>
-                </a:solidFill>
-              </a:rPr>
-              <a:t>配布時のこの領域の大きさが記載可能な範囲です</a:t>
-            </a:r>
-          </a:p>
-        </p:txBody>
-      </p:sp>
-      <p:sp>
-        <p:nvSpPr>
-          <p:cNvPr id="11" name="吹き出し: 四角形 5">
-            <a:extLst>
-              <a:ext uri="{FF2B5EF4-FFF2-40B4-BE49-F238E27FC236}">
-                <a16:creationId xmlns:a16="http://schemas.microsoft.com/office/drawing/2014/main" id="{C7C3A3A3-6D5A-0646-AE0F-522F967F0580}"/>
-              </a:ext>
-            </a:extLst>
-          </p:cNvPr>
-          <p:cNvSpPr/>
-          <p:nvPr/>
-        </p:nvSpPr>
-        <p:spPr>
-          <a:xfrm>
-            <a:off x="10135740" y="2773909"/>
-            <a:ext cx="4768751" cy="1355498"/>
-          </a:xfrm>
-          <a:prstGeom prst="wedgeRectCallout">
-            <a:avLst>
-              <a:gd name="adj1" fmla="val -79381"/>
-              <a:gd name="adj2" fmla="val -193596"/>
-            </a:avLst>
-          </a:prstGeom>
-          <a:solidFill>
-            <a:schemeClr val="accent4">
-              <a:lumMod val="20000"/>
-              <a:lumOff val="80000"/>
-            </a:schemeClr>
-          </a:solidFill>
-        </p:spPr>
-        <p:style>
-          <a:lnRef idx="2">
-            <a:schemeClr val="accent1">
-              <a:shade val="50000"/>
-            </a:schemeClr>
-          </a:lnRef>
-          <a:fillRef idx="1">
-            <a:schemeClr val="accent1"/>
-          </a:fillRef>
-          <a:effectRef idx="0">
-            <a:schemeClr val="accent1"/>
-          </a:effectRef>
-          <a:fontRef idx="minor">
-            <a:schemeClr val="lt1"/>
-          </a:fontRef>
-        </p:style>
-        <p:txBody>
-          <a:bodyPr rtlCol="0" anchor="ctr"/>
-          <a:lstStyle/>
-          <a:p>
-            <a:pPr eaLnBrk="1" hangingPunct="1"/>
-            <a:r>
-              <a:rPr lang="ja-JP" altLang="en-US" sz="2052" dirty="0">
-                <a:solidFill>
-                  <a:srgbClr val="0070C0"/>
-                </a:solidFill>
-              </a:rPr>
-              <a:t>注：北海道、東北、北関東、東京、</a:t>
-            </a:r>
-            <a:br>
-              <a:rPr lang="ja-JP" altLang="en-US" sz="2052" dirty="0">
-                <a:solidFill>
-                  <a:srgbClr val="0070C0"/>
-                </a:solidFill>
-              </a:rPr>
-            </a:br>
-            <a:r>
-              <a:rPr lang="ja-JP" altLang="en-US" sz="2052" dirty="0">
-                <a:solidFill>
-                  <a:srgbClr val="0070C0"/>
-                </a:solidFill>
-              </a:rPr>
-              <a:t>南関東、東海、北陸、関西、中四国、</a:t>
-            </a:r>
-          </a:p>
-          <a:p>
-            <a:pPr eaLnBrk="1" hangingPunct="1"/>
-            <a:r>
-              <a:rPr lang="ja-JP" altLang="en-US" sz="2052" dirty="0">
-                <a:solidFill>
-                  <a:srgbClr val="0070C0"/>
-                </a:solidFill>
-              </a:rPr>
-              <a:t>九州北、九州南、沖縄のいずれか</a:t>
-            </a:r>
-          </a:p>
-          <a:p>
-            <a:pPr algn="ctr"/>
-            <a:endParaRPr lang="ja-JP" altLang="en-US" sz="2052" dirty="0">
-              <a:solidFill>
-                <a:srgbClr val="0070C0"/>
-              </a:solidFill>
-            </a:endParaRPr>
-          </a:p>
-        </p:txBody>
-      </p:sp>
-      <p:sp>
-        <p:nvSpPr>
-          <p:cNvPr id="12" name="吹き出し: 四角形 18">
-            <a:extLst>
-              <a:ext uri="{FF2B5EF4-FFF2-40B4-BE49-F238E27FC236}">
-                <a16:creationId xmlns:a16="http://schemas.microsoft.com/office/drawing/2014/main" id="{2BC07E42-ADD8-A04B-AE21-95725ED1ED63}"/>
-              </a:ext>
-            </a:extLst>
-          </p:cNvPr>
-          <p:cNvSpPr/>
-          <p:nvPr/>
-        </p:nvSpPr>
-        <p:spPr>
-          <a:xfrm>
-            <a:off x="11488861" y="1748285"/>
-            <a:ext cx="3415630" cy="882062"/>
-          </a:xfrm>
-          <a:prstGeom prst="wedgeRectCallout">
-            <a:avLst>
-              <a:gd name="adj1" fmla="val -36460"/>
-              <a:gd name="adj2" fmla="val -143484"/>
-            </a:avLst>
-          </a:prstGeom>
-          <a:solidFill>
-            <a:schemeClr val="accent4">
-              <a:lumMod val="20000"/>
-              <a:lumOff val="80000"/>
-            </a:schemeClr>
-          </a:solidFill>
-        </p:spPr>
-        <p:style>
-          <a:lnRef idx="2">
-            <a:schemeClr val="accent1">
-              <a:shade val="50000"/>
-            </a:schemeClr>
-          </a:lnRef>
-          <a:fillRef idx="1">
-            <a:schemeClr val="accent1"/>
-          </a:fillRef>
-          <a:effectRef idx="0">
-            <a:schemeClr val="accent1"/>
-          </a:effectRef>
-          <a:fontRef idx="minor">
-            <a:schemeClr val="lt1"/>
-          </a:fontRef>
-        </p:style>
-        <p:txBody>
-          <a:bodyPr rtlCol="0" anchor="ctr"/>
-          <a:lstStyle/>
-          <a:p>
-            <a:pPr eaLnBrk="1" hangingPunct="1"/>
-            <a:r>
-              <a:rPr lang="ja-JP" altLang="en-US" sz="2052" dirty="0">
-                <a:solidFill>
-                  <a:srgbClr val="0070C0"/>
-                </a:solidFill>
-              </a:rPr>
-              <a:t>注：公開されている地域、</a:t>
-            </a:r>
-          </a:p>
-          <a:p>
-            <a:pPr eaLnBrk="1" hangingPunct="1"/>
-            <a:r>
-              <a:rPr lang="ja-JP" altLang="en-US" sz="2052" dirty="0">
-                <a:solidFill>
-                  <a:srgbClr val="0070C0"/>
-                </a:solidFill>
-              </a:rPr>
-              <a:t>例）「東京都中央区」等</a:t>
-            </a:r>
-          </a:p>
-        </p:txBody>
-      </p:sp>
-      <p:sp>
-        <p:nvSpPr>
-          <p:cNvPr id="13" name="吹き出し: 四角形 19">
-            <a:extLst>
-              <a:ext uri="{FF2B5EF4-FFF2-40B4-BE49-F238E27FC236}">
-                <a16:creationId xmlns:a16="http://schemas.microsoft.com/office/drawing/2014/main" id="{EDD528FF-C9D8-9E49-B9A8-048B06E9BD8E}"/>
-              </a:ext>
-            </a:extLst>
-          </p:cNvPr>
-          <p:cNvSpPr/>
-          <p:nvPr/>
-        </p:nvSpPr>
-        <p:spPr>
-          <a:xfrm>
-            <a:off x="9136132" y="4418667"/>
-            <a:ext cx="4225767" cy="882062"/>
-          </a:xfrm>
-          <a:prstGeom prst="wedgeRectCallout">
-            <a:avLst>
-              <a:gd name="adj1" fmla="val -77262"/>
-              <a:gd name="adj2" fmla="val -349180"/>
-            </a:avLst>
-          </a:prstGeom>
-          <a:solidFill>
-            <a:schemeClr val="accent4">
-              <a:lumMod val="20000"/>
-              <a:lumOff val="80000"/>
-            </a:schemeClr>
-          </a:solidFill>
-        </p:spPr>
-        <p:style>
-          <a:lnRef idx="2">
-            <a:schemeClr val="accent1">
-              <a:shade val="50000"/>
-            </a:schemeClr>
-          </a:lnRef>
-          <a:fillRef idx="1">
-            <a:schemeClr val="accent1"/>
-          </a:fillRef>
-          <a:effectRef idx="0">
-            <a:schemeClr val="accent1"/>
-          </a:effectRef>
-          <a:fontRef idx="minor">
-            <a:schemeClr val="lt1"/>
-          </a:fontRef>
-        </p:style>
-        <p:txBody>
-          <a:bodyPr rtlCol="0" anchor="ctr"/>
-          <a:lstStyle/>
-          <a:p>
-            <a:pPr eaLnBrk="1" hangingPunct="1"/>
-            <a:r>
-              <a:rPr lang="ja-JP" altLang="en-US" sz="2052" dirty="0">
-                <a:solidFill>
-                  <a:srgbClr val="0070C0"/>
-                </a:solidFill>
-              </a:rPr>
-              <a:t>注：公開されている所属名を記載、個人参加の場合は”個人”を記載</a:t>
             </a:r>
           </a:p>
         </p:txBody>
@@ -7115,65 +6838,171 @@
           <a:p>
             <a:pPr marL="0" indent="0"/>
             <a:r>
-              <a:rPr lang="ja-JP" altLang="en-US" sz="1782" dirty="0">
+              <a:rPr lang="ja-JP" altLang="en-US" sz="2400" dirty="0">
                 <a:latin typeface="HG丸ｺﾞｼｯｸM-PRO" panose="020F0600000000000000" pitchFamily="50" charset="-128"/>
                 <a:ea typeface="HG丸ｺﾞｼｯｸM-PRO" panose="020F0600000000000000" pitchFamily="50" charset="-128"/>
               </a:rPr>
-              <a:t>ダミーテキストダミーテキストダミーテキストダミーテキスト</a:t>
-            </a:r>
-          </a:p>
-          <a:p>
-            <a:pPr marL="0" indent="0"/>
-            <a:r>
-              <a:rPr lang="ja-JP" altLang="en-US" sz="1782" dirty="0">
+              <a:t>＜チーム紹介＞</a:t>
+            </a:r>
+            <a:endParaRPr lang="en-US" altLang="ja-JP" sz="2400" dirty="0">
+              <a:latin typeface="HG丸ｺﾞｼｯｸM-PRO" panose="020F0600000000000000" pitchFamily="50" charset="-128"/>
+              <a:ea typeface="HG丸ｺﾞｼｯｸM-PRO" panose="020F0600000000000000" pitchFamily="50" charset="-128"/>
+            </a:endParaRPr>
+          </a:p>
+          <a:p>
+            <a:r>
+              <a:rPr lang="ja-JP" altLang="en-US" sz="2004" dirty="0">
                 <a:latin typeface="HG丸ｺﾞｼｯｸM-PRO" panose="020F0600000000000000" pitchFamily="50" charset="-128"/>
                 <a:ea typeface="HG丸ｺﾞｼｯｸM-PRO" panose="020F0600000000000000" pitchFamily="50" charset="-128"/>
               </a:rPr>
-              <a:t>ダミーテキストダミーテキスト</a:t>
-            </a:r>
-          </a:p>
-          <a:p>
-            <a:pPr marL="0" indent="0"/>
-            <a:r>
-              <a:rPr lang="ja-JP" altLang="en-US" sz="1782" dirty="0">
+              <a:t>私たちは</a:t>
+            </a:r>
+            <a:r>
+              <a:rPr lang="ja-JP" altLang="en-US" sz="2000" dirty="0">
                 <a:latin typeface="HG丸ｺﾞｼｯｸM-PRO" panose="020F0600000000000000" pitchFamily="50" charset="-128"/>
                 <a:ea typeface="HG丸ｺﾞｼｯｸM-PRO" panose="020F0600000000000000" pitchFamily="50" charset="-128"/>
               </a:rPr>
-              <a:t>ダミーテキスト</a:t>
-            </a:r>
-          </a:p>
-          <a:p>
-            <a:pPr marL="0" indent="0"/>
-            <a:r>
-              <a:rPr lang="ja-JP" altLang="en-US" sz="1782" dirty="0">
+              <a:t>チームモリジョビ</a:t>
+            </a:r>
+            <a:r>
+              <a:rPr lang="en-US" altLang="ja-JP" sz="2000" dirty="0">
                 <a:latin typeface="HG丸ｺﾞｼｯｸM-PRO" panose="020F0600000000000000" pitchFamily="50" charset="-128"/>
                 <a:ea typeface="HG丸ｺﾞｼｯｸM-PRO" panose="020F0600000000000000" pitchFamily="50" charset="-128"/>
               </a:rPr>
-              <a:t>ダミーテキスト</a:t>
-            </a:r>
-          </a:p>
-          <a:p>
-            <a:pPr marL="0" indent="0"/>
-            <a:r>
-              <a:rPr lang="ja-JP" altLang="en-US" sz="1782" dirty="0">
+              <a:t>2</a:t>
+            </a:r>
+            <a:r>
+              <a:rPr lang="ja-JP" altLang="en-US" sz="2000" dirty="0">
                 <a:latin typeface="HG丸ｺﾞｼｯｸM-PRO" panose="020F0600000000000000" pitchFamily="50" charset="-128"/>
                 <a:ea typeface="HG丸ｺﾞｼｯｸM-PRO" panose="020F0600000000000000" pitchFamily="50" charset="-128"/>
               </a:rPr>
-              <a:t>ダミーテキスト</a:t>
-            </a:r>
-          </a:p>
-          <a:p>
-            <a:pPr marL="0" indent="0"/>
-            <a:r>
-              <a:rPr lang="ja-JP" altLang="en-US" sz="1782" dirty="0">
+              <a:t>軍は盛岡情報ビジネス</a:t>
+            </a:r>
+            <a:r>
+              <a:rPr lang="en-US" altLang="ja-JP" sz="2000" dirty="0">
                 <a:latin typeface="HG丸ｺﾞｼｯｸM-PRO" panose="020F0600000000000000" pitchFamily="50" charset="-128"/>
                 <a:ea typeface="HG丸ｺﾞｼｯｸM-PRO" panose="020F0600000000000000" pitchFamily="50" charset="-128"/>
               </a:rPr>
-              <a:t>ダミーテキスト</a:t>
-            </a:r>
-          </a:p>
-          <a:p>
-            <a:pPr marL="0" indent="0"/>
+              <a:t>&amp;</a:t>
+            </a:r>
+            <a:r>
+              <a:rPr lang="ja-JP" altLang="en-US" sz="2000" dirty="0">
+                <a:latin typeface="HG丸ｺﾞｼｯｸM-PRO" panose="020F0600000000000000" pitchFamily="50" charset="-128"/>
+                <a:ea typeface="HG丸ｺﾞｼｯｸM-PRO" panose="020F0600000000000000" pitchFamily="50" charset="-128"/>
+              </a:rPr>
+              <a:t>デザイ</a:t>
+            </a:r>
+            <a:endParaRPr lang="en-US" altLang="ja-JP" sz="2000" dirty="0">
+              <a:latin typeface="HG丸ｺﾞｼｯｸM-PRO" panose="020F0600000000000000" pitchFamily="50" charset="-128"/>
+              <a:ea typeface="HG丸ｺﾞｼｯｸM-PRO" panose="020F0600000000000000" pitchFamily="50" charset="-128"/>
+            </a:endParaRPr>
+          </a:p>
+          <a:p>
+            <a:r>
+              <a:rPr lang="ja-JP" altLang="en-US" sz="2000" dirty="0">
+                <a:latin typeface="HG丸ｺﾞｼｯｸM-PRO" panose="020F0600000000000000" pitchFamily="50" charset="-128"/>
+                <a:ea typeface="HG丸ｺﾞｼｯｸM-PRO" panose="020F0600000000000000" pitchFamily="50" charset="-128"/>
+              </a:rPr>
+              <a:t>ン専門学校高度情報工学科</a:t>
+            </a:r>
+            <a:r>
+              <a:rPr lang="en-US" altLang="ja-JP" sz="2000" dirty="0">
+                <a:latin typeface="HG丸ｺﾞｼｯｸM-PRO" panose="020F0600000000000000" pitchFamily="50" charset="-128"/>
+                <a:ea typeface="HG丸ｺﾞｼｯｸM-PRO" panose="020F0600000000000000" pitchFamily="50" charset="-128"/>
+              </a:rPr>
+              <a:t>3</a:t>
+            </a:r>
+            <a:r>
+              <a:rPr lang="ja-JP" altLang="en-US" sz="2000" dirty="0">
+                <a:latin typeface="HG丸ｺﾞｼｯｸM-PRO" panose="020F0600000000000000" pitchFamily="50" charset="-128"/>
+                <a:ea typeface="HG丸ｺﾞｼｯｸM-PRO" panose="020F0600000000000000" pitchFamily="50" charset="-128"/>
+              </a:rPr>
+              <a:t>年生です。</a:t>
+            </a:r>
+            <a:endParaRPr lang="en-US" altLang="ja-JP" sz="2000" dirty="0">
+              <a:latin typeface="HG丸ｺﾞｼｯｸM-PRO" panose="020F0600000000000000" pitchFamily="50" charset="-128"/>
+              <a:ea typeface="HG丸ｺﾞｼｯｸM-PRO" panose="020F0600000000000000" pitchFamily="50" charset="-128"/>
+            </a:endParaRPr>
+          </a:p>
+          <a:p>
+            <a:r>
+              <a:rPr lang="ja-JP" altLang="en-US" sz="2000" dirty="0">
+                <a:latin typeface="HG丸ｺﾞｼｯｸM-PRO" panose="020F0600000000000000" pitchFamily="50" charset="-128"/>
+                <a:ea typeface="HG丸ｺﾞｼｯｸM-PRO" panose="020F0600000000000000" pitchFamily="50" charset="-128"/>
+              </a:rPr>
+              <a:t>メンバーは</a:t>
+            </a:r>
+            <a:r>
+              <a:rPr lang="en-US" altLang="ja-JP" sz="2000" dirty="0">
+                <a:latin typeface="HG丸ｺﾞｼｯｸM-PRO" panose="020F0600000000000000" pitchFamily="50" charset="-128"/>
+                <a:ea typeface="HG丸ｺﾞｼｯｸM-PRO" panose="020F0600000000000000" pitchFamily="50" charset="-128"/>
+              </a:rPr>
+              <a:t>5</a:t>
+            </a:r>
+            <a:r>
+              <a:rPr lang="ja-JP" altLang="en-US" sz="2000" dirty="0">
+                <a:latin typeface="HG丸ｺﾞｼｯｸM-PRO" panose="020F0600000000000000" pitchFamily="50" charset="-128"/>
+                <a:ea typeface="HG丸ｺﾞｼｯｸM-PRO" panose="020F0600000000000000" pitchFamily="50" charset="-128"/>
+              </a:rPr>
+              <a:t>名で構成しています。</a:t>
+            </a:r>
+            <a:endParaRPr lang="en-US" altLang="ja-JP" sz="2000" dirty="0">
+              <a:latin typeface="HG丸ｺﾞｼｯｸM-PRO" panose="020F0600000000000000" pitchFamily="50" charset="-128"/>
+              <a:ea typeface="HG丸ｺﾞｼｯｸM-PRO" panose="020F0600000000000000" pitchFamily="50" charset="-128"/>
+            </a:endParaRPr>
+          </a:p>
+          <a:p>
+            <a:r>
+              <a:rPr lang="ja-JP" altLang="en-US" sz="2400" dirty="0">
+                <a:latin typeface="HG丸ｺﾞｼｯｸM-PRO" panose="020F0600000000000000" pitchFamily="50" charset="-128"/>
+                <a:ea typeface="HG丸ｺﾞｼｯｸM-PRO" panose="020F0600000000000000" pitchFamily="50" charset="-128"/>
+              </a:rPr>
+              <a:t>＜目標＞</a:t>
+            </a:r>
+            <a:endParaRPr lang="en-US" altLang="ja-JP" sz="2400" dirty="0">
+              <a:latin typeface="HG丸ｺﾞｼｯｸM-PRO" panose="020F0600000000000000" pitchFamily="50" charset="-128"/>
+              <a:ea typeface="HG丸ｺﾞｼｯｸM-PRO" panose="020F0600000000000000" pitchFamily="50" charset="-128"/>
+            </a:endParaRPr>
+          </a:p>
+          <a:p>
+            <a:r>
+              <a:rPr lang="ja-JP" altLang="en-US" sz="2000" dirty="0">
+                <a:latin typeface="HG丸ｺﾞｼｯｸM-PRO" panose="020F0600000000000000" pitchFamily="50" charset="-128"/>
+                <a:ea typeface="HG丸ｺﾞｼｯｸM-PRO" panose="020F0600000000000000" pitchFamily="50" charset="-128"/>
+              </a:rPr>
+              <a:t>ゴールまで走り抜ける。</a:t>
+            </a:r>
+            <a:endParaRPr lang="en-US" altLang="ja-JP" sz="2000" dirty="0">
+              <a:latin typeface="HG丸ｺﾞｼｯｸM-PRO" panose="020F0600000000000000" pitchFamily="50" charset="-128"/>
+              <a:ea typeface="HG丸ｺﾞｼｯｸM-PRO" panose="020F0600000000000000" pitchFamily="50" charset="-128"/>
+            </a:endParaRPr>
+          </a:p>
+          <a:p>
+            <a:r>
+              <a:rPr lang="ja-JP" altLang="en-US" sz="2400" dirty="0">
+                <a:latin typeface="HG丸ｺﾞｼｯｸM-PRO" panose="020F0600000000000000" pitchFamily="50" charset="-128"/>
+                <a:ea typeface="HG丸ｺﾞｼｯｸM-PRO" panose="020F0600000000000000" pitchFamily="50" charset="-128"/>
+              </a:rPr>
+              <a:t>＜意気込み＞</a:t>
+            </a:r>
+          </a:p>
+          <a:p>
+            <a:r>
+              <a:rPr lang="ja-JP" altLang="en-US" sz="2000" dirty="0">
+                <a:latin typeface="HG丸ｺﾞｼｯｸM-PRO" panose="020F0600000000000000" pitchFamily="50" charset="-128"/>
+                <a:ea typeface="HG丸ｺﾞｼｯｸM-PRO" panose="020F0600000000000000" pitchFamily="50" charset="-128"/>
+              </a:rPr>
+              <a:t>直線において、他チームの追随を許さない速さで走ります。</a:t>
+            </a:r>
+            <a:endParaRPr lang="en-US" altLang="ja-JP" sz="2000" dirty="0">
+              <a:latin typeface="HG丸ｺﾞｼｯｸM-PRO" panose="020F0600000000000000" pitchFamily="50" charset="-128"/>
+              <a:ea typeface="HG丸ｺﾞｼｯｸM-PRO" panose="020F0600000000000000" pitchFamily="50" charset="-128"/>
+            </a:endParaRPr>
+          </a:p>
+          <a:p>
+            <a:br>
+              <a:rPr lang="ja-JP" altLang="en-US" sz="2400" dirty="0"/>
+            </a:br>
             <a:endParaRPr lang="ja-JP" altLang="en-US" sz="2004" dirty="0">
               <a:latin typeface="HG丸ｺﾞｼｯｸM-PRO" panose="020F0600000000000000" pitchFamily="50" charset="-128"/>
               <a:ea typeface="HG丸ｺﾞｼｯｸM-PRO" panose="020F0600000000000000" pitchFamily="50" charset="-128"/>
@@ -7367,111 +7196,8 @@
                 <a:latin typeface="HG丸ｺﾞｼｯｸM-PRO" panose="020F0600000000000000" pitchFamily="50" charset="-128"/>
                 <a:ea typeface="HG丸ｺﾞｼｯｸM-PRO" panose="020F0600000000000000" pitchFamily="50" charset="-128"/>
               </a:rPr>
-              <a:t>ダミーテキストダミーテキストダミーテキストダミーテキストダミーテキストダミーテキストダミーテキストダミーテキスト</a:t>
-            </a:r>
-          </a:p>
-          <a:p>
-            <a:pPr marL="219212" indent="-219212" eaLnBrk="1" hangingPunct="1">
-              <a:lnSpc>
-                <a:spcPct val="80000"/>
-              </a:lnSpc>
-              <a:spcBef>
-                <a:spcPts val="668"/>
-              </a:spcBef>
-              <a:buFont typeface="Arial" panose="020B0604020202020204" pitchFamily="34" charset="0"/>
-              <a:buChar char="•"/>
-            </a:pPr>
-            <a:r>
-              <a:rPr lang="ja-JP" altLang="en-US" sz="1782" dirty="0">
-                <a:latin typeface="HG丸ｺﾞｼｯｸM-PRO" panose="020F0600000000000000" pitchFamily="50" charset="-128"/>
-                <a:ea typeface="HG丸ｺﾞｼｯｸM-PRO" panose="020F0600000000000000" pitchFamily="50" charset="-128"/>
-              </a:rPr>
-              <a:t>ダミーテキストダミーテキスト</a:t>
-            </a:r>
-          </a:p>
-          <a:p>
-            <a:pPr marL="219212" indent="-219212" eaLnBrk="1" hangingPunct="1">
-              <a:lnSpc>
-                <a:spcPct val="80000"/>
-              </a:lnSpc>
-              <a:spcBef>
-                <a:spcPts val="668"/>
-              </a:spcBef>
-              <a:buFont typeface="Arial" panose="020B0604020202020204" pitchFamily="34" charset="0"/>
-              <a:buChar char="•"/>
-            </a:pPr>
-            <a:r>
-              <a:rPr lang="ja-JP" altLang="en-US" sz="1782" dirty="0">
-                <a:latin typeface="HG丸ｺﾞｼｯｸM-PRO" panose="020F0600000000000000" pitchFamily="50" charset="-128"/>
-                <a:ea typeface="HG丸ｺﾞｼｯｸM-PRO" panose="020F0600000000000000" pitchFamily="50" charset="-128"/>
-              </a:rPr>
-              <a:t>ダミーテキストダミーテキスト</a:t>
-            </a:r>
-            <a:endParaRPr lang="en-US" altLang="ja-JP" sz="1782" dirty="0">
-              <a:latin typeface="HG丸ｺﾞｼｯｸM-PRO" panose="020F0600000000000000" pitchFamily="50" charset="-128"/>
-              <a:ea typeface="HG丸ｺﾞｼｯｸM-PRO" panose="020F0600000000000000" pitchFamily="50" charset="-128"/>
-            </a:endParaRPr>
-          </a:p>
-          <a:p>
-            <a:pPr marL="219212" indent="-219212" eaLnBrk="1" hangingPunct="1">
-              <a:lnSpc>
-                <a:spcPct val="80000"/>
-              </a:lnSpc>
-              <a:spcBef>
-                <a:spcPts val="668"/>
-              </a:spcBef>
-              <a:buFont typeface="Arial" panose="020B0604020202020204" pitchFamily="34" charset="0"/>
-              <a:buChar char="•"/>
-            </a:pPr>
-            <a:r>
-              <a:rPr lang="ja-JP" altLang="en-US" sz="1782" dirty="0">
-                <a:latin typeface="HG丸ｺﾞｼｯｸM-PRO" panose="020F0600000000000000" pitchFamily="50" charset="-128"/>
-                <a:ea typeface="HG丸ｺﾞｼｯｸM-PRO" panose="020F0600000000000000" pitchFamily="50" charset="-128"/>
-              </a:rPr>
-              <a:t>（文字サイズは</a:t>
-            </a:r>
-            <a:r>
-              <a:rPr lang="en-US" altLang="ja-JP" sz="1782" dirty="0">
-                <a:latin typeface="HG丸ｺﾞｼｯｸM-PRO" panose="020F0600000000000000" pitchFamily="50" charset="-128"/>
-                <a:ea typeface="HG丸ｺﾞｼｯｸM-PRO" panose="020F0600000000000000" pitchFamily="50" charset="-128"/>
-              </a:rPr>
-              <a:t>16</a:t>
-            </a:r>
-            <a:r>
-              <a:rPr lang="ja-JP" altLang="en-US" sz="1782" dirty="0">
-                <a:latin typeface="HG丸ｺﾞｼｯｸM-PRO" panose="020F0600000000000000" pitchFamily="50" charset="-128"/>
-                <a:ea typeface="HG丸ｺﾞｼｯｸM-PRO" panose="020F0600000000000000" pitchFamily="50" charset="-128"/>
-              </a:rPr>
-              <a:t>ポイント以上、全角で</a:t>
-            </a:r>
-            <a:r>
-              <a:rPr lang="en-US" altLang="ja-JP" sz="1782" dirty="0">
-                <a:latin typeface="HG丸ｺﾞｼｯｸM-PRO" panose="020F0600000000000000" pitchFamily="50" charset="-128"/>
-                <a:ea typeface="HG丸ｺﾞｼｯｸM-PRO" panose="020F0600000000000000" pitchFamily="50" charset="-128"/>
-              </a:rPr>
-              <a:t>300</a:t>
-            </a:r>
-            <a:r>
-              <a:rPr lang="ja-JP" altLang="en-US" sz="1782" dirty="0">
-                <a:latin typeface="HG丸ｺﾞｼｯｸM-PRO" panose="020F0600000000000000" pitchFamily="50" charset="-128"/>
-                <a:ea typeface="HG丸ｺﾞｼｯｸM-PRO" panose="020F0600000000000000" pitchFamily="50" charset="-128"/>
-              </a:rPr>
-              <a:t>文字程度）</a:t>
-            </a:r>
-          </a:p>
-          <a:p>
-            <a:pPr marL="0" indent="0" eaLnBrk="1" hangingPunct="1">
-              <a:lnSpc>
-                <a:spcPct val="80000"/>
-              </a:lnSpc>
-              <a:spcBef>
-                <a:spcPts val="668"/>
-              </a:spcBef>
-            </a:pPr>
-            <a:endParaRPr lang="ja-JP" altLang="en-US" sz="1782" dirty="0">
-              <a:latin typeface="HG丸ｺﾞｼｯｸM-PRO" panose="020F0600000000000000" pitchFamily="50" charset="-128"/>
-              <a:ea typeface="HG丸ｺﾞｼｯｸM-PRO" panose="020F0600000000000000" pitchFamily="50" charset="-128"/>
-            </a:endParaRPr>
+              <a:t>モデリング対象：ゴールまで走行する</a:t>
+            </a:r>
           </a:p>
           <a:p>
             <a:pPr marL="0" indent="0" eaLnBrk="1" hangingPunct="1">

--- a/model_file_template_primary.pptx
+++ b/model_file_template_primary.pptx
@@ -1043,7 +1043,7 @@
           <a:p>
             <a:fld id="{C764DE79-268F-4C1A-8933-263129D2AF90}" type="datetimeFigureOut">
               <a:rPr lang="en-US" dirty="0"/>
-              <a:t>4/11/2023</a:t>
+              <a:t>4/17/2023</a:t>
             </a:fld>
             <a:endParaRPr lang="en-US" dirty="0"/>
           </a:p>
@@ -1138,7 +1138,7 @@
           <a:p>
             <a:fld id="{C764DE79-268F-4C1A-8933-263129D2AF90}" type="datetimeFigureOut">
               <a:rPr lang="en-US" dirty="0"/>
-              <a:t>4/11/2023</a:t>
+              <a:t>4/17/2023</a:t>
             </a:fld>
             <a:endParaRPr lang="en-US" dirty="0"/>
           </a:p>
@@ -1447,7 +1447,7 @@
           <a:p>
             <a:fld id="{C764DE79-268F-4C1A-8933-263129D2AF90}" type="datetimeFigureOut">
               <a:rPr lang="en-US" dirty="0"/>
-              <a:t>4/11/2023</a:t>
+              <a:t>4/17/2023</a:t>
             </a:fld>
             <a:endParaRPr lang="en-US" dirty="0"/>
           </a:p>
@@ -1704,7 +1704,7 @@
           <a:p>
             <a:fld id="{C764DE79-268F-4C1A-8933-263129D2AF90}" type="datetimeFigureOut">
               <a:rPr lang="en-US" dirty="0"/>
-              <a:t>4/11/2023</a:t>
+              <a:t>4/17/2023</a:t>
             </a:fld>
             <a:endParaRPr lang="en-US" dirty="0"/>
           </a:p>
@@ -1906,7 +1906,7 @@
           <a:p>
             <a:fld id="{C764DE79-268F-4C1A-8933-263129D2AF90}" type="datetimeFigureOut">
               <a:rPr lang="en-US" dirty="0"/>
-              <a:t>4/11/2023</a:t>
+              <a:t>4/17/2023</a:t>
             </a:fld>
             <a:endParaRPr lang="en-US" dirty="0"/>
           </a:p>
@@ -2118,7 +2118,7 @@
           <a:p>
             <a:fld id="{C764DE79-268F-4C1A-8933-263129D2AF90}" type="datetimeFigureOut">
               <a:rPr lang="en-US" dirty="0"/>
-              <a:t>4/11/2023</a:t>
+              <a:t>4/17/2023</a:t>
             </a:fld>
             <a:endParaRPr lang="en-US" dirty="0"/>
           </a:p>
@@ -2545,7 +2545,7 @@
           <a:p>
             <a:fld id="{C764DE79-268F-4C1A-8933-263129D2AF90}" type="datetimeFigureOut">
               <a:rPr lang="en-US" dirty="0"/>
-              <a:t>4/11/2023</a:t>
+              <a:t>4/17/2023</a:t>
             </a:fld>
             <a:endParaRPr lang="en-US" dirty="0"/>
           </a:p>
@@ -2747,7 +2747,7 @@
           <a:p>
             <a:fld id="{C764DE79-268F-4C1A-8933-263129D2AF90}" type="datetimeFigureOut">
               <a:rPr lang="en-US" dirty="0"/>
-              <a:t>4/11/2023</a:t>
+              <a:t>4/17/2023</a:t>
             </a:fld>
             <a:endParaRPr lang="en-US" dirty="0"/>
           </a:p>
@@ -2991,7 +2991,7 @@
           <a:p>
             <a:fld id="{C764DE79-268F-4C1A-8933-263129D2AF90}" type="datetimeFigureOut">
               <a:rPr lang="en-US" dirty="0"/>
-              <a:t>4/11/2023</a:t>
+              <a:t>4/17/2023</a:t>
             </a:fld>
             <a:endParaRPr lang="en-US" dirty="0"/>
           </a:p>
@@ -3287,7 +3287,7 @@
           <a:p>
             <a:fld id="{C764DE79-268F-4C1A-8933-263129D2AF90}" type="datetimeFigureOut">
               <a:rPr lang="en-US" dirty="0"/>
-              <a:t>4/11/2023</a:t>
+              <a:t>4/17/2023</a:t>
             </a:fld>
             <a:endParaRPr lang="en-US" dirty="0"/>
           </a:p>
@@ -3718,7 +3718,7 @@
           <a:p>
             <a:fld id="{C764DE79-268F-4C1A-8933-263129D2AF90}" type="datetimeFigureOut">
               <a:rPr lang="en-US" dirty="0"/>
-              <a:t>4/11/2023</a:t>
+              <a:t>4/17/2023</a:t>
             </a:fld>
             <a:endParaRPr lang="en-US" dirty="0"/>
           </a:p>
@@ -4743,7 +4743,7 @@
           <a:p>
             <a:fld id="{C764DE79-268F-4C1A-8933-263129D2AF90}" type="datetimeFigureOut">
               <a:rPr lang="en-US" dirty="0"/>
-              <a:t>4/11/2023</a:t>
+              <a:t>4/17/2023</a:t>
             </a:fld>
             <a:endParaRPr lang="en-US" dirty="0"/>
           </a:p>
@@ -6625,8 +6625,8 @@
           </a:xfrm>
           <a:prstGeom prst="wedgeRectCallout">
             <a:avLst>
-              <a:gd name="adj1" fmla="val -139890"/>
-              <a:gd name="adj2" fmla="val -203874"/>
+              <a:gd name="adj1" fmla="val -21742"/>
+              <a:gd name="adj2" fmla="val -42542"/>
             </a:avLst>
           </a:prstGeom>
           <a:solidFill>
@@ -6903,7 +6903,7 @@
                 <a:latin typeface="HG丸ｺﾞｼｯｸM-PRO" panose="020F0600000000000000" pitchFamily="50" charset="-128"/>
                 <a:ea typeface="HG丸ｺﾞｼｯｸM-PRO" panose="020F0600000000000000" pitchFamily="50" charset="-128"/>
               </a:rPr>
-              <a:t>ン専門学校高度情報工学科</a:t>
+              <a:t>ン専門学校高度情報工学科の</a:t>
             </a:r>
             <a:r>
               <a:rPr lang="en-US" altLang="ja-JP" sz="2000" dirty="0">
@@ -6970,7 +6970,7 @@
                 <a:latin typeface="HG丸ｺﾞｼｯｸM-PRO" panose="020F0600000000000000" pitchFamily="50" charset="-128"/>
                 <a:ea typeface="HG丸ｺﾞｼｯｸM-PRO" panose="020F0600000000000000" pitchFamily="50" charset="-128"/>
               </a:rPr>
-              <a:t>ゴールまで走り抜ける。</a:t>
+              <a:t>ゴールまで走行する。</a:t>
             </a:r>
             <a:endParaRPr lang="en-US" altLang="ja-JP" sz="2000" dirty="0">
               <a:latin typeface="HG丸ｺﾞｼｯｸM-PRO" panose="020F0600000000000000" pitchFamily="50" charset="-128"/>
@@ -6992,14 +6992,8 @@
                 <a:latin typeface="HG丸ｺﾞｼｯｸM-PRO" panose="020F0600000000000000" pitchFamily="50" charset="-128"/>
                 <a:ea typeface="HG丸ｺﾞｼｯｸM-PRO" panose="020F0600000000000000" pitchFamily="50" charset="-128"/>
               </a:rPr>
-              <a:t>直線において、他チームの追随を許さない速さで走ります。</a:t>
-            </a:r>
-            <a:endParaRPr lang="en-US" altLang="ja-JP" sz="2000" dirty="0">
-              <a:latin typeface="HG丸ｺﾞｼｯｸM-PRO" panose="020F0600000000000000" pitchFamily="50" charset="-128"/>
-              <a:ea typeface="HG丸ｺﾞｼｯｸM-PRO" panose="020F0600000000000000" pitchFamily="50" charset="-128"/>
-            </a:endParaRPr>
-          </a:p>
-          <a:p>
+              <a:t>目標達成に向けて、チーム一丸となって頑張ります。</a:t>
+            </a:r>
             <a:br>
               <a:rPr lang="ja-JP" altLang="en-US" sz="2400" dirty="0"/>
             </a:br>
@@ -7261,10 +7255,88 @@
       </p:grpSpPr>
       <p:sp>
         <p:nvSpPr>
-          <p:cNvPr id="5" name="タイトル 4">
+          <p:cNvPr id="10" name="テキスト ボックス 9">
             <a:extLst>
               <a:ext uri="{FF2B5EF4-FFF2-40B4-BE49-F238E27FC236}">
-                <a16:creationId xmlns:a16="http://schemas.microsoft.com/office/drawing/2014/main" id="{99E97F26-ED30-4870-B29B-88DD2A395D18}"/>
+                <a16:creationId xmlns:a16="http://schemas.microsoft.com/office/drawing/2014/main" id="{B29149B3-A69E-4C1D-9EC2-8EA2E2DB9DB6}"/>
+              </a:ext>
+            </a:extLst>
+          </p:cNvPr>
+          <p:cNvSpPr txBox="1"/>
+          <p:nvPr/>
+        </p:nvSpPr>
+        <p:spPr>
+          <a:xfrm>
+            <a:off x="471241" y="1066728"/>
+            <a:ext cx="2287806" cy="400110"/>
+          </a:xfrm>
+          <a:prstGeom prst="rect">
+            <a:avLst/>
+          </a:prstGeom>
+          <a:noFill/>
+        </p:spPr>
+        <p:txBody>
+          <a:bodyPr wrap="none" rtlCol="0">
+            <a:spAutoFit/>
+          </a:bodyPr>
+          <a:lstStyle/>
+          <a:p>
+            <a:r>
+              <a:rPr kumimoji="1" lang="en-US" altLang="ja-JP" sz="2000" u="sng" dirty="0"/>
+              <a:t>1-1 </a:t>
+            </a:r>
+            <a:r>
+              <a:rPr kumimoji="1" lang="ja-JP" altLang="en-US" sz="2000" b="1" u="sng" dirty="0"/>
+              <a:t>ユースケース図</a:t>
+            </a:r>
+          </a:p>
+        </p:txBody>
+      </p:sp>
+      <p:sp>
+        <p:nvSpPr>
+          <p:cNvPr id="11" name="テキスト ボックス 10">
+            <a:extLst>
+              <a:ext uri="{FF2B5EF4-FFF2-40B4-BE49-F238E27FC236}">
+                <a16:creationId xmlns:a16="http://schemas.microsoft.com/office/drawing/2014/main" id="{2CB63FB2-F2E7-459F-BAA8-612411B34B0D}"/>
+              </a:ext>
+            </a:extLst>
+          </p:cNvPr>
+          <p:cNvSpPr txBox="1"/>
+          <p:nvPr/>
+        </p:nvSpPr>
+        <p:spPr>
+          <a:xfrm>
+            <a:off x="9717829" y="1014260"/>
+            <a:ext cx="2303836" cy="400110"/>
+          </a:xfrm>
+          <a:prstGeom prst="rect">
+            <a:avLst/>
+          </a:prstGeom>
+          <a:noFill/>
+        </p:spPr>
+        <p:txBody>
+          <a:bodyPr wrap="none" rtlCol="0">
+            <a:spAutoFit/>
+          </a:bodyPr>
+          <a:lstStyle/>
+          <a:p>
+            <a:r>
+              <a:rPr kumimoji="1" lang="en-US" altLang="ja-JP" sz="2000" b="1" u="sng" dirty="0"/>
+              <a:t>1-2 </a:t>
+            </a:r>
+            <a:r>
+              <a:rPr kumimoji="1" lang="ja-JP" altLang="en-US" sz="2000" b="1" u="sng" dirty="0"/>
+              <a:t>アクティビティ図</a:t>
+            </a:r>
+          </a:p>
+        </p:txBody>
+      </p:sp>
+      <p:sp>
+        <p:nvSpPr>
+          <p:cNvPr id="13" name="タイトル 12">
+            <a:extLst>
+              <a:ext uri="{FF2B5EF4-FFF2-40B4-BE49-F238E27FC236}">
+                <a16:creationId xmlns:a16="http://schemas.microsoft.com/office/drawing/2014/main" id="{6A4DCF3A-4DC5-4041-8C75-FAFD6B56D30F}"/>
               </a:ext>
             </a:extLst>
           </p:cNvPr>
@@ -7275,46 +7347,888 @@
             <p:ph type="title"/>
           </p:nvPr>
         </p:nvSpPr>
-        <p:spPr/>
-        <p:txBody>
-          <a:bodyPr/>
+        <p:spPr>
+          <a:xfrm>
+            <a:off x="-1" y="0"/>
+            <a:ext cx="15119351" cy="795202"/>
+          </a:xfrm>
+          <a:solidFill>
+            <a:schemeClr val="tx2">
+              <a:lumMod val="20000"/>
+              <a:lumOff val="80000"/>
+            </a:schemeClr>
+          </a:solidFill>
+        </p:spPr>
+        <p:txBody>
+          <a:bodyPr>
+            <a:noAutofit/>
+          </a:bodyPr>
           <a:lstStyle/>
           <a:p>
             <a:r>
-              <a:rPr kumimoji="1" lang="ja-JP" altLang="en-US" dirty="0"/>
+              <a:rPr lang="ja-JP" altLang="en-US" sz="2000" dirty="0">
+                <a:latin typeface="メイリオ" panose="020B0604030504040204" pitchFamily="50" charset="-128"/>
+                <a:ea typeface="メイリオ" panose="020B0604030504040204" pitchFamily="50" charset="-128"/>
+              </a:rPr>
+              <a:t>　　</a:t>
+            </a:r>
+            <a:r>
+              <a:rPr lang="en-US" altLang="ja-JP" sz="2000" dirty="0">
+                <a:latin typeface="メイリオ" panose="020B0604030504040204" pitchFamily="50" charset="-128"/>
+                <a:ea typeface="メイリオ" panose="020B0604030504040204" pitchFamily="50" charset="-128"/>
+              </a:rPr>
+              <a:t>1.</a:t>
+            </a:r>
+            <a:r>
+              <a:rPr lang="ja-JP" altLang="en-US" sz="2000" dirty="0">
+                <a:latin typeface="メイリオ" panose="020B0604030504040204" pitchFamily="50" charset="-128"/>
+                <a:ea typeface="メイリオ" panose="020B0604030504040204" pitchFamily="50" charset="-128"/>
+              </a:rPr>
               <a:t>機能モデル</a:t>
             </a:r>
-          </a:p>
-        </p:txBody>
-      </p:sp>
-      <p:sp>
-        <p:nvSpPr>
-          <p:cNvPr id="7" name="コンテンツ プレースホルダー 6">
+            <a:r>
+              <a:rPr lang="en-US" altLang="ja-JP" sz="2000" dirty="0">
+                <a:latin typeface="メイリオ" panose="020B0604030504040204" pitchFamily="50" charset="-128"/>
+                <a:ea typeface="メイリオ" panose="020B0604030504040204" pitchFamily="50" charset="-128"/>
+              </a:rPr>
+              <a:t>						</a:t>
+            </a:r>
+            <a:r>
+              <a:rPr lang="ja-JP" altLang="en-US" sz="2000" dirty="0">
+                <a:latin typeface="メイリオ" panose="020B0604030504040204" pitchFamily="50" charset="-128"/>
+                <a:ea typeface="メイリオ" panose="020B0604030504040204" pitchFamily="50" charset="-128"/>
+              </a:rPr>
+              <a:t>盛岡情報ビジネス＆デザイン専門学校</a:t>
+            </a:r>
+          </a:p>
+        </p:txBody>
+      </p:sp>
+      <p:sp>
+        <p:nvSpPr>
+          <p:cNvPr id="14" name="テキスト ボックス 13">
             <a:extLst>
               <a:ext uri="{FF2B5EF4-FFF2-40B4-BE49-F238E27FC236}">
-                <a16:creationId xmlns:a16="http://schemas.microsoft.com/office/drawing/2014/main" id="{43A1BEA2-AA1D-441C-972E-6D458196DA19}"/>
+                <a16:creationId xmlns:a16="http://schemas.microsoft.com/office/drawing/2014/main" id="{AA2E28F0-1A29-4C32-8DFE-2415EF75CAF2}"/>
               </a:ext>
             </a:extLst>
           </p:cNvPr>
-          <p:cNvSpPr>
-            <a:spLocks noGrp="1"/>
-          </p:cNvSpPr>
+          <p:cNvSpPr txBox="1"/>
+          <p:nvPr/>
+        </p:nvSpPr>
+        <p:spPr>
+          <a:xfrm>
+            <a:off x="477612" y="1562219"/>
+            <a:ext cx="6192688" cy="375937"/>
+          </a:xfrm>
+          <a:prstGeom prst="rect">
+            <a:avLst/>
+          </a:prstGeom>
+          <a:noFill/>
+        </p:spPr>
+        <p:txBody>
+          <a:bodyPr wrap="square" rtlCol="0">
+            <a:spAutoFit/>
+          </a:bodyPr>
+          <a:lstStyle/>
+          <a:p>
+            <a:r>
+              <a:rPr kumimoji="1" lang="ja-JP" altLang="en-US" dirty="0"/>
+              <a:t>走行体がスタートしてから、基本コースを通過すること。</a:t>
+            </a:r>
+          </a:p>
+        </p:txBody>
+      </p:sp>
+      <p:sp>
+        <p:nvSpPr>
+          <p:cNvPr id="15" name="テキスト ボックス 14">
+            <a:extLst>
+              <a:ext uri="{FF2B5EF4-FFF2-40B4-BE49-F238E27FC236}">
+                <a16:creationId xmlns:a16="http://schemas.microsoft.com/office/drawing/2014/main" id="{B03C4FC1-78AB-46D1-9F16-8897689F36BC}"/>
+              </a:ext>
+            </a:extLst>
+          </p:cNvPr>
+          <p:cNvSpPr txBox="1"/>
+          <p:nvPr/>
+        </p:nvSpPr>
+        <p:spPr>
+          <a:xfrm>
+            <a:off x="9717829" y="1373998"/>
+            <a:ext cx="5289919" cy="659540"/>
+          </a:xfrm>
+          <a:prstGeom prst="rect">
+            <a:avLst/>
+          </a:prstGeom>
+          <a:noFill/>
+        </p:spPr>
+        <p:txBody>
+          <a:bodyPr wrap="square" rtlCol="0">
+            <a:spAutoFit/>
+          </a:bodyPr>
+          <a:lstStyle/>
+          <a:p>
+            <a:r>
+              <a:rPr lang="ja-JP" altLang="en-US" dirty="0"/>
+              <a:t>ライントレース走行のユースケースを実現する為に必要となる処理や順序を示す。</a:t>
+            </a:r>
+            <a:endParaRPr kumimoji="1" lang="ja-JP" altLang="en-US" dirty="0"/>
+          </a:p>
+        </p:txBody>
+      </p:sp>
+      <p:pic>
+        <p:nvPicPr>
+          <p:cNvPr id="1028" name="Picture 4">
+            <a:extLst>
+              <a:ext uri="{FF2B5EF4-FFF2-40B4-BE49-F238E27FC236}">
+                <a16:creationId xmlns:a16="http://schemas.microsoft.com/office/drawing/2014/main" id="{614830CE-1B7D-471F-9FE6-4444596FDF83}"/>
+              </a:ext>
+            </a:extLst>
+          </p:cNvPr>
+          <p:cNvPicPr>
+            <a:picLocks noChangeAspect="1" noChangeArrowheads="1"/>
+          </p:cNvPicPr>
+          <p:nvPr/>
+        </p:nvPicPr>
+        <p:blipFill>
+          <a:blip r:embed="rId2">
+            <a:extLst>
+              <a:ext uri="{28A0092B-C50C-407E-A947-70E740481C1C}">
+                <a14:useLocalDpi xmlns:a14="http://schemas.microsoft.com/office/drawing/2010/main" val="0"/>
+              </a:ext>
+            </a:extLst>
+          </a:blip>
+          <a:srcRect/>
+          <a:stretch>
+            <a:fillRect/>
+          </a:stretch>
+        </p:blipFill>
+        <p:spPr bwMode="auto">
+          <a:xfrm>
+            <a:off x="753576" y="1953668"/>
+            <a:ext cx="8166934" cy="4400350"/>
+          </a:xfrm>
+          <a:prstGeom prst="rect">
+            <a:avLst/>
+          </a:prstGeom>
+          <a:noFill/>
+          <a:extLst>
+            <a:ext uri="{909E8E84-426E-40DD-AFC4-6F175D3DCCD1}">
+              <a14:hiddenFill xmlns:a14="http://schemas.microsoft.com/office/drawing/2010/main">
+                <a:solidFill>
+                  <a:srgbClr val="FFFFFF"/>
+                </a:solidFill>
+              </a14:hiddenFill>
+            </a:ext>
+          </a:extLst>
+        </p:spPr>
+      </p:pic>
+      <p:graphicFrame>
+        <p:nvGraphicFramePr>
+          <p:cNvPr id="3" name="表 2">
+            <a:extLst>
+              <a:ext uri="{FF2B5EF4-FFF2-40B4-BE49-F238E27FC236}">
+                <a16:creationId xmlns:a16="http://schemas.microsoft.com/office/drawing/2014/main" id="{A4B2EFD5-D538-4992-AF43-047F5CC233C4}"/>
+              </a:ext>
+            </a:extLst>
+          </p:cNvPr>
+          <p:cNvGraphicFramePr>
+            <a:graphicFrameLocks noGrp="1"/>
+          </p:cNvGraphicFramePr>
           <p:nvPr>
-            <p:ph idx="1"/>
+            <p:extLst>
+              <p:ext uri="{D42A27DB-BD31-4B8C-83A1-F6EECF244321}">
+                <p14:modId xmlns:p14="http://schemas.microsoft.com/office/powerpoint/2010/main" val="952414598"/>
+              </p:ext>
+            </p:extLst>
           </p:nvPr>
-        </p:nvSpPr>
-        <p:spPr/>
-        <p:txBody>
-          <a:bodyPr/>
-          <a:lstStyle/>
-          <a:p>
-            <a:r>
-              <a:rPr kumimoji="1" lang="ja-JP" altLang="en-US" dirty="0"/>
-              <a:t>ここに機能のモデルを書く</a:t>
-            </a:r>
-          </a:p>
-        </p:txBody>
-      </p:sp>
+        </p:nvGraphicFramePr>
+        <p:xfrm>
+          <a:off x="1287662" y="6570043"/>
+          <a:ext cx="7632848" cy="3243598"/>
+        </p:xfrm>
+        <a:graphic>
+          <a:graphicData uri="http://schemas.openxmlformats.org/drawingml/2006/table">
+            <a:tbl>
+              <a:tblPr/>
+              <a:tblGrid>
+                <a:gridCol w="1635610">
+                  <a:extLst>
+                    <a:ext uri="{9D8B030D-6E8A-4147-A177-3AD203B41FA5}">
+                      <a16:colId xmlns:a16="http://schemas.microsoft.com/office/drawing/2014/main" val="1501481797"/>
+                    </a:ext>
+                  </a:extLst>
+                </a:gridCol>
+                <a:gridCol w="5997238">
+                  <a:extLst>
+                    <a:ext uri="{9D8B030D-6E8A-4147-A177-3AD203B41FA5}">
+                      <a16:colId xmlns:a16="http://schemas.microsoft.com/office/drawing/2014/main" val="3136505007"/>
+                    </a:ext>
+                  </a:extLst>
+                </a:gridCol>
+              </a:tblGrid>
+              <a:tr h="274881">
+                <a:tc>
+                  <a:txBody>
+                    <a:bodyPr/>
+                    <a:lstStyle/>
+                    <a:p>
+                      <a:pPr rtl="0" fontAlgn="ctr"/>
+                      <a:r>
+                        <a:rPr lang="ja-JP" altLang="en-US" sz="1200">
+                          <a:effectLst/>
+                        </a:rPr>
+                        <a:t>ユースケース名</a:t>
+                      </a:r>
+                    </a:p>
+                  </a:txBody>
+                  <a:tcPr marL="22860" marR="22860" marT="0" marB="0" anchor="ctr">
+                    <a:lnL w="7620" cap="flat" cmpd="sng" algn="ctr">
+                      <a:solidFill>
+                        <a:srgbClr val="000000"/>
+                      </a:solidFill>
+                      <a:prstDash val="solid"/>
+                      <a:round/>
+                      <a:headEnd type="none" w="med" len="med"/>
+                      <a:tailEnd type="none" w="med" len="med"/>
+                    </a:lnL>
+                    <a:lnR w="7620" cap="flat" cmpd="sng" algn="ctr">
+                      <a:solidFill>
+                        <a:srgbClr val="CCCCCC"/>
+                      </a:solidFill>
+                      <a:prstDash val="solid"/>
+                      <a:round/>
+                      <a:headEnd type="none" w="med" len="med"/>
+                      <a:tailEnd type="none" w="med" len="med"/>
+                    </a:lnR>
+                    <a:lnT w="7620" cap="flat" cmpd="sng" algn="ctr">
+                      <a:solidFill>
+                        <a:srgbClr val="000000"/>
+                      </a:solidFill>
+                      <a:prstDash val="solid"/>
+                      <a:round/>
+                      <a:headEnd type="none" w="med" len="med"/>
+                      <a:tailEnd type="none" w="med" len="med"/>
+                    </a:lnT>
+                    <a:lnB w="7620" cap="flat" cmpd="sng" algn="ctr">
+                      <a:solidFill>
+                        <a:srgbClr val="CCCCCC"/>
+                      </a:solidFill>
+                      <a:prstDash val="solid"/>
+                      <a:round/>
+                      <a:headEnd type="none" w="med" len="med"/>
+                      <a:tailEnd type="none" w="med" len="med"/>
+                    </a:lnB>
+                    <a:solidFill>
+                      <a:srgbClr val="EFEFEF"/>
+                    </a:solidFill>
+                  </a:tcPr>
+                </a:tc>
+                <a:tc>
+                  <a:txBody>
+                    <a:bodyPr/>
+                    <a:lstStyle/>
+                    <a:p>
+                      <a:pPr rtl="0" fontAlgn="t"/>
+                      <a:r>
+                        <a:rPr lang="ja-JP" altLang="en-US" sz="1200">
+                          <a:effectLst/>
+                        </a:rPr>
+                        <a:t>走行体がゴールまで走行する</a:t>
+                      </a:r>
+                    </a:p>
+                  </a:txBody>
+                  <a:tcPr marL="22860" marR="22860" marT="0" marB="0">
+                    <a:lnL w="7620" cap="flat" cmpd="sng" algn="ctr">
+                      <a:solidFill>
+                        <a:srgbClr val="CCCCCC"/>
+                      </a:solidFill>
+                      <a:prstDash val="solid"/>
+                      <a:round/>
+                      <a:headEnd type="none" w="med" len="med"/>
+                      <a:tailEnd type="none" w="med" len="med"/>
+                    </a:lnL>
+                    <a:lnR w="7620" cap="flat" cmpd="sng" algn="ctr">
+                      <a:solidFill>
+                        <a:srgbClr val="000000"/>
+                      </a:solidFill>
+                      <a:prstDash val="solid"/>
+                      <a:round/>
+                      <a:headEnd type="none" w="med" len="med"/>
+                      <a:tailEnd type="none" w="med" len="med"/>
+                    </a:lnR>
+                    <a:lnT w="7620" cap="flat" cmpd="sng" algn="ctr">
+                      <a:solidFill>
+                        <a:srgbClr val="000000"/>
+                      </a:solidFill>
+                      <a:prstDash val="solid"/>
+                      <a:round/>
+                      <a:headEnd type="none" w="med" len="med"/>
+                      <a:tailEnd type="none" w="med" len="med"/>
+                    </a:lnT>
+                    <a:lnB w="7620" cap="flat" cmpd="sng" algn="ctr">
+                      <a:solidFill>
+                        <a:srgbClr val="CCCCCC"/>
+                      </a:solidFill>
+                      <a:prstDash val="solid"/>
+                      <a:round/>
+                      <a:headEnd type="none" w="med" len="med"/>
+                      <a:tailEnd type="none" w="med" len="med"/>
+                    </a:lnB>
+                  </a:tcPr>
+                </a:tc>
+                <a:extLst>
+                  <a:ext uri="{0D108BD9-81ED-4DB2-BD59-A6C34878D82A}">
+                    <a16:rowId xmlns:a16="http://schemas.microsoft.com/office/drawing/2014/main" val="3455296152"/>
+                  </a:ext>
+                </a:extLst>
+              </a:tr>
+              <a:tr h="274881">
+                <a:tc>
+                  <a:txBody>
+                    <a:bodyPr/>
+                    <a:lstStyle/>
+                    <a:p>
+                      <a:pPr rtl="0" fontAlgn="ctr"/>
+                      <a:r>
+                        <a:rPr lang="ja-JP" altLang="en-US" sz="1200">
+                          <a:effectLst/>
+                        </a:rPr>
+                        <a:t>概要</a:t>
+                      </a:r>
+                    </a:p>
+                  </a:txBody>
+                  <a:tcPr marL="22860" marR="22860" marT="0" marB="0" anchor="ctr">
+                    <a:lnL w="7620" cap="flat" cmpd="sng" algn="ctr">
+                      <a:solidFill>
+                        <a:srgbClr val="000000"/>
+                      </a:solidFill>
+                      <a:prstDash val="solid"/>
+                      <a:round/>
+                      <a:headEnd type="none" w="med" len="med"/>
+                      <a:tailEnd type="none" w="med" len="med"/>
+                    </a:lnL>
+                    <a:lnR w="7620" cap="flat" cmpd="sng" algn="ctr">
+                      <a:solidFill>
+                        <a:srgbClr val="CCCCCC"/>
+                      </a:solidFill>
+                      <a:prstDash val="solid"/>
+                      <a:round/>
+                      <a:headEnd type="none" w="med" len="med"/>
+                      <a:tailEnd type="none" w="med" len="med"/>
+                    </a:lnR>
+                    <a:lnT w="7620" cap="flat" cmpd="sng" algn="ctr">
+                      <a:solidFill>
+                        <a:srgbClr val="CCCCCC"/>
+                      </a:solidFill>
+                      <a:prstDash val="solid"/>
+                      <a:round/>
+                      <a:headEnd type="none" w="med" len="med"/>
+                      <a:tailEnd type="none" w="med" len="med"/>
+                    </a:lnT>
+                    <a:lnB w="7620" cap="flat" cmpd="sng" algn="ctr">
+                      <a:solidFill>
+                        <a:srgbClr val="CCCCCC"/>
+                      </a:solidFill>
+                      <a:prstDash val="solid"/>
+                      <a:round/>
+                      <a:headEnd type="none" w="med" len="med"/>
+                      <a:tailEnd type="none" w="med" len="med"/>
+                    </a:lnB>
+                    <a:solidFill>
+                      <a:srgbClr val="EFEFEF"/>
+                    </a:solidFill>
+                  </a:tcPr>
+                </a:tc>
+                <a:tc>
+                  <a:txBody>
+                    <a:bodyPr/>
+                    <a:lstStyle/>
+                    <a:p>
+                      <a:pPr rtl="0" fontAlgn="t"/>
+                      <a:r>
+                        <a:rPr lang="ja-JP" altLang="en-US" sz="1200">
+                          <a:effectLst/>
+                        </a:rPr>
+                        <a:t>基本コースを走行するシステム</a:t>
+                      </a:r>
+                    </a:p>
+                  </a:txBody>
+                  <a:tcPr marL="22860" marR="22860" marT="0" marB="0">
+                    <a:lnL w="7620" cap="flat" cmpd="sng" algn="ctr">
+                      <a:solidFill>
+                        <a:srgbClr val="CCCCCC"/>
+                      </a:solidFill>
+                      <a:prstDash val="solid"/>
+                      <a:round/>
+                      <a:headEnd type="none" w="med" len="med"/>
+                      <a:tailEnd type="none" w="med" len="med"/>
+                    </a:lnL>
+                    <a:lnR w="7620" cap="flat" cmpd="sng" algn="ctr">
+                      <a:solidFill>
+                        <a:srgbClr val="000000"/>
+                      </a:solidFill>
+                      <a:prstDash val="solid"/>
+                      <a:round/>
+                      <a:headEnd type="none" w="med" len="med"/>
+                      <a:tailEnd type="none" w="med" len="med"/>
+                    </a:lnR>
+                    <a:lnT w="7620" cap="flat" cmpd="sng" algn="ctr">
+                      <a:solidFill>
+                        <a:srgbClr val="CCCCCC"/>
+                      </a:solidFill>
+                      <a:prstDash val="solid"/>
+                      <a:round/>
+                      <a:headEnd type="none" w="med" len="med"/>
+                      <a:tailEnd type="none" w="med" len="med"/>
+                    </a:lnT>
+                    <a:lnB w="7620" cap="flat" cmpd="sng" algn="ctr">
+                      <a:solidFill>
+                        <a:srgbClr val="CCCCCC"/>
+                      </a:solidFill>
+                      <a:prstDash val="solid"/>
+                      <a:round/>
+                      <a:headEnd type="none" w="med" len="med"/>
+                      <a:tailEnd type="none" w="med" len="med"/>
+                    </a:lnB>
+                  </a:tcPr>
+                </a:tc>
+                <a:extLst>
+                  <a:ext uri="{0D108BD9-81ED-4DB2-BD59-A6C34878D82A}">
+                    <a16:rowId xmlns:a16="http://schemas.microsoft.com/office/drawing/2014/main" val="411903944"/>
+                  </a:ext>
+                </a:extLst>
+              </a:tr>
+              <a:tr h="274881">
+                <a:tc>
+                  <a:txBody>
+                    <a:bodyPr/>
+                    <a:lstStyle/>
+                    <a:p>
+                      <a:pPr rtl="0" fontAlgn="ctr"/>
+                      <a:r>
+                        <a:rPr lang="ja-JP" altLang="en-US" sz="1200">
+                          <a:effectLst/>
+                        </a:rPr>
+                        <a:t>アクター</a:t>
+                      </a:r>
+                    </a:p>
+                  </a:txBody>
+                  <a:tcPr marL="22860" marR="22860" marT="0" marB="0" anchor="ctr">
+                    <a:lnL w="7620" cap="flat" cmpd="sng" algn="ctr">
+                      <a:solidFill>
+                        <a:srgbClr val="000000"/>
+                      </a:solidFill>
+                      <a:prstDash val="solid"/>
+                      <a:round/>
+                      <a:headEnd type="none" w="med" len="med"/>
+                      <a:tailEnd type="none" w="med" len="med"/>
+                    </a:lnL>
+                    <a:lnR w="7620" cap="flat" cmpd="sng" algn="ctr">
+                      <a:solidFill>
+                        <a:srgbClr val="CCCCCC"/>
+                      </a:solidFill>
+                      <a:prstDash val="solid"/>
+                      <a:round/>
+                      <a:headEnd type="none" w="med" len="med"/>
+                      <a:tailEnd type="none" w="med" len="med"/>
+                    </a:lnR>
+                    <a:lnT w="7620" cap="flat" cmpd="sng" algn="ctr">
+                      <a:solidFill>
+                        <a:srgbClr val="CCCCCC"/>
+                      </a:solidFill>
+                      <a:prstDash val="solid"/>
+                      <a:round/>
+                      <a:headEnd type="none" w="med" len="med"/>
+                      <a:tailEnd type="none" w="med" len="med"/>
+                    </a:lnT>
+                    <a:lnB w="7620" cap="flat" cmpd="sng" algn="ctr">
+                      <a:solidFill>
+                        <a:srgbClr val="CCCCCC"/>
+                      </a:solidFill>
+                      <a:prstDash val="solid"/>
+                      <a:round/>
+                      <a:headEnd type="none" w="med" len="med"/>
+                      <a:tailEnd type="none" w="med" len="med"/>
+                    </a:lnB>
+                    <a:solidFill>
+                      <a:srgbClr val="EFEFEF"/>
+                    </a:solidFill>
+                  </a:tcPr>
+                </a:tc>
+                <a:tc>
+                  <a:txBody>
+                    <a:bodyPr/>
+                    <a:lstStyle/>
+                    <a:p>
+                      <a:pPr rtl="0" fontAlgn="t"/>
+                      <a:r>
+                        <a:rPr lang="ja-JP" altLang="en-US" sz="1200">
+                          <a:effectLst/>
+                        </a:rPr>
+                        <a:t>開発者</a:t>
+                      </a:r>
+                    </a:p>
+                  </a:txBody>
+                  <a:tcPr marL="22860" marR="22860" marT="0" marB="0">
+                    <a:lnL w="7620" cap="flat" cmpd="sng" algn="ctr">
+                      <a:solidFill>
+                        <a:srgbClr val="CCCCCC"/>
+                      </a:solidFill>
+                      <a:prstDash val="solid"/>
+                      <a:round/>
+                      <a:headEnd type="none" w="med" len="med"/>
+                      <a:tailEnd type="none" w="med" len="med"/>
+                    </a:lnL>
+                    <a:lnR w="7620" cap="flat" cmpd="sng" algn="ctr">
+                      <a:solidFill>
+                        <a:srgbClr val="000000"/>
+                      </a:solidFill>
+                      <a:prstDash val="solid"/>
+                      <a:round/>
+                      <a:headEnd type="none" w="med" len="med"/>
+                      <a:tailEnd type="none" w="med" len="med"/>
+                    </a:lnR>
+                    <a:lnT w="7620" cap="flat" cmpd="sng" algn="ctr">
+                      <a:solidFill>
+                        <a:srgbClr val="CCCCCC"/>
+                      </a:solidFill>
+                      <a:prstDash val="solid"/>
+                      <a:round/>
+                      <a:headEnd type="none" w="med" len="med"/>
+                      <a:tailEnd type="none" w="med" len="med"/>
+                    </a:lnT>
+                    <a:lnB w="7620" cap="flat" cmpd="sng" algn="ctr">
+                      <a:solidFill>
+                        <a:srgbClr val="CCCCCC"/>
+                      </a:solidFill>
+                      <a:prstDash val="solid"/>
+                      <a:round/>
+                      <a:headEnd type="none" w="med" len="med"/>
+                      <a:tailEnd type="none" w="med" len="med"/>
+                    </a:lnB>
+                  </a:tcPr>
+                </a:tc>
+                <a:extLst>
+                  <a:ext uri="{0D108BD9-81ED-4DB2-BD59-A6C34878D82A}">
+                    <a16:rowId xmlns:a16="http://schemas.microsoft.com/office/drawing/2014/main" val="1409890337"/>
+                  </a:ext>
+                </a:extLst>
+              </a:tr>
+              <a:tr h="2418955">
+                <a:tc>
+                  <a:txBody>
+                    <a:bodyPr/>
+                    <a:lstStyle/>
+                    <a:p>
+                      <a:pPr rtl="0" fontAlgn="ctr"/>
+                      <a:r>
+                        <a:rPr lang="ja-JP" altLang="en-US" sz="1200" dirty="0">
+                          <a:effectLst/>
+                        </a:rPr>
+                        <a:t>基本系列</a:t>
+                      </a:r>
+                    </a:p>
+                  </a:txBody>
+                  <a:tcPr marL="22860" marR="22860" marT="0" marB="0" anchor="ctr">
+                    <a:lnL w="7620" cap="flat" cmpd="sng" algn="ctr">
+                      <a:solidFill>
+                        <a:srgbClr val="000000"/>
+                      </a:solidFill>
+                      <a:prstDash val="solid"/>
+                      <a:round/>
+                      <a:headEnd type="none" w="med" len="med"/>
+                      <a:tailEnd type="none" w="med" len="med"/>
+                    </a:lnL>
+                    <a:lnR w="7620" cap="flat" cmpd="sng" algn="ctr">
+                      <a:solidFill>
+                        <a:srgbClr val="CCCCCC"/>
+                      </a:solidFill>
+                      <a:prstDash val="solid"/>
+                      <a:round/>
+                      <a:headEnd type="none" w="med" len="med"/>
+                      <a:tailEnd type="none" w="med" len="med"/>
+                    </a:lnR>
+                    <a:lnT w="7620" cap="flat" cmpd="sng" algn="ctr">
+                      <a:solidFill>
+                        <a:srgbClr val="CCCCCC"/>
+                      </a:solidFill>
+                      <a:prstDash val="solid"/>
+                      <a:round/>
+                      <a:headEnd type="none" w="med" len="med"/>
+                      <a:tailEnd type="none" w="med" len="med"/>
+                    </a:lnT>
+                    <a:lnB w="7620" cap="flat" cmpd="sng" algn="ctr">
+                      <a:solidFill>
+                        <a:srgbClr val="000000"/>
+                      </a:solidFill>
+                      <a:prstDash val="solid"/>
+                      <a:round/>
+                      <a:headEnd type="none" w="med" len="med"/>
+                      <a:tailEnd type="none" w="med" len="med"/>
+                    </a:lnB>
+                    <a:solidFill>
+                      <a:srgbClr val="EFEFEF"/>
+                    </a:solidFill>
+                  </a:tcPr>
+                </a:tc>
+                <a:tc>
+                  <a:txBody>
+                    <a:bodyPr/>
+                    <a:lstStyle/>
+                    <a:p>
+                      <a:pPr rtl="0" fontAlgn="t"/>
+                      <a:r>
+                        <a:rPr lang="en-US" altLang="ja-JP" sz="1200" dirty="0">
+                          <a:effectLst/>
+                        </a:rPr>
+                        <a:t>1.</a:t>
+                      </a:r>
+                      <a:r>
+                        <a:rPr lang="ja-JP" altLang="en-US" sz="1200" dirty="0">
+                          <a:effectLst/>
+                        </a:rPr>
+                        <a:t>開発者が走行体を起動すると、走行体は動作を開始する。</a:t>
+                      </a:r>
+                      <a:br>
+                        <a:rPr lang="ja-JP" altLang="en-US" sz="1200" dirty="0">
+                          <a:effectLst/>
+                        </a:rPr>
+                      </a:br>
+                      <a:r>
+                        <a:rPr lang="en-US" altLang="ja-JP" sz="1200" dirty="0">
+                          <a:effectLst/>
+                        </a:rPr>
+                        <a:t>2.</a:t>
+                      </a:r>
+                      <a:r>
+                        <a:rPr lang="ja-JP" altLang="en-US" sz="1200" dirty="0">
+                          <a:effectLst/>
+                        </a:rPr>
+                        <a:t>走行体は動作を開始すると、デバイスを初期化し、走行開始の指示を待つ。</a:t>
+                      </a:r>
+                      <a:br>
+                        <a:rPr lang="ja-JP" altLang="en-US" sz="1200" dirty="0">
+                          <a:effectLst/>
+                        </a:rPr>
+                      </a:br>
+                      <a:r>
+                        <a:rPr lang="en-US" altLang="ja-JP" sz="1200" dirty="0">
+                          <a:effectLst/>
+                        </a:rPr>
+                        <a:t>3.</a:t>
+                      </a:r>
+                      <a:r>
+                        <a:rPr lang="ja-JP" altLang="en-US" sz="1200" dirty="0">
+                          <a:effectLst/>
+                        </a:rPr>
+                        <a:t>開発者はスタートボタンを押して、走行体に走行開始の指示を出す。</a:t>
+                      </a:r>
+                      <a:br>
+                        <a:rPr lang="ja-JP" altLang="en-US" sz="1200" dirty="0">
+                          <a:effectLst/>
+                        </a:rPr>
+                      </a:br>
+                      <a:r>
+                        <a:rPr lang="en-US" altLang="ja-JP" sz="1200" dirty="0">
+                          <a:effectLst/>
+                        </a:rPr>
+                        <a:t>4.</a:t>
+                      </a:r>
+                      <a:r>
+                        <a:rPr lang="ja-JP" altLang="en-US" sz="1200" dirty="0">
+                          <a:effectLst/>
+                        </a:rPr>
+                        <a:t>走行体は、自分が経路上にいるかどうかを確認し、</a:t>
+                      </a:r>
+                      <a:r>
+                        <a:rPr lang="en-US" altLang="ja-JP" sz="1200" dirty="0">
+                          <a:effectLst/>
+                        </a:rPr>
+                        <a:t>PID</a:t>
+                      </a:r>
+                      <a:r>
+                        <a:rPr lang="ja-JP" altLang="en-US" sz="1200" dirty="0">
+                          <a:effectLst/>
+                        </a:rPr>
+                        <a:t>制御により走行する向きを計算する。</a:t>
+                      </a:r>
+                      <a:br>
+                        <a:rPr lang="ja-JP" altLang="en-US" sz="1200" dirty="0">
+                          <a:effectLst/>
+                        </a:rPr>
+                      </a:br>
+                      <a:r>
+                        <a:rPr lang="en-US" altLang="ja-JP" sz="1200" dirty="0">
+                          <a:effectLst/>
+                        </a:rPr>
+                        <a:t>5.</a:t>
+                      </a:r>
+                      <a:r>
+                        <a:rPr lang="ja-JP" altLang="en-US" sz="1200" dirty="0">
+                          <a:effectLst/>
+                        </a:rPr>
+                        <a:t>走行体は計算された制御量に従って走行し、センサーにより位置を検知する。</a:t>
+                      </a:r>
+                      <a:br>
+                        <a:rPr lang="ja-JP" altLang="en-US" sz="1200" dirty="0">
+                          <a:effectLst/>
+                        </a:rPr>
+                      </a:br>
+                      <a:r>
+                        <a:rPr lang="en-US" altLang="ja-JP" sz="1200" dirty="0">
+                          <a:effectLst/>
+                        </a:rPr>
+                        <a:t>6.</a:t>
+                      </a:r>
+                      <a:r>
+                        <a:rPr lang="ja-JP" altLang="en-US" sz="1200" dirty="0">
+                          <a:effectLst/>
+                        </a:rPr>
+                        <a:t>手順</a:t>
+                      </a:r>
+                      <a:r>
+                        <a:rPr lang="en-US" altLang="ja-JP" sz="1200" dirty="0">
+                          <a:effectLst/>
+                        </a:rPr>
+                        <a:t>4〜5</a:t>
+                      </a:r>
+                      <a:r>
+                        <a:rPr lang="ja-JP" altLang="en-US" sz="1200" dirty="0">
+                          <a:effectLst/>
+                        </a:rPr>
+                        <a:t>を繰り返すことで、経路に沿って走行する。</a:t>
+                      </a:r>
+                      <a:br>
+                        <a:rPr lang="ja-JP" altLang="en-US" sz="1200" dirty="0">
+                          <a:effectLst/>
+                        </a:rPr>
+                      </a:br>
+                      <a:r>
+                        <a:rPr lang="en-US" altLang="ja-JP" sz="1200" dirty="0">
+                          <a:effectLst/>
+                        </a:rPr>
+                        <a:t>7.</a:t>
+                      </a:r>
+                      <a:r>
+                        <a:rPr lang="ja-JP" altLang="en-US" sz="1200" dirty="0">
+                          <a:effectLst/>
+                        </a:rPr>
+                        <a:t>ゴールの印があるかどうかを確認する。</a:t>
+                      </a:r>
+                      <a:br>
+                        <a:rPr lang="ja-JP" altLang="en-US" sz="1200" dirty="0">
+                          <a:effectLst/>
+                        </a:rPr>
+                      </a:br>
+                      <a:r>
+                        <a:rPr lang="en-US" altLang="ja-JP" sz="1200" dirty="0">
+                          <a:effectLst/>
+                        </a:rPr>
+                        <a:t>8.</a:t>
+                      </a:r>
+                      <a:r>
+                        <a:rPr lang="ja-JP" altLang="en-US" sz="1200" dirty="0">
+                          <a:effectLst/>
+                        </a:rPr>
+                        <a:t>ゴールを検知した場合、走行を終了する。</a:t>
+                      </a:r>
+                    </a:p>
+                  </a:txBody>
+                  <a:tcPr marL="22860" marR="22860" marT="0" marB="0">
+                    <a:lnL w="7620" cap="flat" cmpd="sng" algn="ctr">
+                      <a:solidFill>
+                        <a:srgbClr val="CCCCCC"/>
+                      </a:solidFill>
+                      <a:prstDash val="solid"/>
+                      <a:round/>
+                      <a:headEnd type="none" w="med" len="med"/>
+                      <a:tailEnd type="none" w="med" len="med"/>
+                    </a:lnL>
+                    <a:lnR w="7620" cap="flat" cmpd="sng" algn="ctr">
+                      <a:solidFill>
+                        <a:srgbClr val="000000"/>
+                      </a:solidFill>
+                      <a:prstDash val="solid"/>
+                      <a:round/>
+                      <a:headEnd type="none" w="med" len="med"/>
+                      <a:tailEnd type="none" w="med" len="med"/>
+                    </a:lnR>
+                    <a:lnT w="7620" cap="flat" cmpd="sng" algn="ctr">
+                      <a:solidFill>
+                        <a:srgbClr val="CCCCCC"/>
+                      </a:solidFill>
+                      <a:prstDash val="solid"/>
+                      <a:round/>
+                      <a:headEnd type="none" w="med" len="med"/>
+                      <a:tailEnd type="none" w="med" len="med"/>
+                    </a:lnT>
+                    <a:lnB w="7620" cap="flat" cmpd="sng" algn="ctr">
+                      <a:solidFill>
+                        <a:srgbClr val="000000"/>
+                      </a:solidFill>
+                      <a:prstDash val="solid"/>
+                      <a:round/>
+                      <a:headEnd type="none" w="med" len="med"/>
+                      <a:tailEnd type="none" w="med" len="med"/>
+                    </a:lnB>
+                  </a:tcPr>
+                </a:tc>
+                <a:extLst>
+                  <a:ext uri="{0D108BD9-81ED-4DB2-BD59-A6C34878D82A}">
+                    <a16:rowId xmlns:a16="http://schemas.microsoft.com/office/drawing/2014/main" val="3355572915"/>
+                  </a:ext>
+                </a:extLst>
+              </a:tr>
+            </a:tbl>
+          </a:graphicData>
+        </a:graphic>
+      </p:graphicFrame>
+      <p:pic>
+        <p:nvPicPr>
+          <p:cNvPr id="1030" name="Picture 6">
+            <a:extLst>
+              <a:ext uri="{FF2B5EF4-FFF2-40B4-BE49-F238E27FC236}">
+                <a16:creationId xmlns:a16="http://schemas.microsoft.com/office/drawing/2014/main" id="{8F02AB8F-AF5D-40C0-B071-0DD02C1545BC}"/>
+              </a:ext>
+            </a:extLst>
+          </p:cNvPr>
+          <p:cNvPicPr>
+            <a:picLocks noChangeAspect="1" noChangeArrowheads="1"/>
+          </p:cNvPicPr>
+          <p:nvPr/>
+        </p:nvPicPr>
+        <p:blipFill>
+          <a:blip r:embed="rId3">
+            <a:extLst>
+              <a:ext uri="{28A0092B-C50C-407E-A947-70E740481C1C}">
+                <a14:useLocalDpi xmlns:a14="http://schemas.microsoft.com/office/drawing/2010/main" val="0"/>
+              </a:ext>
+            </a:extLst>
+          </a:blip>
+          <a:srcRect/>
+          <a:stretch>
+            <a:fillRect/>
+          </a:stretch>
+        </p:blipFill>
+        <p:spPr bwMode="auto">
+          <a:xfrm>
+            <a:off x="9429275" y="1975094"/>
+            <a:ext cx="5578473" cy="7249661"/>
+          </a:xfrm>
+          <a:prstGeom prst="rect">
+            <a:avLst/>
+          </a:prstGeom>
+          <a:noFill/>
+          <a:extLst>
+            <a:ext uri="{909E8E84-426E-40DD-AFC4-6F175D3DCCD1}">
+              <a14:hiddenFill xmlns:a14="http://schemas.microsoft.com/office/drawing/2010/main">
+                <a:solidFill>
+                  <a:srgbClr val="FFFFFF"/>
+                </a:solidFill>
+              </a14:hiddenFill>
+            </a:ext>
+          </a:extLst>
+        </p:spPr>
+      </p:pic>
     </p:spTree>
     <p:extLst>
       <p:ext uri="{BB962C8B-B14F-4D97-AF65-F5344CB8AC3E}">

--- a/model_file_template_primary.pptx
+++ b/model_file_template_primary.pptx
@@ -7,17 +7,18 @@
     <p:sldMasterId id="2147483680" r:id="rId3"/>
   </p:sldMasterIdLst>
   <p:notesMasterIdLst>
-    <p:notesMasterId r:id="rId9"/>
+    <p:notesMasterId r:id="rId10"/>
   </p:notesMasterIdLst>
   <p:handoutMasterIdLst>
-    <p:handoutMasterId r:id="rId10"/>
+    <p:handoutMasterId r:id="rId11"/>
   </p:handoutMasterIdLst>
   <p:sldIdLst>
     <p:sldId id="273" r:id="rId4"/>
     <p:sldId id="259" r:id="rId5"/>
     <p:sldId id="260" r:id="rId6"/>
-    <p:sldId id="261" r:id="rId7"/>
-    <p:sldId id="262" r:id="rId8"/>
+    <p:sldId id="274" r:id="rId7"/>
+    <p:sldId id="261" r:id="rId8"/>
+    <p:sldId id="262" r:id="rId9"/>
   </p:sldIdLst>
   <p:sldSz cx="15119350" cy="10691813"/>
   <p:notesSz cx="14597063" cy="21107400"/>
@@ -158,6 +159,7 @@
           <p14:sldIdLst>
             <p14:sldId id="259"/>
             <p14:sldId id="260"/>
+            <p14:sldId id="274"/>
             <p14:sldId id="261"/>
             <p14:sldId id="262"/>
           </p14:sldIdLst>
@@ -1043,7 +1045,7 @@
           <a:p>
             <a:fld id="{C764DE79-268F-4C1A-8933-263129D2AF90}" type="datetimeFigureOut">
               <a:rPr lang="en-US" dirty="0"/>
-              <a:t>4/17/2023</a:t>
+              <a:t>4/26/2023</a:t>
             </a:fld>
             <a:endParaRPr lang="en-US" dirty="0"/>
           </a:p>
@@ -1138,7 +1140,7 @@
           <a:p>
             <a:fld id="{C764DE79-268F-4C1A-8933-263129D2AF90}" type="datetimeFigureOut">
               <a:rPr lang="en-US" dirty="0"/>
-              <a:t>4/17/2023</a:t>
+              <a:t>4/26/2023</a:t>
             </a:fld>
             <a:endParaRPr lang="en-US" dirty="0"/>
           </a:p>
@@ -1447,7 +1449,7 @@
           <a:p>
             <a:fld id="{C764DE79-268F-4C1A-8933-263129D2AF90}" type="datetimeFigureOut">
               <a:rPr lang="en-US" dirty="0"/>
-              <a:t>4/17/2023</a:t>
+              <a:t>4/26/2023</a:t>
             </a:fld>
             <a:endParaRPr lang="en-US" dirty="0"/>
           </a:p>
@@ -1704,7 +1706,7 @@
           <a:p>
             <a:fld id="{C764DE79-268F-4C1A-8933-263129D2AF90}" type="datetimeFigureOut">
               <a:rPr lang="en-US" dirty="0"/>
-              <a:t>4/17/2023</a:t>
+              <a:t>4/26/2023</a:t>
             </a:fld>
             <a:endParaRPr lang="en-US" dirty="0"/>
           </a:p>
@@ -1906,7 +1908,7 @@
           <a:p>
             <a:fld id="{C764DE79-268F-4C1A-8933-263129D2AF90}" type="datetimeFigureOut">
               <a:rPr lang="en-US" dirty="0"/>
-              <a:t>4/17/2023</a:t>
+              <a:t>4/26/2023</a:t>
             </a:fld>
             <a:endParaRPr lang="en-US" dirty="0"/>
           </a:p>
@@ -2118,7 +2120,7 @@
           <a:p>
             <a:fld id="{C764DE79-268F-4C1A-8933-263129D2AF90}" type="datetimeFigureOut">
               <a:rPr lang="en-US" dirty="0"/>
-              <a:t>4/17/2023</a:t>
+              <a:t>4/26/2023</a:t>
             </a:fld>
             <a:endParaRPr lang="en-US" dirty="0"/>
           </a:p>
@@ -2545,7 +2547,7 @@
           <a:p>
             <a:fld id="{C764DE79-268F-4C1A-8933-263129D2AF90}" type="datetimeFigureOut">
               <a:rPr lang="en-US" dirty="0"/>
-              <a:t>4/17/2023</a:t>
+              <a:t>4/26/2023</a:t>
             </a:fld>
             <a:endParaRPr lang="en-US" dirty="0"/>
           </a:p>
@@ -2747,7 +2749,7 @@
           <a:p>
             <a:fld id="{C764DE79-268F-4C1A-8933-263129D2AF90}" type="datetimeFigureOut">
               <a:rPr lang="en-US" dirty="0"/>
-              <a:t>4/17/2023</a:t>
+              <a:t>4/26/2023</a:t>
             </a:fld>
             <a:endParaRPr lang="en-US" dirty="0"/>
           </a:p>
@@ -2991,7 +2993,7 @@
           <a:p>
             <a:fld id="{C764DE79-268F-4C1A-8933-263129D2AF90}" type="datetimeFigureOut">
               <a:rPr lang="en-US" dirty="0"/>
-              <a:t>4/17/2023</a:t>
+              <a:t>4/26/2023</a:t>
             </a:fld>
             <a:endParaRPr lang="en-US" dirty="0"/>
           </a:p>
@@ -3287,7 +3289,7 @@
           <a:p>
             <a:fld id="{C764DE79-268F-4C1A-8933-263129D2AF90}" type="datetimeFigureOut">
               <a:rPr lang="en-US" dirty="0"/>
-              <a:t>4/17/2023</a:t>
+              <a:t>4/26/2023</a:t>
             </a:fld>
             <a:endParaRPr lang="en-US" dirty="0"/>
           </a:p>
@@ -3718,7 +3720,7 @@
           <a:p>
             <a:fld id="{C764DE79-268F-4C1A-8933-263129D2AF90}" type="datetimeFigureOut">
               <a:rPr lang="en-US" dirty="0"/>
-              <a:t>4/17/2023</a:t>
+              <a:t>4/26/2023</a:t>
             </a:fld>
             <a:endParaRPr lang="en-US" dirty="0"/>
           </a:p>
@@ -4743,7 +4745,7 @@
           <a:p>
             <a:fld id="{C764DE79-268F-4C1A-8933-263129D2AF90}" type="datetimeFigureOut">
               <a:rPr lang="en-US" dirty="0"/>
-              <a:t>4/17/2023</a:t>
+              <a:t>4/26/2023</a:t>
             </a:fld>
             <a:endParaRPr lang="en-US" dirty="0"/>
           </a:p>
@@ -8275,11 +8277,22 @@
             <p:ph type="title"/>
           </p:nvPr>
         </p:nvSpPr>
-        <p:spPr/>
-        <p:txBody>
-          <a:bodyPr/>
+        <p:spPr>
+          <a:xfrm>
+            <a:off x="462253" y="341629"/>
+            <a:ext cx="5508877" cy="1464296"/>
+          </a:xfrm>
+        </p:spPr>
+        <p:txBody>
+          <a:bodyPr>
+            <a:normAutofit fontScale="90000"/>
+          </a:bodyPr>
           <a:lstStyle/>
           <a:p>
+            <a:r>
+              <a:rPr lang="en-US" altLang="ja-JP" dirty="0"/>
+              <a:t>2-1</a:t>
+            </a:r>
             <a:r>
               <a:rPr kumimoji="1" lang="ja-JP" altLang="en-US" dirty="0"/>
               <a:t>構造モデル</a:t>
@@ -8287,30 +8300,190 @@
           </a:p>
         </p:txBody>
       </p:sp>
-      <p:sp>
-        <p:nvSpPr>
-          <p:cNvPr id="6" name="コンテンツ プレースホルダー 5">
+      <p:pic>
+        <p:nvPicPr>
+          <p:cNvPr id="10" name="図 9">
             <a:extLst>
               <a:ext uri="{FF2B5EF4-FFF2-40B4-BE49-F238E27FC236}">
-                <a16:creationId xmlns:a16="http://schemas.microsoft.com/office/drawing/2014/main" id="{26FAAD07-F302-42C1-85D9-C09DAB46A420}"/>
+                <a16:creationId xmlns:a16="http://schemas.microsoft.com/office/drawing/2014/main" id="{EA322BE1-86A3-4365-B174-087EFAE64631}"/>
               </a:ext>
             </a:extLst>
           </p:cNvPr>
-          <p:cNvSpPr>
-            <a:spLocks noGrp="1"/>
-          </p:cNvSpPr>
-          <p:nvPr>
-            <p:ph idx="1"/>
-          </p:nvPr>
-        </p:nvSpPr>
-        <p:spPr/>
-        <p:txBody>
-          <a:bodyPr/>
+          <p:cNvPicPr>
+            <a:picLocks noChangeAspect="1"/>
+          </p:cNvPicPr>
+          <p:nvPr/>
+        </p:nvPicPr>
+        <p:blipFill>
+          <a:blip r:embed="rId2">
+            <a:extLst>
+              <a:ext uri="{28A0092B-C50C-407E-A947-70E740481C1C}">
+                <a14:useLocalDpi xmlns:a14="http://schemas.microsoft.com/office/drawing/2010/main" val="0"/>
+              </a:ext>
+            </a:extLst>
+          </a:blip>
+          <a:stretch>
+            <a:fillRect/>
+          </a:stretch>
+        </p:blipFill>
+        <p:spPr>
+          <a:xfrm>
+            <a:off x="7757321" y="1618441"/>
+            <a:ext cx="6899776" cy="3727465"/>
+          </a:xfrm>
+          <a:prstGeom prst="rect">
+            <a:avLst/>
+          </a:prstGeom>
+        </p:spPr>
+      </p:pic>
+      <p:sp>
+        <p:nvSpPr>
+          <p:cNvPr id="11" name="テキスト ボックス 10">
+            <a:extLst>
+              <a:ext uri="{FF2B5EF4-FFF2-40B4-BE49-F238E27FC236}">
+                <a16:creationId xmlns:a16="http://schemas.microsoft.com/office/drawing/2014/main" id="{D054377F-72A6-4D3E-BA46-1105CC767498}"/>
+              </a:ext>
+            </a:extLst>
+          </p:cNvPr>
+          <p:cNvSpPr txBox="1"/>
+          <p:nvPr/>
+        </p:nvSpPr>
+        <p:spPr>
+          <a:xfrm>
+            <a:off x="462253" y="2032270"/>
+            <a:ext cx="3240360" cy="707886"/>
+          </a:xfrm>
+          <a:prstGeom prst="rect">
+            <a:avLst/>
+          </a:prstGeom>
+          <a:noFill/>
+        </p:spPr>
+        <p:txBody>
+          <a:bodyPr wrap="square" rtlCol="0">
+            <a:spAutoFit/>
+          </a:bodyPr>
           <a:lstStyle/>
           <a:p>
             <a:r>
-              <a:rPr kumimoji="1" lang="ja-JP" altLang="en-US" dirty="0"/>
-              <a:t>ここに構造のモデルを書く</a:t>
+              <a:rPr kumimoji="1" lang="ja-JP" altLang="en-US" sz="4000" dirty="0"/>
+              <a:t>パッケージ図</a:t>
+            </a:r>
+          </a:p>
+        </p:txBody>
+      </p:sp>
+      <p:pic>
+        <p:nvPicPr>
+          <p:cNvPr id="14" name="図 13">
+            <a:extLst>
+              <a:ext uri="{FF2B5EF4-FFF2-40B4-BE49-F238E27FC236}">
+                <a16:creationId xmlns:a16="http://schemas.microsoft.com/office/drawing/2014/main" id="{EA8D51C0-0779-4413-9C1D-26C4F9555042}"/>
+              </a:ext>
+            </a:extLst>
+          </p:cNvPr>
+          <p:cNvPicPr>
+            <a:picLocks noChangeAspect="1"/>
+          </p:cNvPicPr>
+          <p:nvPr/>
+        </p:nvPicPr>
+        <p:blipFill>
+          <a:blip r:embed="rId3"/>
+          <a:stretch>
+            <a:fillRect/>
+          </a:stretch>
+        </p:blipFill>
+        <p:spPr>
+          <a:xfrm>
+            <a:off x="462253" y="3418641"/>
+            <a:ext cx="6803478" cy="1927265"/>
+          </a:xfrm>
+          <a:prstGeom prst="rect">
+            <a:avLst/>
+          </a:prstGeom>
+        </p:spPr>
+      </p:pic>
+      <p:sp>
+        <p:nvSpPr>
+          <p:cNvPr id="15" name="テキスト ボックス 14">
+            <a:extLst>
+              <a:ext uri="{FF2B5EF4-FFF2-40B4-BE49-F238E27FC236}">
+                <a16:creationId xmlns:a16="http://schemas.microsoft.com/office/drawing/2014/main" id="{0042EBEC-5BAA-4D77-9358-3746B88F5F58}"/>
+              </a:ext>
+            </a:extLst>
+          </p:cNvPr>
+          <p:cNvSpPr txBox="1"/>
+          <p:nvPr/>
+        </p:nvSpPr>
+        <p:spPr>
+          <a:xfrm>
+            <a:off x="462253" y="2969642"/>
+            <a:ext cx="4289110" cy="461665"/>
+          </a:xfrm>
+          <a:prstGeom prst="rect">
+            <a:avLst/>
+          </a:prstGeom>
+          <a:noFill/>
+        </p:spPr>
+        <p:txBody>
+          <a:bodyPr wrap="square" rtlCol="0">
+            <a:spAutoFit/>
+          </a:bodyPr>
+          <a:lstStyle/>
+          <a:p>
+            <a:r>
+              <a:rPr lang="ja-JP" altLang="en-US" sz="2400" dirty="0"/>
+              <a:t>表</a:t>
+            </a:r>
+            <a:r>
+              <a:rPr lang="en-US" altLang="ja-JP" sz="2400" dirty="0"/>
+              <a:t>2.1 </a:t>
+            </a:r>
+            <a:r>
+              <a:rPr lang="ja-JP" altLang="en-US" sz="2400" dirty="0"/>
+              <a:t>パッケージ名とその役割</a:t>
+            </a:r>
+            <a:endParaRPr kumimoji="1" lang="ja-JP" altLang="en-US" sz="2400" dirty="0"/>
+          </a:p>
+        </p:txBody>
+      </p:sp>
+      <p:sp>
+        <p:nvSpPr>
+          <p:cNvPr id="16" name="テキスト ボックス 15">
+            <a:extLst>
+              <a:ext uri="{FF2B5EF4-FFF2-40B4-BE49-F238E27FC236}">
+                <a16:creationId xmlns:a16="http://schemas.microsoft.com/office/drawing/2014/main" id="{7738DF1B-4521-47E8-9540-35BB5C2B43BD}"/>
+              </a:ext>
+            </a:extLst>
+          </p:cNvPr>
+          <p:cNvSpPr txBox="1"/>
+          <p:nvPr/>
+        </p:nvSpPr>
+        <p:spPr>
+          <a:xfrm>
+            <a:off x="9215859" y="5489922"/>
+            <a:ext cx="3625274" cy="461665"/>
+          </a:xfrm>
+          <a:prstGeom prst="rect">
+            <a:avLst/>
+          </a:prstGeom>
+          <a:noFill/>
+        </p:spPr>
+        <p:txBody>
+          <a:bodyPr wrap="square" rtlCol="0">
+            <a:spAutoFit/>
+          </a:bodyPr>
+          <a:lstStyle/>
+          <a:p>
+            <a:r>
+              <a:rPr kumimoji="1" lang="ja-JP" altLang="en-US" sz="2400" dirty="0"/>
+              <a:t>図</a:t>
+            </a:r>
+            <a:r>
+              <a:rPr kumimoji="1" lang="en-US" altLang="ja-JP" sz="2400" dirty="0"/>
+              <a:t>2.1 </a:t>
+            </a:r>
+            <a:r>
+              <a:rPr kumimoji="1" lang="ja-JP" altLang="en-US" sz="2400" dirty="0"/>
+              <a:t>全体のパッケージ図</a:t>
             </a:r>
           </a:p>
         </p:txBody>
@@ -8350,6 +8523,141 @@
           <p:cNvPr id="2" name="タイトル 1">
             <a:extLst>
               <a:ext uri="{FF2B5EF4-FFF2-40B4-BE49-F238E27FC236}">
+                <a16:creationId xmlns:a16="http://schemas.microsoft.com/office/drawing/2014/main" id="{E6440250-F656-44C9-902A-E623DA03BB80}"/>
+              </a:ext>
+            </a:extLst>
+          </p:cNvPr>
+          <p:cNvSpPr>
+            <a:spLocks noGrp="1"/>
+          </p:cNvSpPr>
+          <p:nvPr>
+            <p:ph type="title"/>
+          </p:nvPr>
+        </p:nvSpPr>
+        <p:spPr>
+          <a:xfrm>
+            <a:off x="394614" y="34578"/>
+            <a:ext cx="4648011" cy="1464296"/>
+          </a:xfrm>
+        </p:spPr>
+        <p:txBody>
+          <a:bodyPr/>
+          <a:lstStyle/>
+          <a:p>
+            <a:r>
+              <a:rPr kumimoji="1" lang="ja-JP" altLang="en-US" dirty="0"/>
+              <a:t>構造モデル</a:t>
+            </a:r>
+          </a:p>
+        </p:txBody>
+      </p:sp>
+      <p:pic>
+        <p:nvPicPr>
+          <p:cNvPr id="4" name="図 3">
+            <a:extLst>
+              <a:ext uri="{FF2B5EF4-FFF2-40B4-BE49-F238E27FC236}">
+                <a16:creationId xmlns:a16="http://schemas.microsoft.com/office/drawing/2014/main" id="{933F1AF7-1101-4B41-91FC-646BD022F48E}"/>
+              </a:ext>
+            </a:extLst>
+          </p:cNvPr>
+          <p:cNvPicPr>
+            <a:picLocks noChangeAspect="1"/>
+          </p:cNvPicPr>
+          <p:nvPr/>
+        </p:nvPicPr>
+        <p:blipFill>
+          <a:blip r:embed="rId2">
+            <a:extLst>
+              <a:ext uri="{28A0092B-C50C-407E-A947-70E740481C1C}">
+                <a14:useLocalDpi xmlns:a14="http://schemas.microsoft.com/office/drawing/2010/main" val="0"/>
+              </a:ext>
+            </a:extLst>
+          </a:blip>
+          <a:stretch>
+            <a:fillRect/>
+          </a:stretch>
+        </p:blipFill>
+        <p:spPr>
+          <a:xfrm>
+            <a:off x="1294979" y="2105546"/>
+            <a:ext cx="10639183" cy="5256584"/>
+          </a:xfrm>
+          <a:prstGeom prst="rect">
+            <a:avLst/>
+          </a:prstGeom>
+        </p:spPr>
+      </p:pic>
+      <p:sp>
+        <p:nvSpPr>
+          <p:cNvPr id="8" name="テキスト ボックス 7">
+            <a:extLst>
+              <a:ext uri="{FF2B5EF4-FFF2-40B4-BE49-F238E27FC236}">
+                <a16:creationId xmlns:a16="http://schemas.microsoft.com/office/drawing/2014/main" id="{AA383FB0-6ECB-4AFB-861B-B3714D37C602}"/>
+              </a:ext>
+            </a:extLst>
+          </p:cNvPr>
+          <p:cNvSpPr txBox="1"/>
+          <p:nvPr/>
+        </p:nvSpPr>
+        <p:spPr>
+          <a:xfrm>
+            <a:off x="6443551" y="1151244"/>
+            <a:ext cx="2232248" cy="707886"/>
+          </a:xfrm>
+          <a:prstGeom prst="rect">
+            <a:avLst/>
+          </a:prstGeom>
+          <a:noFill/>
+        </p:spPr>
+        <p:txBody>
+          <a:bodyPr wrap="square" rtlCol="0">
+            <a:spAutoFit/>
+          </a:bodyPr>
+          <a:lstStyle/>
+          <a:p>
+            <a:pPr algn="ctr"/>
+            <a:r>
+              <a:rPr kumimoji="1" lang="ja-JP" altLang="en-US" sz="4000" dirty="0"/>
+              <a:t>クラス図</a:t>
+            </a:r>
+          </a:p>
+        </p:txBody>
+      </p:sp>
+    </p:spTree>
+    <p:extLst>
+      <p:ext uri="{BB962C8B-B14F-4D97-AF65-F5344CB8AC3E}">
+        <p14:creationId xmlns:p14="http://schemas.microsoft.com/office/powerpoint/2010/main" val="3435779903"/>
+      </p:ext>
+    </p:extLst>
+  </p:cSld>
+  <p:clrMapOvr>
+    <a:masterClrMapping/>
+  </p:clrMapOvr>
+</p:sld>
+</file>
+
+<file path=ppt/slides/slide5.xml><?xml version="1.0" encoding="utf-8"?>
+<p:sld xmlns:a="http://schemas.openxmlformats.org/drawingml/2006/main" xmlns:r="http://schemas.openxmlformats.org/officeDocument/2006/relationships" xmlns:p="http://schemas.openxmlformats.org/presentationml/2006/main">
+  <p:cSld>
+    <p:spTree>
+      <p:nvGrpSpPr>
+        <p:cNvPr id="1" name=""/>
+        <p:cNvGrpSpPr/>
+        <p:nvPr/>
+      </p:nvGrpSpPr>
+      <p:grpSpPr>
+        <a:xfrm>
+          <a:off x="0" y="0"/>
+          <a:ext cx="0" cy="0"/>
+          <a:chOff x="0" y="0"/>
+          <a:chExt cx="0" cy="0"/>
+        </a:xfrm>
+      </p:grpSpPr>
+      <p:sp>
+        <p:nvSpPr>
+          <p:cNvPr id="2" name="タイトル 1">
+            <a:extLst>
+              <a:ext uri="{FF2B5EF4-FFF2-40B4-BE49-F238E27FC236}">
                 <a16:creationId xmlns:a16="http://schemas.microsoft.com/office/drawing/2014/main" id="{5AD8C0B5-06BB-41B2-8E22-3BCAD69EBEF4}"/>
               </a:ext>
             </a:extLst>
@@ -8415,7 +8723,7 @@
 </p:sld>
 </file>
 
-<file path=ppt/slides/slide5.xml><?xml version="1.0" encoding="utf-8"?>
+<file path=ppt/slides/slide6.xml><?xml version="1.0" encoding="utf-8"?>
 <p:sld xmlns:a="http://schemas.openxmlformats.org/drawingml/2006/main" xmlns:r="http://schemas.openxmlformats.org/officeDocument/2006/relationships" xmlns:p="http://schemas.openxmlformats.org/presentationml/2006/main">
   <p:cSld>
     <p:spTree>

--- a/model_file_template_primary.pptx
+++ b/model_file_template_primary.pptx
@@ -7352,7 +7352,7 @@
         <p:spPr>
           <a:xfrm>
             <a:off x="-1" y="0"/>
-            <a:ext cx="15119351" cy="795202"/>
+            <a:ext cx="15119351" cy="720000"/>
           </a:xfrm>
           <a:solidFill>
             <a:schemeClr val="tx2">
@@ -8279,22 +8279,41 @@
         </p:nvSpPr>
         <p:spPr>
           <a:xfrm>
-            <a:off x="462253" y="341629"/>
-            <a:ext cx="5508877" cy="1464296"/>
+            <a:off x="0" y="0"/>
+            <a:ext cx="15119350" cy="720000"/>
           </a:xfrm>
+          <a:solidFill>
+            <a:schemeClr val="tx2">
+              <a:lumMod val="20000"/>
+              <a:lumOff val="80000"/>
+            </a:schemeClr>
+          </a:solidFill>
         </p:spPr>
         <p:txBody>
           <a:bodyPr>
-            <a:normAutofit fontScale="90000"/>
+            <a:normAutofit/>
           </a:bodyPr>
           <a:lstStyle/>
           <a:p>
             <a:r>
-              <a:rPr lang="en-US" altLang="ja-JP" dirty="0"/>
-              <a:t>2-1</a:t>
-            </a:r>
-            <a:r>
-              <a:rPr kumimoji="1" lang="ja-JP" altLang="en-US" dirty="0"/>
+              <a:rPr lang="ja-JP" altLang="en-US" sz="2000" dirty="0">
+                <a:latin typeface="メイリオ" panose="020B0604030504040204" pitchFamily="50" charset="-128"/>
+                <a:ea typeface="メイリオ" panose="020B0604030504040204" pitchFamily="50" charset="-128"/>
+              </a:rPr>
+              <a:t>　　</a:t>
+            </a:r>
+            <a:r>
+              <a:rPr lang="en-US" altLang="ja-JP" sz="2000" dirty="0">
+                <a:latin typeface="メイリオ" panose="020B0604030504040204" pitchFamily="50" charset="-128"/>
+                <a:ea typeface="メイリオ" panose="020B0604030504040204" pitchFamily="50" charset="-128"/>
+              </a:rPr>
+              <a:t>2-1 </a:t>
+            </a:r>
+            <a:r>
+              <a:rPr kumimoji="1" lang="ja-JP" altLang="en-US" sz="2000" dirty="0">
+                <a:latin typeface="メイリオ" panose="020B0604030504040204" pitchFamily="50" charset="-128"/>
+                <a:ea typeface="メイリオ" panose="020B0604030504040204" pitchFamily="50" charset="-128"/>
+              </a:rPr>
               <a:t>構造モデル</a:t>
             </a:r>
           </a:p>
@@ -8365,7 +8384,7 @@
           <a:lstStyle/>
           <a:p>
             <a:r>
-              <a:rPr kumimoji="1" lang="ja-JP" altLang="en-US" sz="4000" dirty="0"/>
+              <a:rPr kumimoji="1" lang="ja-JP" altLang="en-US" sz="4000" u="sng" dirty="0"/>
               <a:t>パッケージ図</a:t>
             </a:r>
           </a:p>
@@ -8518,39 +8537,6 @@
           <a:chExt cx="0" cy="0"/>
         </a:xfrm>
       </p:grpSpPr>
-      <p:sp>
-        <p:nvSpPr>
-          <p:cNvPr id="2" name="タイトル 1">
-            <a:extLst>
-              <a:ext uri="{FF2B5EF4-FFF2-40B4-BE49-F238E27FC236}">
-                <a16:creationId xmlns:a16="http://schemas.microsoft.com/office/drawing/2014/main" id="{E6440250-F656-44C9-902A-E623DA03BB80}"/>
-              </a:ext>
-            </a:extLst>
-          </p:cNvPr>
-          <p:cNvSpPr>
-            <a:spLocks noGrp="1"/>
-          </p:cNvSpPr>
-          <p:nvPr>
-            <p:ph type="title"/>
-          </p:nvPr>
-        </p:nvSpPr>
-        <p:spPr>
-          <a:xfrm>
-            <a:off x="394614" y="34578"/>
-            <a:ext cx="4648011" cy="1464296"/>
-          </a:xfrm>
-        </p:spPr>
-        <p:txBody>
-          <a:bodyPr/>
-          <a:lstStyle/>
-          <a:p>
-            <a:r>
-              <a:rPr kumimoji="1" lang="ja-JP" altLang="en-US" dirty="0"/>
-              <a:t>構造モデル</a:t>
-            </a:r>
-          </a:p>
-        </p:txBody>
-      </p:sp>
       <p:pic>
         <p:nvPicPr>
           <p:cNvPr id="4" name="図 3">
@@ -8579,8 +8565,8 @@
         </p:blipFill>
         <p:spPr>
           <a:xfrm>
-            <a:off x="1294979" y="2105546"/>
-            <a:ext cx="10639183" cy="5256584"/>
+            <a:off x="1492333" y="2321570"/>
+            <a:ext cx="11395934" cy="5256584"/>
           </a:xfrm>
           <a:prstGeom prst="rect">
             <a:avLst/>
@@ -8601,7 +8587,7 @@
         </p:nvSpPr>
         <p:spPr>
           <a:xfrm>
-            <a:off x="6443551" y="1151244"/>
+            <a:off x="376209" y="1397660"/>
             <a:ext cx="2232248" cy="707886"/>
           </a:xfrm>
           <a:prstGeom prst="rect">
@@ -8617,8 +8603,109 @@
           <a:p>
             <a:pPr algn="ctr"/>
             <a:r>
-              <a:rPr kumimoji="1" lang="ja-JP" altLang="en-US" sz="4000" dirty="0"/>
+              <a:rPr kumimoji="1" lang="ja-JP" altLang="en-US" sz="4000" u="sng" dirty="0"/>
               <a:t>クラス図</a:t>
+            </a:r>
+          </a:p>
+        </p:txBody>
+      </p:sp>
+      <p:sp>
+        <p:nvSpPr>
+          <p:cNvPr id="3" name="テキスト ボックス 2">
+            <a:extLst>
+              <a:ext uri="{FF2B5EF4-FFF2-40B4-BE49-F238E27FC236}">
+                <a16:creationId xmlns:a16="http://schemas.microsoft.com/office/drawing/2014/main" id="{0688A10F-E8F5-43C0-821D-0186DA17C13C}"/>
+              </a:ext>
+            </a:extLst>
+          </p:cNvPr>
+          <p:cNvSpPr txBox="1"/>
+          <p:nvPr/>
+        </p:nvSpPr>
+        <p:spPr>
+          <a:xfrm>
+            <a:off x="5714136" y="7775778"/>
+            <a:ext cx="2952328" cy="461665"/>
+          </a:xfrm>
+          <a:prstGeom prst="rect">
+            <a:avLst/>
+          </a:prstGeom>
+          <a:noFill/>
+        </p:spPr>
+        <p:txBody>
+          <a:bodyPr wrap="square" rtlCol="0">
+            <a:spAutoFit/>
+          </a:bodyPr>
+          <a:lstStyle/>
+          <a:p>
+            <a:r>
+              <a:rPr kumimoji="1" lang="ja-JP" altLang="en-US" sz="2400" dirty="0"/>
+              <a:t>図</a:t>
+            </a:r>
+            <a:r>
+              <a:rPr kumimoji="1" lang="en-US" altLang="ja-JP" sz="2400" dirty="0"/>
+              <a:t>2.2 </a:t>
+            </a:r>
+            <a:r>
+              <a:rPr kumimoji="1" lang="ja-JP" altLang="en-US" sz="2400" dirty="0"/>
+              <a:t>全体のクラス図</a:t>
+            </a:r>
+          </a:p>
+        </p:txBody>
+      </p:sp>
+      <p:sp>
+        <p:nvSpPr>
+          <p:cNvPr id="12" name="タイトル 1">
+            <a:extLst>
+              <a:ext uri="{FF2B5EF4-FFF2-40B4-BE49-F238E27FC236}">
+                <a16:creationId xmlns:a16="http://schemas.microsoft.com/office/drawing/2014/main" id="{5989D834-3781-46F2-BF94-937D929D3612}"/>
+              </a:ext>
+            </a:extLst>
+          </p:cNvPr>
+          <p:cNvSpPr>
+            <a:spLocks noGrp="1"/>
+          </p:cNvSpPr>
+          <p:nvPr>
+            <p:ph type="title"/>
+          </p:nvPr>
+        </p:nvSpPr>
+        <p:spPr>
+          <a:xfrm>
+            <a:off x="0" y="0"/>
+            <a:ext cx="15119350" cy="720000"/>
+          </a:xfrm>
+          <a:solidFill>
+            <a:schemeClr val="tx2">
+              <a:lumMod val="20000"/>
+              <a:lumOff val="80000"/>
+            </a:schemeClr>
+          </a:solidFill>
+        </p:spPr>
+        <p:txBody>
+          <a:bodyPr>
+            <a:normAutofit/>
+          </a:bodyPr>
+          <a:lstStyle/>
+          <a:p>
+            <a:r>
+              <a:rPr lang="ja-JP" altLang="en-US" sz="2000" dirty="0">
+                <a:latin typeface="メイリオ" panose="020B0604030504040204" pitchFamily="50" charset="-128"/>
+                <a:ea typeface="メイリオ" panose="020B0604030504040204" pitchFamily="50" charset="-128"/>
+              </a:rPr>
+              <a:t>　　</a:t>
+            </a:r>
+            <a:r>
+              <a:rPr lang="en-US" altLang="ja-JP" sz="2000" dirty="0">
+                <a:latin typeface="メイリオ" panose="020B0604030504040204" pitchFamily="50" charset="-128"/>
+                <a:ea typeface="メイリオ" panose="020B0604030504040204" pitchFamily="50" charset="-128"/>
+              </a:rPr>
+              <a:t>2-2 </a:t>
+            </a:r>
+            <a:r>
+              <a:rPr kumimoji="1" lang="ja-JP" altLang="en-US" sz="2000" dirty="0">
+                <a:latin typeface="メイリオ" panose="020B0604030504040204" pitchFamily="50" charset="-128"/>
+                <a:ea typeface="メイリオ" panose="020B0604030504040204" pitchFamily="50" charset="-128"/>
+              </a:rPr>
+              <a:t>構造モデル</a:t>
             </a:r>
           </a:p>
         </p:txBody>

--- a/model_file_template_primary.pptx
+++ b/model_file_template_primary.pptx
@@ -7,18 +7,17 @@
     <p:sldMasterId id="2147483680" r:id="rId3"/>
   </p:sldMasterIdLst>
   <p:notesMasterIdLst>
-    <p:notesMasterId r:id="rId10"/>
+    <p:notesMasterId r:id="rId9"/>
   </p:notesMasterIdLst>
   <p:handoutMasterIdLst>
-    <p:handoutMasterId r:id="rId11"/>
+    <p:handoutMasterId r:id="rId10"/>
   </p:handoutMasterIdLst>
   <p:sldIdLst>
     <p:sldId id="273" r:id="rId4"/>
     <p:sldId id="259" r:id="rId5"/>
     <p:sldId id="260" r:id="rId6"/>
-    <p:sldId id="274" r:id="rId7"/>
-    <p:sldId id="261" r:id="rId8"/>
-    <p:sldId id="262" r:id="rId9"/>
+    <p:sldId id="261" r:id="rId7"/>
+    <p:sldId id="262" r:id="rId8"/>
   </p:sldIdLst>
   <p:sldSz cx="15119350" cy="10691813"/>
   <p:notesSz cx="14597063" cy="21107400"/>
@@ -159,7 +158,6 @@
           <p14:sldIdLst>
             <p14:sldId id="259"/>
             <p14:sldId id="260"/>
-            <p14:sldId id="274"/>
             <p14:sldId id="261"/>
             <p14:sldId id="262"/>
           </p14:sldIdLst>
@@ -1045,7 +1043,7 @@
           <a:p>
             <a:fld id="{C764DE79-268F-4C1A-8933-263129D2AF90}" type="datetimeFigureOut">
               <a:rPr lang="en-US" dirty="0"/>
-              <a:t>4/26/2023</a:t>
+              <a:t>4/23/2023</a:t>
             </a:fld>
             <a:endParaRPr lang="en-US" dirty="0"/>
           </a:p>
@@ -1140,7 +1138,7 @@
           <a:p>
             <a:fld id="{C764DE79-268F-4C1A-8933-263129D2AF90}" type="datetimeFigureOut">
               <a:rPr lang="en-US" dirty="0"/>
-              <a:t>4/26/2023</a:t>
+              <a:t>4/23/2023</a:t>
             </a:fld>
             <a:endParaRPr lang="en-US" dirty="0"/>
           </a:p>
@@ -1449,7 +1447,7 @@
           <a:p>
             <a:fld id="{C764DE79-268F-4C1A-8933-263129D2AF90}" type="datetimeFigureOut">
               <a:rPr lang="en-US" dirty="0"/>
-              <a:t>4/26/2023</a:t>
+              <a:t>4/23/2023</a:t>
             </a:fld>
             <a:endParaRPr lang="en-US" dirty="0"/>
           </a:p>
@@ -1706,7 +1704,7 @@
           <a:p>
             <a:fld id="{C764DE79-268F-4C1A-8933-263129D2AF90}" type="datetimeFigureOut">
               <a:rPr lang="en-US" dirty="0"/>
-              <a:t>4/26/2023</a:t>
+              <a:t>4/23/2023</a:t>
             </a:fld>
             <a:endParaRPr lang="en-US" dirty="0"/>
           </a:p>
@@ -1908,7 +1906,7 @@
           <a:p>
             <a:fld id="{C764DE79-268F-4C1A-8933-263129D2AF90}" type="datetimeFigureOut">
               <a:rPr lang="en-US" dirty="0"/>
-              <a:t>4/26/2023</a:t>
+              <a:t>4/23/2023</a:t>
             </a:fld>
             <a:endParaRPr lang="en-US" dirty="0"/>
           </a:p>
@@ -2120,7 +2118,7 @@
           <a:p>
             <a:fld id="{C764DE79-268F-4C1A-8933-263129D2AF90}" type="datetimeFigureOut">
               <a:rPr lang="en-US" dirty="0"/>
-              <a:t>4/26/2023</a:t>
+              <a:t>4/23/2023</a:t>
             </a:fld>
             <a:endParaRPr lang="en-US" dirty="0"/>
           </a:p>
@@ -2547,7 +2545,7 @@
           <a:p>
             <a:fld id="{C764DE79-268F-4C1A-8933-263129D2AF90}" type="datetimeFigureOut">
               <a:rPr lang="en-US" dirty="0"/>
-              <a:t>4/26/2023</a:t>
+              <a:t>4/23/2023</a:t>
             </a:fld>
             <a:endParaRPr lang="en-US" dirty="0"/>
           </a:p>
@@ -2749,7 +2747,7 @@
           <a:p>
             <a:fld id="{C764DE79-268F-4C1A-8933-263129D2AF90}" type="datetimeFigureOut">
               <a:rPr lang="en-US" dirty="0"/>
-              <a:t>4/26/2023</a:t>
+              <a:t>4/23/2023</a:t>
             </a:fld>
             <a:endParaRPr lang="en-US" dirty="0"/>
           </a:p>
@@ -2993,7 +2991,7 @@
           <a:p>
             <a:fld id="{C764DE79-268F-4C1A-8933-263129D2AF90}" type="datetimeFigureOut">
               <a:rPr lang="en-US" dirty="0"/>
-              <a:t>4/26/2023</a:t>
+              <a:t>4/23/2023</a:t>
             </a:fld>
             <a:endParaRPr lang="en-US" dirty="0"/>
           </a:p>
@@ -3289,7 +3287,7 @@
           <a:p>
             <a:fld id="{C764DE79-268F-4C1A-8933-263129D2AF90}" type="datetimeFigureOut">
               <a:rPr lang="en-US" dirty="0"/>
-              <a:t>4/26/2023</a:t>
+              <a:t>4/23/2023</a:t>
             </a:fld>
             <a:endParaRPr lang="en-US" dirty="0"/>
           </a:p>
@@ -3720,7 +3718,7 @@
           <a:p>
             <a:fld id="{C764DE79-268F-4C1A-8933-263129D2AF90}" type="datetimeFigureOut">
               <a:rPr lang="en-US" dirty="0"/>
-              <a:t>4/26/2023</a:t>
+              <a:t>4/23/2023</a:t>
             </a:fld>
             <a:endParaRPr lang="en-US" dirty="0"/>
           </a:p>
@@ -4745,7 +4743,7 @@
           <a:p>
             <a:fld id="{C764DE79-268F-4C1A-8933-263129D2AF90}" type="datetimeFigureOut">
               <a:rPr lang="en-US" dirty="0"/>
-              <a:t>4/26/2023</a:t>
+              <a:t>4/23/2023</a:t>
             </a:fld>
             <a:endParaRPr lang="en-US" dirty="0"/>
           </a:p>
@@ -5477,11 +5475,14 @@
           <a:p>
             <a:pPr eaLnBrk="1" hangingPunct="1"/>
             <a:r>
-              <a:rPr lang="ja-JP" altLang="en-US" sz="2673" dirty="0">
+              <a:rPr lang="en-US" altLang="ja-JP" sz="2673" dirty="0">
                 <a:latin typeface="ＭＳ Ｐゴシック" panose="020B0600070205080204" pitchFamily="34" charset="-128"/>
               </a:rPr>
-              <a:t>盛岡情報ビジネス＆デザイン専門学校</a:t>
-            </a:r>
+              <a:t>XXXXXXXXXXXXXXXX</a:t>
+            </a:r>
+            <a:endParaRPr lang="ja-JP" altLang="en-US" sz="2673" dirty="0">
+              <a:latin typeface="ＭＳ Ｐゴシック" panose="020B0600070205080204" pitchFamily="34" charset="-128"/>
+            </a:endParaRPr>
           </a:p>
         </p:txBody>
       </p:sp>
@@ -5643,10 +5644,10 @@
           <a:p>
             <a:pPr eaLnBrk="1" hangingPunct="1"/>
             <a:r>
-              <a:rPr lang="ja-JP" altLang="en-US" sz="2673" dirty="0">
+              <a:rPr lang="en-US" altLang="ja-JP" sz="2673" dirty="0">
                 <a:latin typeface="ＭＳ Ｐゴシック" panose="020B0600070205080204" pitchFamily="34" charset="-128"/>
               </a:rPr>
-              <a:t>東北</a:t>
+              <a:t>XXXXXX</a:t>
             </a:r>
             <a:endParaRPr lang="ja-JP" altLang="en-US" sz="2673" dirty="0"/>
           </a:p>
@@ -5810,10 +5811,10 @@
           <a:p>
             <a:pPr eaLnBrk="1" hangingPunct="1"/>
             <a:r>
-              <a:rPr lang="ja-JP" altLang="en-US" sz="2673" dirty="0">
+              <a:rPr lang="en-US" altLang="ja-JP" sz="2673" dirty="0">
                 <a:latin typeface="ＭＳ Ｐゴシック" panose="020B0600070205080204" pitchFamily="34" charset="-128"/>
               </a:rPr>
-              <a:t>岩手県盛岡市</a:t>
+              <a:t>XXXXXXXXX</a:t>
             </a:r>
             <a:endParaRPr lang="ja-JP" altLang="en-US" sz="2673" dirty="0"/>
           </a:p>
@@ -5977,18 +5978,16 @@
           <a:p>
             <a:pPr eaLnBrk="1" hangingPunct="1"/>
             <a:r>
-              <a:rPr lang="ja-JP" altLang="en-US" sz="3600" dirty="0"/>
-              <a:t>モリジョビ</a:t>
-            </a:r>
-            <a:r>
-              <a:rPr lang="en-US" altLang="ja-JP" sz="3600" dirty="0"/>
-              <a:t>2</a:t>
-            </a:r>
-            <a:r>
-              <a:rPr lang="ja-JP" altLang="en-US" sz="3600" dirty="0"/>
-              <a:t>軍</a:t>
-            </a:r>
-            <a:endParaRPr lang="en-US" altLang="ja-JP" sz="3600" dirty="0"/>
+              <a:rPr lang="en-US" altLang="ja-JP" sz="2673" dirty="0">
+                <a:solidFill>
+                  <a:prstClr val="black"/>
+                </a:solidFill>
+                <a:latin typeface="HG丸ｺﾞｼｯｸM-PRO" panose="020F0600000000000000" pitchFamily="50" charset="-128"/>
+                <a:ea typeface="HG丸ｺﾞｼｯｸM-PRO" panose="020F0600000000000000" pitchFamily="50" charset="-128"/>
+              </a:rPr>
+              <a:t>XXXXXXXXXX</a:t>
+            </a:r>
+            <a:endParaRPr lang="en-US" altLang="ja-JP" sz="4009" dirty="0"/>
           </a:p>
         </p:txBody>
       </p:sp>
@@ -6480,6 +6479,282 @@
                 </a:solidFill>
               </a:rPr>
               <a:t>ここに書いた説明で、どのように分析設計が進められ、分析に何が書いてあるか、設計の何が書いてあるか、制御として何に取り組んでいるか、それらがどのようにつながっているか、といったことが把握できる</a:t>
+            </a:r>
+          </a:p>
+        </p:txBody>
+      </p:sp>
+      <p:sp>
+        <p:nvSpPr>
+          <p:cNvPr id="10" name="テキスト ボックス 9">
+            <a:extLst>
+              <a:ext uri="{FF2B5EF4-FFF2-40B4-BE49-F238E27FC236}">
+                <a16:creationId xmlns:a16="http://schemas.microsoft.com/office/drawing/2014/main" id="{293D6709-775D-814B-8D7B-66C88BB8FC31}"/>
+              </a:ext>
+            </a:extLst>
+          </p:cNvPr>
+          <p:cNvSpPr txBox="1"/>
+          <p:nvPr/>
+        </p:nvSpPr>
+        <p:spPr>
+          <a:xfrm>
+            <a:off x="214860" y="5448409"/>
+            <a:ext cx="7104253" cy="408125"/>
+          </a:xfrm>
+          <a:prstGeom prst="rect">
+            <a:avLst/>
+          </a:prstGeom>
+          <a:solidFill>
+            <a:schemeClr val="bg1">
+              <a:lumMod val="95000"/>
+            </a:schemeClr>
+          </a:solidFill>
+        </p:spPr>
+        <p:txBody>
+          <a:bodyPr wrap="square" rtlCol="0">
+            <a:spAutoFit/>
+          </a:bodyPr>
+          <a:lstStyle/>
+          <a:p>
+            <a:r>
+              <a:rPr lang="ja-JP" altLang="en-US" sz="2052" dirty="0">
+                <a:solidFill>
+                  <a:schemeClr val="bg1">
+                    <a:lumMod val="50000"/>
+                  </a:schemeClr>
+                </a:solidFill>
+              </a:rPr>
+              <a:t>配布時のこの領域の大きさが記載可能な範囲です</a:t>
+            </a:r>
+          </a:p>
+        </p:txBody>
+      </p:sp>
+      <p:sp>
+        <p:nvSpPr>
+          <p:cNvPr id="11" name="吹き出し: 四角形 5">
+            <a:extLst>
+              <a:ext uri="{FF2B5EF4-FFF2-40B4-BE49-F238E27FC236}">
+                <a16:creationId xmlns:a16="http://schemas.microsoft.com/office/drawing/2014/main" id="{C7C3A3A3-6D5A-0646-AE0F-522F967F0580}"/>
+              </a:ext>
+            </a:extLst>
+          </p:cNvPr>
+          <p:cNvSpPr/>
+          <p:nvPr/>
+        </p:nvSpPr>
+        <p:spPr>
+          <a:xfrm>
+            <a:off x="10135740" y="2773909"/>
+            <a:ext cx="4768751" cy="1355498"/>
+          </a:xfrm>
+          <a:prstGeom prst="wedgeRectCallout">
+            <a:avLst>
+              <a:gd name="adj1" fmla="val -79381"/>
+              <a:gd name="adj2" fmla="val -193596"/>
+            </a:avLst>
+          </a:prstGeom>
+          <a:solidFill>
+            <a:schemeClr val="accent4">
+              <a:lumMod val="20000"/>
+              <a:lumOff val="80000"/>
+            </a:schemeClr>
+          </a:solidFill>
+        </p:spPr>
+        <p:style>
+          <a:lnRef idx="2">
+            <a:schemeClr val="accent1">
+              <a:shade val="50000"/>
+            </a:schemeClr>
+          </a:lnRef>
+          <a:fillRef idx="1">
+            <a:schemeClr val="accent1"/>
+          </a:fillRef>
+          <a:effectRef idx="0">
+            <a:schemeClr val="accent1"/>
+          </a:effectRef>
+          <a:fontRef idx="minor">
+            <a:schemeClr val="lt1"/>
+          </a:fontRef>
+        </p:style>
+        <p:txBody>
+          <a:bodyPr rtlCol="0" anchor="ctr"/>
+          <a:lstStyle/>
+          <a:p>
+            <a:pPr eaLnBrk="1" hangingPunct="1"/>
+            <a:r>
+              <a:rPr lang="ja-JP" altLang="en-US" sz="2052" dirty="0">
+                <a:solidFill>
+                  <a:srgbClr val="0070C0"/>
+                </a:solidFill>
+              </a:rPr>
+              <a:t>注：北海道、東北、北関東、東京、</a:t>
+            </a:r>
+            <a:br>
+              <a:rPr lang="ja-JP" altLang="en-US" sz="2052" dirty="0">
+                <a:solidFill>
+                  <a:srgbClr val="0070C0"/>
+                </a:solidFill>
+              </a:rPr>
+            </a:br>
+            <a:r>
+              <a:rPr lang="ja-JP" altLang="en-US" sz="2052" dirty="0">
+                <a:solidFill>
+                  <a:srgbClr val="0070C0"/>
+                </a:solidFill>
+              </a:rPr>
+              <a:t>南関東、東海、北陸、関西、中四国、</a:t>
+            </a:r>
+          </a:p>
+          <a:p>
+            <a:pPr eaLnBrk="1" hangingPunct="1"/>
+            <a:r>
+              <a:rPr lang="ja-JP" altLang="en-US" sz="2052" dirty="0">
+                <a:solidFill>
+                  <a:srgbClr val="0070C0"/>
+                </a:solidFill>
+              </a:rPr>
+              <a:t>九州北、九州南、沖縄のいずれか</a:t>
+            </a:r>
+          </a:p>
+          <a:p>
+            <a:pPr algn="ctr"/>
+            <a:endParaRPr lang="ja-JP" altLang="en-US" sz="2052" dirty="0">
+              <a:solidFill>
+                <a:srgbClr val="0070C0"/>
+              </a:solidFill>
+            </a:endParaRPr>
+          </a:p>
+        </p:txBody>
+      </p:sp>
+      <p:sp>
+        <p:nvSpPr>
+          <p:cNvPr id="12" name="吹き出し: 四角形 18">
+            <a:extLst>
+              <a:ext uri="{FF2B5EF4-FFF2-40B4-BE49-F238E27FC236}">
+                <a16:creationId xmlns:a16="http://schemas.microsoft.com/office/drawing/2014/main" id="{2BC07E42-ADD8-A04B-AE21-95725ED1ED63}"/>
+              </a:ext>
+            </a:extLst>
+          </p:cNvPr>
+          <p:cNvSpPr/>
+          <p:nvPr/>
+        </p:nvSpPr>
+        <p:spPr>
+          <a:xfrm>
+            <a:off x="11488861" y="1748285"/>
+            <a:ext cx="3415630" cy="882062"/>
+          </a:xfrm>
+          <a:prstGeom prst="wedgeRectCallout">
+            <a:avLst>
+              <a:gd name="adj1" fmla="val -36460"/>
+              <a:gd name="adj2" fmla="val -143484"/>
+            </a:avLst>
+          </a:prstGeom>
+          <a:solidFill>
+            <a:schemeClr val="accent4">
+              <a:lumMod val="20000"/>
+              <a:lumOff val="80000"/>
+            </a:schemeClr>
+          </a:solidFill>
+        </p:spPr>
+        <p:style>
+          <a:lnRef idx="2">
+            <a:schemeClr val="accent1">
+              <a:shade val="50000"/>
+            </a:schemeClr>
+          </a:lnRef>
+          <a:fillRef idx="1">
+            <a:schemeClr val="accent1"/>
+          </a:fillRef>
+          <a:effectRef idx="0">
+            <a:schemeClr val="accent1"/>
+          </a:effectRef>
+          <a:fontRef idx="minor">
+            <a:schemeClr val="lt1"/>
+          </a:fontRef>
+        </p:style>
+        <p:txBody>
+          <a:bodyPr rtlCol="0" anchor="ctr"/>
+          <a:lstStyle/>
+          <a:p>
+            <a:pPr eaLnBrk="1" hangingPunct="1"/>
+            <a:r>
+              <a:rPr lang="ja-JP" altLang="en-US" sz="2052" dirty="0">
+                <a:solidFill>
+                  <a:srgbClr val="0070C0"/>
+                </a:solidFill>
+              </a:rPr>
+              <a:t>注：公開されている地域、</a:t>
+            </a:r>
+          </a:p>
+          <a:p>
+            <a:pPr eaLnBrk="1" hangingPunct="1"/>
+            <a:r>
+              <a:rPr lang="ja-JP" altLang="en-US" sz="2052" dirty="0">
+                <a:solidFill>
+                  <a:srgbClr val="0070C0"/>
+                </a:solidFill>
+              </a:rPr>
+              <a:t>例）「東京都中央区」等</a:t>
+            </a:r>
+          </a:p>
+        </p:txBody>
+      </p:sp>
+      <p:sp>
+        <p:nvSpPr>
+          <p:cNvPr id="13" name="吹き出し: 四角形 19">
+            <a:extLst>
+              <a:ext uri="{FF2B5EF4-FFF2-40B4-BE49-F238E27FC236}">
+                <a16:creationId xmlns:a16="http://schemas.microsoft.com/office/drawing/2014/main" id="{EDD528FF-C9D8-9E49-B9A8-048B06E9BD8E}"/>
+              </a:ext>
+            </a:extLst>
+          </p:cNvPr>
+          <p:cNvSpPr/>
+          <p:nvPr/>
+        </p:nvSpPr>
+        <p:spPr>
+          <a:xfrm>
+            <a:off x="9136132" y="4418667"/>
+            <a:ext cx="4225767" cy="882062"/>
+          </a:xfrm>
+          <a:prstGeom prst="wedgeRectCallout">
+            <a:avLst>
+              <a:gd name="adj1" fmla="val -77262"/>
+              <a:gd name="adj2" fmla="val -349180"/>
+            </a:avLst>
+          </a:prstGeom>
+          <a:solidFill>
+            <a:schemeClr val="accent4">
+              <a:lumMod val="20000"/>
+              <a:lumOff val="80000"/>
+            </a:schemeClr>
+          </a:solidFill>
+        </p:spPr>
+        <p:style>
+          <a:lnRef idx="2">
+            <a:schemeClr val="accent1">
+              <a:shade val="50000"/>
+            </a:schemeClr>
+          </a:lnRef>
+          <a:fillRef idx="1">
+            <a:schemeClr val="accent1"/>
+          </a:fillRef>
+          <a:effectRef idx="0">
+            <a:schemeClr val="accent1"/>
+          </a:effectRef>
+          <a:fontRef idx="minor">
+            <a:schemeClr val="lt1"/>
+          </a:fontRef>
+        </p:style>
+        <p:txBody>
+          <a:bodyPr rtlCol="0" anchor="ctr"/>
+          <a:lstStyle/>
+          <a:p>
+            <a:pPr eaLnBrk="1" hangingPunct="1"/>
+            <a:r>
+              <a:rPr lang="ja-JP" altLang="en-US" sz="2052" dirty="0">
+                <a:solidFill>
+                  <a:srgbClr val="0070C0"/>
+                </a:solidFill>
+              </a:rPr>
+              <a:t>注：公開されている所属名を記載、個人参加の場合は”個人”を記載</a:t>
             </a:r>
           </a:p>
         </p:txBody>
@@ -6627,8 +6902,8 @@
           </a:xfrm>
           <a:prstGeom prst="wedgeRectCallout">
             <a:avLst>
-              <a:gd name="adj1" fmla="val -21742"/>
-              <a:gd name="adj2" fmla="val -42542"/>
+              <a:gd name="adj1" fmla="val -139890"/>
+              <a:gd name="adj2" fmla="val -203874"/>
             </a:avLst>
           </a:prstGeom>
           <a:solidFill>
@@ -6840,165 +7115,65 @@
           <a:p>
             <a:pPr marL="0" indent="0"/>
             <a:r>
-              <a:rPr lang="ja-JP" altLang="en-US" sz="2400" dirty="0">
+              <a:rPr lang="ja-JP" altLang="en-US" sz="1782" dirty="0">
                 <a:latin typeface="HG丸ｺﾞｼｯｸM-PRO" panose="020F0600000000000000" pitchFamily="50" charset="-128"/>
                 <a:ea typeface="HG丸ｺﾞｼｯｸM-PRO" panose="020F0600000000000000" pitchFamily="50" charset="-128"/>
               </a:rPr>
-              <a:t>＜チーム紹介＞</a:t>
-            </a:r>
-            <a:endParaRPr lang="en-US" altLang="ja-JP" sz="2400" dirty="0">
-              <a:latin typeface="HG丸ｺﾞｼｯｸM-PRO" panose="020F0600000000000000" pitchFamily="50" charset="-128"/>
-              <a:ea typeface="HG丸ｺﾞｼｯｸM-PRO" panose="020F0600000000000000" pitchFamily="50" charset="-128"/>
-            </a:endParaRPr>
-          </a:p>
-          <a:p>
-            <a:r>
-              <a:rPr lang="ja-JP" altLang="en-US" sz="2004" dirty="0">
+              <a:t>ダミーテキストダミーテキストダミーテキストダミーテキスト</a:t>
+            </a:r>
+          </a:p>
+          <a:p>
+            <a:pPr marL="0" indent="0"/>
+            <a:r>
+              <a:rPr lang="ja-JP" altLang="en-US" sz="1782" dirty="0">
                 <a:latin typeface="HG丸ｺﾞｼｯｸM-PRO" panose="020F0600000000000000" pitchFamily="50" charset="-128"/>
                 <a:ea typeface="HG丸ｺﾞｼｯｸM-PRO" panose="020F0600000000000000" pitchFamily="50" charset="-128"/>
               </a:rPr>
-              <a:t>私たちは</a:t>
-            </a:r>
-            <a:r>
-              <a:rPr lang="ja-JP" altLang="en-US" sz="2000" dirty="0">
+              <a:t>ダミーテキストダミーテキスト</a:t>
+            </a:r>
+          </a:p>
+          <a:p>
+            <a:pPr marL="0" indent="0"/>
+            <a:r>
+              <a:rPr lang="ja-JP" altLang="en-US" sz="1782" dirty="0">
                 <a:latin typeface="HG丸ｺﾞｼｯｸM-PRO" panose="020F0600000000000000" pitchFamily="50" charset="-128"/>
                 <a:ea typeface="HG丸ｺﾞｼｯｸM-PRO" panose="020F0600000000000000" pitchFamily="50" charset="-128"/>
               </a:rPr>
-              <a:t>チームモリジョビ</a:t>
-            </a:r>
-            <a:r>
-              <a:rPr lang="en-US" altLang="ja-JP" sz="2000" dirty="0">
+              <a:t>ダミーテキスト</a:t>
+            </a:r>
+          </a:p>
+          <a:p>
+            <a:pPr marL="0" indent="0"/>
+            <a:r>
+              <a:rPr lang="ja-JP" altLang="en-US" sz="1782" dirty="0">
                 <a:latin typeface="HG丸ｺﾞｼｯｸM-PRO" panose="020F0600000000000000" pitchFamily="50" charset="-128"/>
                 <a:ea typeface="HG丸ｺﾞｼｯｸM-PRO" panose="020F0600000000000000" pitchFamily="50" charset="-128"/>
               </a:rPr>
-              <a:t>2</a:t>
-            </a:r>
-            <a:r>
-              <a:rPr lang="ja-JP" altLang="en-US" sz="2000" dirty="0">
+              <a:t>ダミーテキスト</a:t>
+            </a:r>
+          </a:p>
+          <a:p>
+            <a:pPr marL="0" indent="0"/>
+            <a:r>
+              <a:rPr lang="ja-JP" altLang="en-US" sz="1782" dirty="0">
                 <a:latin typeface="HG丸ｺﾞｼｯｸM-PRO" panose="020F0600000000000000" pitchFamily="50" charset="-128"/>
                 <a:ea typeface="HG丸ｺﾞｼｯｸM-PRO" panose="020F0600000000000000" pitchFamily="50" charset="-128"/>
               </a:rPr>
-              <a:t>軍は盛岡情報ビジネス</a:t>
-            </a:r>
-            <a:r>
-              <a:rPr lang="en-US" altLang="ja-JP" sz="2000" dirty="0">
+              <a:t>ダミーテキスト</a:t>
+            </a:r>
+          </a:p>
+          <a:p>
+            <a:pPr marL="0" indent="0"/>
+            <a:r>
+              <a:rPr lang="ja-JP" altLang="en-US" sz="1782" dirty="0">
                 <a:latin typeface="HG丸ｺﾞｼｯｸM-PRO" panose="020F0600000000000000" pitchFamily="50" charset="-128"/>
                 <a:ea typeface="HG丸ｺﾞｼｯｸM-PRO" panose="020F0600000000000000" pitchFamily="50" charset="-128"/>
               </a:rPr>
-              <a:t>&amp;</a:t>
-            </a:r>
-            <a:r>
-              <a:rPr lang="ja-JP" altLang="en-US" sz="2000" dirty="0">
-                <a:latin typeface="HG丸ｺﾞｼｯｸM-PRO" panose="020F0600000000000000" pitchFamily="50" charset="-128"/>
-                <a:ea typeface="HG丸ｺﾞｼｯｸM-PRO" panose="020F0600000000000000" pitchFamily="50" charset="-128"/>
-              </a:rPr>
-              <a:t>デザイ</a:t>
-            </a:r>
-            <a:endParaRPr lang="en-US" altLang="ja-JP" sz="2000" dirty="0">
-              <a:latin typeface="HG丸ｺﾞｼｯｸM-PRO" panose="020F0600000000000000" pitchFamily="50" charset="-128"/>
-              <a:ea typeface="HG丸ｺﾞｼｯｸM-PRO" panose="020F0600000000000000" pitchFamily="50" charset="-128"/>
-            </a:endParaRPr>
-          </a:p>
-          <a:p>
-            <a:r>
-              <a:rPr lang="ja-JP" altLang="en-US" sz="2000" dirty="0">
-                <a:latin typeface="HG丸ｺﾞｼｯｸM-PRO" panose="020F0600000000000000" pitchFamily="50" charset="-128"/>
-                <a:ea typeface="HG丸ｺﾞｼｯｸM-PRO" panose="020F0600000000000000" pitchFamily="50" charset="-128"/>
-              </a:rPr>
-              <a:t>ン専門学校高度情報工学科の</a:t>
-            </a:r>
-            <a:r>
-              <a:rPr lang="en-US" altLang="ja-JP" sz="2000" dirty="0">
-                <a:latin typeface="HG丸ｺﾞｼｯｸM-PRO" panose="020F0600000000000000" pitchFamily="50" charset="-128"/>
-                <a:ea typeface="HG丸ｺﾞｼｯｸM-PRO" panose="020F0600000000000000" pitchFamily="50" charset="-128"/>
-              </a:rPr>
-              <a:t>3</a:t>
-            </a:r>
-            <a:r>
-              <a:rPr lang="ja-JP" altLang="en-US" sz="2000" dirty="0">
-                <a:latin typeface="HG丸ｺﾞｼｯｸM-PRO" panose="020F0600000000000000" pitchFamily="50" charset="-128"/>
-                <a:ea typeface="HG丸ｺﾞｼｯｸM-PRO" panose="020F0600000000000000" pitchFamily="50" charset="-128"/>
-              </a:rPr>
-              <a:t>年生です。</a:t>
-            </a:r>
-            <a:endParaRPr lang="en-US" altLang="ja-JP" sz="2000" dirty="0">
-              <a:latin typeface="HG丸ｺﾞｼｯｸM-PRO" panose="020F0600000000000000" pitchFamily="50" charset="-128"/>
-              <a:ea typeface="HG丸ｺﾞｼｯｸM-PRO" panose="020F0600000000000000" pitchFamily="50" charset="-128"/>
-            </a:endParaRPr>
-          </a:p>
-          <a:p>
-            <a:r>
-              <a:rPr lang="ja-JP" altLang="en-US" sz="2000" dirty="0">
-                <a:latin typeface="HG丸ｺﾞｼｯｸM-PRO" panose="020F0600000000000000" pitchFamily="50" charset="-128"/>
-                <a:ea typeface="HG丸ｺﾞｼｯｸM-PRO" panose="020F0600000000000000" pitchFamily="50" charset="-128"/>
-              </a:rPr>
-              <a:t>メンバーは</a:t>
-            </a:r>
-            <a:r>
-              <a:rPr lang="en-US" altLang="ja-JP" sz="2000" dirty="0">
-                <a:latin typeface="HG丸ｺﾞｼｯｸM-PRO" panose="020F0600000000000000" pitchFamily="50" charset="-128"/>
-                <a:ea typeface="HG丸ｺﾞｼｯｸM-PRO" panose="020F0600000000000000" pitchFamily="50" charset="-128"/>
-              </a:rPr>
-              <a:t>5</a:t>
-            </a:r>
-            <a:r>
-              <a:rPr lang="ja-JP" altLang="en-US" sz="2000" dirty="0">
-                <a:latin typeface="HG丸ｺﾞｼｯｸM-PRO" panose="020F0600000000000000" pitchFamily="50" charset="-128"/>
-                <a:ea typeface="HG丸ｺﾞｼｯｸM-PRO" panose="020F0600000000000000" pitchFamily="50" charset="-128"/>
-              </a:rPr>
-              <a:t>名で構成しています。</a:t>
-            </a:r>
-            <a:endParaRPr lang="en-US" altLang="ja-JP" sz="2000" dirty="0">
-              <a:latin typeface="HG丸ｺﾞｼｯｸM-PRO" panose="020F0600000000000000" pitchFamily="50" charset="-128"/>
-              <a:ea typeface="HG丸ｺﾞｼｯｸM-PRO" panose="020F0600000000000000" pitchFamily="50" charset="-128"/>
-            </a:endParaRPr>
-          </a:p>
-          <a:p>
-            <a:r>
-              <a:rPr lang="ja-JP" altLang="en-US" sz="2400" dirty="0">
-                <a:latin typeface="HG丸ｺﾞｼｯｸM-PRO" panose="020F0600000000000000" pitchFamily="50" charset="-128"/>
-                <a:ea typeface="HG丸ｺﾞｼｯｸM-PRO" panose="020F0600000000000000" pitchFamily="50" charset="-128"/>
-              </a:rPr>
-              <a:t>＜目標＞</a:t>
-            </a:r>
-            <a:endParaRPr lang="en-US" altLang="ja-JP" sz="2400" dirty="0">
-              <a:latin typeface="HG丸ｺﾞｼｯｸM-PRO" panose="020F0600000000000000" pitchFamily="50" charset="-128"/>
-              <a:ea typeface="HG丸ｺﾞｼｯｸM-PRO" panose="020F0600000000000000" pitchFamily="50" charset="-128"/>
-            </a:endParaRPr>
-          </a:p>
-          <a:p>
-            <a:r>
-              <a:rPr lang="ja-JP" altLang="en-US" sz="2000" dirty="0">
-                <a:latin typeface="HG丸ｺﾞｼｯｸM-PRO" panose="020F0600000000000000" pitchFamily="50" charset="-128"/>
-                <a:ea typeface="HG丸ｺﾞｼｯｸM-PRO" panose="020F0600000000000000" pitchFamily="50" charset="-128"/>
-              </a:rPr>
-              <a:t>ゴールまで走行する。</a:t>
-            </a:r>
-            <a:endParaRPr lang="en-US" altLang="ja-JP" sz="2000" dirty="0">
-              <a:latin typeface="HG丸ｺﾞｼｯｸM-PRO" panose="020F0600000000000000" pitchFamily="50" charset="-128"/>
-              <a:ea typeface="HG丸ｺﾞｼｯｸM-PRO" panose="020F0600000000000000" pitchFamily="50" charset="-128"/>
-            </a:endParaRPr>
-          </a:p>
-          <a:p>
-            <a:r>
-              <a:rPr lang="ja-JP" altLang="en-US" sz="2400" dirty="0">
-                <a:latin typeface="HG丸ｺﾞｼｯｸM-PRO" panose="020F0600000000000000" pitchFamily="50" charset="-128"/>
-                <a:ea typeface="HG丸ｺﾞｼｯｸM-PRO" panose="020F0600000000000000" pitchFamily="50" charset="-128"/>
-              </a:rPr>
-              <a:t>＜意気込み＞</a:t>
-            </a:r>
-          </a:p>
-          <a:p>
-            <a:r>
-              <a:rPr lang="ja-JP" altLang="en-US" sz="2000" dirty="0">
-                <a:latin typeface="HG丸ｺﾞｼｯｸM-PRO" panose="020F0600000000000000" pitchFamily="50" charset="-128"/>
-                <a:ea typeface="HG丸ｺﾞｼｯｸM-PRO" panose="020F0600000000000000" pitchFamily="50" charset="-128"/>
-              </a:rPr>
-              <a:t>目標達成に向けて、チーム一丸となって頑張ります。</a:t>
-            </a:r>
-            <a:br>
-              <a:rPr lang="ja-JP" altLang="en-US" sz="2400" dirty="0"/>
-            </a:br>
+              <a:t>ダミーテキスト</a:t>
+            </a:r>
+          </a:p>
+          <a:p>
+            <a:pPr marL="0" indent="0"/>
             <a:endParaRPr lang="ja-JP" altLang="en-US" sz="2004" dirty="0">
               <a:latin typeface="HG丸ｺﾞｼｯｸM-PRO" panose="020F0600000000000000" pitchFamily="50" charset="-128"/>
               <a:ea typeface="HG丸ｺﾞｼｯｸM-PRO" panose="020F0600000000000000" pitchFamily="50" charset="-128"/>
@@ -7192,8 +7367,111 @@
                 <a:latin typeface="HG丸ｺﾞｼｯｸM-PRO" panose="020F0600000000000000" pitchFamily="50" charset="-128"/>
                 <a:ea typeface="HG丸ｺﾞｼｯｸM-PRO" panose="020F0600000000000000" pitchFamily="50" charset="-128"/>
               </a:rPr>
-              <a:t>モデリング対象：ゴールまで走行する</a:t>
-            </a:r>
+              <a:t>ダミーテキストダミーテキストダミーテキストダミーテキストダミーテキストダミーテキストダミーテキストダミーテキスト</a:t>
+            </a:r>
+          </a:p>
+          <a:p>
+            <a:pPr marL="219212" indent="-219212" eaLnBrk="1" hangingPunct="1">
+              <a:lnSpc>
+                <a:spcPct val="80000"/>
+              </a:lnSpc>
+              <a:spcBef>
+                <a:spcPts val="668"/>
+              </a:spcBef>
+              <a:buFont typeface="Arial" panose="020B0604020202020204" pitchFamily="34" charset="0"/>
+              <a:buChar char="•"/>
+            </a:pPr>
+            <a:r>
+              <a:rPr lang="ja-JP" altLang="en-US" sz="1782" dirty="0">
+                <a:latin typeface="HG丸ｺﾞｼｯｸM-PRO" panose="020F0600000000000000" pitchFamily="50" charset="-128"/>
+                <a:ea typeface="HG丸ｺﾞｼｯｸM-PRO" panose="020F0600000000000000" pitchFamily="50" charset="-128"/>
+              </a:rPr>
+              <a:t>ダミーテキストダミーテキスト</a:t>
+            </a:r>
+          </a:p>
+          <a:p>
+            <a:pPr marL="219212" indent="-219212" eaLnBrk="1" hangingPunct="1">
+              <a:lnSpc>
+                <a:spcPct val="80000"/>
+              </a:lnSpc>
+              <a:spcBef>
+                <a:spcPts val="668"/>
+              </a:spcBef>
+              <a:buFont typeface="Arial" panose="020B0604020202020204" pitchFamily="34" charset="0"/>
+              <a:buChar char="•"/>
+            </a:pPr>
+            <a:r>
+              <a:rPr lang="ja-JP" altLang="en-US" sz="1782" dirty="0">
+                <a:latin typeface="HG丸ｺﾞｼｯｸM-PRO" panose="020F0600000000000000" pitchFamily="50" charset="-128"/>
+                <a:ea typeface="HG丸ｺﾞｼｯｸM-PRO" panose="020F0600000000000000" pitchFamily="50" charset="-128"/>
+              </a:rPr>
+              <a:t>ダミーテキストダミーテキスト</a:t>
+            </a:r>
+            <a:endParaRPr lang="en-US" altLang="ja-JP" sz="1782" dirty="0">
+              <a:latin typeface="HG丸ｺﾞｼｯｸM-PRO" panose="020F0600000000000000" pitchFamily="50" charset="-128"/>
+              <a:ea typeface="HG丸ｺﾞｼｯｸM-PRO" panose="020F0600000000000000" pitchFamily="50" charset="-128"/>
+            </a:endParaRPr>
+          </a:p>
+          <a:p>
+            <a:pPr marL="219212" indent="-219212" eaLnBrk="1" hangingPunct="1">
+              <a:lnSpc>
+                <a:spcPct val="80000"/>
+              </a:lnSpc>
+              <a:spcBef>
+                <a:spcPts val="668"/>
+              </a:spcBef>
+              <a:buFont typeface="Arial" panose="020B0604020202020204" pitchFamily="34" charset="0"/>
+              <a:buChar char="•"/>
+            </a:pPr>
+            <a:r>
+              <a:rPr lang="ja-JP" altLang="en-US" sz="1782" dirty="0">
+                <a:latin typeface="HG丸ｺﾞｼｯｸM-PRO" panose="020F0600000000000000" pitchFamily="50" charset="-128"/>
+                <a:ea typeface="HG丸ｺﾞｼｯｸM-PRO" panose="020F0600000000000000" pitchFamily="50" charset="-128"/>
+              </a:rPr>
+              <a:t>（文字サイズは</a:t>
+            </a:r>
+            <a:r>
+              <a:rPr lang="en-US" altLang="ja-JP" sz="1782" dirty="0">
+                <a:latin typeface="HG丸ｺﾞｼｯｸM-PRO" panose="020F0600000000000000" pitchFamily="50" charset="-128"/>
+                <a:ea typeface="HG丸ｺﾞｼｯｸM-PRO" panose="020F0600000000000000" pitchFamily="50" charset="-128"/>
+              </a:rPr>
+              <a:t>16</a:t>
+            </a:r>
+            <a:r>
+              <a:rPr lang="ja-JP" altLang="en-US" sz="1782" dirty="0">
+                <a:latin typeface="HG丸ｺﾞｼｯｸM-PRO" panose="020F0600000000000000" pitchFamily="50" charset="-128"/>
+                <a:ea typeface="HG丸ｺﾞｼｯｸM-PRO" panose="020F0600000000000000" pitchFamily="50" charset="-128"/>
+              </a:rPr>
+              <a:t>ポイント以上、全角で</a:t>
+            </a:r>
+            <a:r>
+              <a:rPr lang="en-US" altLang="ja-JP" sz="1782" dirty="0">
+                <a:latin typeface="HG丸ｺﾞｼｯｸM-PRO" panose="020F0600000000000000" pitchFamily="50" charset="-128"/>
+                <a:ea typeface="HG丸ｺﾞｼｯｸM-PRO" panose="020F0600000000000000" pitchFamily="50" charset="-128"/>
+              </a:rPr>
+              <a:t>300</a:t>
+            </a:r>
+            <a:r>
+              <a:rPr lang="ja-JP" altLang="en-US" sz="1782" dirty="0">
+                <a:latin typeface="HG丸ｺﾞｼｯｸM-PRO" panose="020F0600000000000000" pitchFamily="50" charset="-128"/>
+                <a:ea typeface="HG丸ｺﾞｼｯｸM-PRO" panose="020F0600000000000000" pitchFamily="50" charset="-128"/>
+              </a:rPr>
+              <a:t>文字程度）</a:t>
+            </a:r>
+          </a:p>
+          <a:p>
+            <a:pPr marL="0" indent="0" eaLnBrk="1" hangingPunct="1">
+              <a:lnSpc>
+                <a:spcPct val="80000"/>
+              </a:lnSpc>
+              <a:spcBef>
+                <a:spcPts val="668"/>
+              </a:spcBef>
+            </a:pPr>
+            <a:endParaRPr lang="ja-JP" altLang="en-US" sz="1782" dirty="0">
+              <a:latin typeface="HG丸ｺﾞｼｯｸM-PRO" panose="020F0600000000000000" pitchFamily="50" charset="-128"/>
+              <a:ea typeface="HG丸ｺﾞｼｯｸM-PRO" panose="020F0600000000000000" pitchFamily="50" charset="-128"/>
+            </a:endParaRPr>
           </a:p>
           <a:p>
             <a:pPr marL="0" indent="0" eaLnBrk="1" hangingPunct="1">
@@ -7257,88 +7535,10 @@
       </p:grpSpPr>
       <p:sp>
         <p:nvSpPr>
-          <p:cNvPr id="10" name="テキスト ボックス 9">
+          <p:cNvPr id="5" name="タイトル 4">
             <a:extLst>
               <a:ext uri="{FF2B5EF4-FFF2-40B4-BE49-F238E27FC236}">
-                <a16:creationId xmlns:a16="http://schemas.microsoft.com/office/drawing/2014/main" id="{B29149B3-A69E-4C1D-9EC2-8EA2E2DB9DB6}"/>
-              </a:ext>
-            </a:extLst>
-          </p:cNvPr>
-          <p:cNvSpPr txBox="1"/>
-          <p:nvPr/>
-        </p:nvSpPr>
-        <p:spPr>
-          <a:xfrm>
-            <a:off x="471241" y="1066728"/>
-            <a:ext cx="2287806" cy="400110"/>
-          </a:xfrm>
-          <a:prstGeom prst="rect">
-            <a:avLst/>
-          </a:prstGeom>
-          <a:noFill/>
-        </p:spPr>
-        <p:txBody>
-          <a:bodyPr wrap="none" rtlCol="0">
-            <a:spAutoFit/>
-          </a:bodyPr>
-          <a:lstStyle/>
-          <a:p>
-            <a:r>
-              <a:rPr kumimoji="1" lang="en-US" altLang="ja-JP" sz="2000" u="sng" dirty="0"/>
-              <a:t>1-1 </a:t>
-            </a:r>
-            <a:r>
-              <a:rPr kumimoji="1" lang="ja-JP" altLang="en-US" sz="2000" b="1" u="sng" dirty="0"/>
-              <a:t>ユースケース図</a:t>
-            </a:r>
-          </a:p>
-        </p:txBody>
-      </p:sp>
-      <p:sp>
-        <p:nvSpPr>
-          <p:cNvPr id="11" name="テキスト ボックス 10">
-            <a:extLst>
-              <a:ext uri="{FF2B5EF4-FFF2-40B4-BE49-F238E27FC236}">
-                <a16:creationId xmlns:a16="http://schemas.microsoft.com/office/drawing/2014/main" id="{2CB63FB2-F2E7-459F-BAA8-612411B34B0D}"/>
-              </a:ext>
-            </a:extLst>
-          </p:cNvPr>
-          <p:cNvSpPr txBox="1"/>
-          <p:nvPr/>
-        </p:nvSpPr>
-        <p:spPr>
-          <a:xfrm>
-            <a:off x="9717829" y="1014260"/>
-            <a:ext cx="2303836" cy="400110"/>
-          </a:xfrm>
-          <a:prstGeom prst="rect">
-            <a:avLst/>
-          </a:prstGeom>
-          <a:noFill/>
-        </p:spPr>
-        <p:txBody>
-          <a:bodyPr wrap="none" rtlCol="0">
-            <a:spAutoFit/>
-          </a:bodyPr>
-          <a:lstStyle/>
-          <a:p>
-            <a:r>
-              <a:rPr kumimoji="1" lang="en-US" altLang="ja-JP" sz="2000" b="1" u="sng" dirty="0"/>
-              <a:t>1-2 </a:t>
-            </a:r>
-            <a:r>
-              <a:rPr kumimoji="1" lang="ja-JP" altLang="en-US" sz="2000" b="1" u="sng" dirty="0"/>
-              <a:t>アクティビティ図</a:t>
-            </a:r>
-          </a:p>
-        </p:txBody>
-      </p:sp>
-      <p:sp>
-        <p:nvSpPr>
-          <p:cNvPr id="13" name="タイトル 12">
-            <a:extLst>
-              <a:ext uri="{FF2B5EF4-FFF2-40B4-BE49-F238E27FC236}">
-                <a16:creationId xmlns:a16="http://schemas.microsoft.com/office/drawing/2014/main" id="{6A4DCF3A-4DC5-4041-8C75-FAFD6B56D30F}"/>
+                <a16:creationId xmlns:a16="http://schemas.microsoft.com/office/drawing/2014/main" id="{99E97F26-ED30-4870-B29B-88DD2A395D18}"/>
               </a:ext>
             </a:extLst>
           </p:cNvPr>
@@ -7349,888 +7549,46 @@
             <p:ph type="title"/>
           </p:nvPr>
         </p:nvSpPr>
-        <p:spPr>
-          <a:xfrm>
-            <a:off x="-1" y="0"/>
-            <a:ext cx="15119351" cy="720000"/>
-          </a:xfrm>
-          <a:solidFill>
-            <a:schemeClr val="tx2">
-              <a:lumMod val="20000"/>
-              <a:lumOff val="80000"/>
-            </a:schemeClr>
-          </a:solidFill>
-        </p:spPr>
-        <p:txBody>
-          <a:bodyPr>
-            <a:noAutofit/>
-          </a:bodyPr>
+        <p:spPr/>
+        <p:txBody>
+          <a:bodyPr/>
           <a:lstStyle/>
           <a:p>
             <a:r>
-              <a:rPr lang="ja-JP" altLang="en-US" sz="2000" dirty="0">
-                <a:latin typeface="メイリオ" panose="020B0604030504040204" pitchFamily="50" charset="-128"/>
-                <a:ea typeface="メイリオ" panose="020B0604030504040204" pitchFamily="50" charset="-128"/>
-              </a:rPr>
-              <a:t>　　</a:t>
-            </a:r>
-            <a:r>
-              <a:rPr lang="en-US" altLang="ja-JP" sz="2000" dirty="0">
-                <a:latin typeface="メイリオ" panose="020B0604030504040204" pitchFamily="50" charset="-128"/>
-                <a:ea typeface="メイリオ" panose="020B0604030504040204" pitchFamily="50" charset="-128"/>
-              </a:rPr>
-              <a:t>1.</a:t>
-            </a:r>
-            <a:r>
-              <a:rPr lang="ja-JP" altLang="en-US" sz="2000" dirty="0">
-                <a:latin typeface="メイリオ" panose="020B0604030504040204" pitchFamily="50" charset="-128"/>
-                <a:ea typeface="メイリオ" panose="020B0604030504040204" pitchFamily="50" charset="-128"/>
-              </a:rPr>
+              <a:rPr kumimoji="1" lang="ja-JP" altLang="en-US" dirty="0"/>
               <a:t>機能モデル</a:t>
             </a:r>
-            <a:r>
-              <a:rPr lang="en-US" altLang="ja-JP" sz="2000" dirty="0">
-                <a:latin typeface="メイリオ" panose="020B0604030504040204" pitchFamily="50" charset="-128"/>
-                <a:ea typeface="メイリオ" panose="020B0604030504040204" pitchFamily="50" charset="-128"/>
-              </a:rPr>
-              <a:t>						</a:t>
-            </a:r>
-            <a:r>
-              <a:rPr lang="ja-JP" altLang="en-US" sz="2000" dirty="0">
-                <a:latin typeface="メイリオ" panose="020B0604030504040204" pitchFamily="50" charset="-128"/>
-                <a:ea typeface="メイリオ" panose="020B0604030504040204" pitchFamily="50" charset="-128"/>
-              </a:rPr>
-              <a:t>盛岡情報ビジネス＆デザイン専門学校</a:t>
-            </a:r>
-          </a:p>
-        </p:txBody>
-      </p:sp>
-      <p:sp>
-        <p:nvSpPr>
-          <p:cNvPr id="14" name="テキスト ボックス 13">
+          </a:p>
+        </p:txBody>
+      </p:sp>
+      <p:sp>
+        <p:nvSpPr>
+          <p:cNvPr id="7" name="コンテンツ プレースホルダー 6">
             <a:extLst>
               <a:ext uri="{FF2B5EF4-FFF2-40B4-BE49-F238E27FC236}">
-                <a16:creationId xmlns:a16="http://schemas.microsoft.com/office/drawing/2014/main" id="{AA2E28F0-1A29-4C32-8DFE-2415EF75CAF2}"/>
+                <a16:creationId xmlns:a16="http://schemas.microsoft.com/office/drawing/2014/main" id="{43A1BEA2-AA1D-441C-972E-6D458196DA19}"/>
               </a:ext>
             </a:extLst>
           </p:cNvPr>
-          <p:cNvSpPr txBox="1"/>
-          <p:nvPr/>
-        </p:nvSpPr>
-        <p:spPr>
-          <a:xfrm>
-            <a:off x="477612" y="1562219"/>
-            <a:ext cx="6192688" cy="375937"/>
-          </a:xfrm>
-          <a:prstGeom prst="rect">
-            <a:avLst/>
-          </a:prstGeom>
-          <a:noFill/>
-        </p:spPr>
-        <p:txBody>
-          <a:bodyPr wrap="square" rtlCol="0">
-            <a:spAutoFit/>
-          </a:bodyPr>
+          <p:cNvSpPr>
+            <a:spLocks noGrp="1"/>
+          </p:cNvSpPr>
+          <p:nvPr>
+            <p:ph idx="1"/>
+          </p:nvPr>
+        </p:nvSpPr>
+        <p:spPr/>
+        <p:txBody>
+          <a:bodyPr/>
           <a:lstStyle/>
           <a:p>
             <a:r>
               <a:rPr kumimoji="1" lang="ja-JP" altLang="en-US" dirty="0"/>
-              <a:t>走行体がスタートしてから、基本コースを通過すること。</a:t>
-            </a:r>
-          </a:p>
-        </p:txBody>
-      </p:sp>
-      <p:sp>
-        <p:nvSpPr>
-          <p:cNvPr id="15" name="テキスト ボックス 14">
-            <a:extLst>
-              <a:ext uri="{FF2B5EF4-FFF2-40B4-BE49-F238E27FC236}">
-                <a16:creationId xmlns:a16="http://schemas.microsoft.com/office/drawing/2014/main" id="{B03C4FC1-78AB-46D1-9F16-8897689F36BC}"/>
-              </a:ext>
-            </a:extLst>
-          </p:cNvPr>
-          <p:cNvSpPr txBox="1"/>
-          <p:nvPr/>
-        </p:nvSpPr>
-        <p:spPr>
-          <a:xfrm>
-            <a:off x="9717829" y="1373998"/>
-            <a:ext cx="5289919" cy="659540"/>
-          </a:xfrm>
-          <a:prstGeom prst="rect">
-            <a:avLst/>
-          </a:prstGeom>
-          <a:noFill/>
-        </p:spPr>
-        <p:txBody>
-          <a:bodyPr wrap="square" rtlCol="0">
-            <a:spAutoFit/>
-          </a:bodyPr>
-          <a:lstStyle/>
-          <a:p>
-            <a:r>
-              <a:rPr lang="ja-JP" altLang="en-US" dirty="0"/>
-              <a:t>ライントレース走行のユースケースを実現する為に必要となる処理や順序を示す。</a:t>
-            </a:r>
-            <a:endParaRPr kumimoji="1" lang="ja-JP" altLang="en-US" dirty="0"/>
-          </a:p>
-        </p:txBody>
-      </p:sp>
-      <p:pic>
-        <p:nvPicPr>
-          <p:cNvPr id="1028" name="Picture 4">
-            <a:extLst>
-              <a:ext uri="{FF2B5EF4-FFF2-40B4-BE49-F238E27FC236}">
-                <a16:creationId xmlns:a16="http://schemas.microsoft.com/office/drawing/2014/main" id="{614830CE-1B7D-471F-9FE6-4444596FDF83}"/>
-              </a:ext>
-            </a:extLst>
-          </p:cNvPr>
-          <p:cNvPicPr>
-            <a:picLocks noChangeAspect="1" noChangeArrowheads="1"/>
-          </p:cNvPicPr>
-          <p:nvPr/>
-        </p:nvPicPr>
-        <p:blipFill>
-          <a:blip r:embed="rId2">
-            <a:extLst>
-              <a:ext uri="{28A0092B-C50C-407E-A947-70E740481C1C}">
-                <a14:useLocalDpi xmlns:a14="http://schemas.microsoft.com/office/drawing/2010/main" val="0"/>
-              </a:ext>
-            </a:extLst>
-          </a:blip>
-          <a:srcRect/>
-          <a:stretch>
-            <a:fillRect/>
-          </a:stretch>
-        </p:blipFill>
-        <p:spPr bwMode="auto">
-          <a:xfrm>
-            <a:off x="753576" y="1953668"/>
-            <a:ext cx="8166934" cy="4400350"/>
-          </a:xfrm>
-          <a:prstGeom prst="rect">
-            <a:avLst/>
-          </a:prstGeom>
-          <a:noFill/>
-          <a:extLst>
-            <a:ext uri="{909E8E84-426E-40DD-AFC4-6F175D3DCCD1}">
-              <a14:hiddenFill xmlns:a14="http://schemas.microsoft.com/office/drawing/2010/main">
-                <a:solidFill>
-                  <a:srgbClr val="FFFFFF"/>
-                </a:solidFill>
-              </a14:hiddenFill>
-            </a:ext>
-          </a:extLst>
-        </p:spPr>
-      </p:pic>
-      <p:graphicFrame>
-        <p:nvGraphicFramePr>
-          <p:cNvPr id="3" name="表 2">
-            <a:extLst>
-              <a:ext uri="{FF2B5EF4-FFF2-40B4-BE49-F238E27FC236}">
-                <a16:creationId xmlns:a16="http://schemas.microsoft.com/office/drawing/2014/main" id="{A4B2EFD5-D538-4992-AF43-047F5CC233C4}"/>
-              </a:ext>
-            </a:extLst>
-          </p:cNvPr>
-          <p:cNvGraphicFramePr>
-            <a:graphicFrameLocks noGrp="1"/>
-          </p:cNvGraphicFramePr>
-          <p:nvPr>
-            <p:extLst>
-              <p:ext uri="{D42A27DB-BD31-4B8C-83A1-F6EECF244321}">
-                <p14:modId xmlns:p14="http://schemas.microsoft.com/office/powerpoint/2010/main" val="952414598"/>
-              </p:ext>
-            </p:extLst>
-          </p:nvPr>
-        </p:nvGraphicFramePr>
-        <p:xfrm>
-          <a:off x="1287662" y="6570043"/>
-          <a:ext cx="7632848" cy="3243598"/>
-        </p:xfrm>
-        <a:graphic>
-          <a:graphicData uri="http://schemas.openxmlformats.org/drawingml/2006/table">
-            <a:tbl>
-              <a:tblPr/>
-              <a:tblGrid>
-                <a:gridCol w="1635610">
-                  <a:extLst>
-                    <a:ext uri="{9D8B030D-6E8A-4147-A177-3AD203B41FA5}">
-                      <a16:colId xmlns:a16="http://schemas.microsoft.com/office/drawing/2014/main" val="1501481797"/>
-                    </a:ext>
-                  </a:extLst>
-                </a:gridCol>
-                <a:gridCol w="5997238">
-                  <a:extLst>
-                    <a:ext uri="{9D8B030D-6E8A-4147-A177-3AD203B41FA5}">
-                      <a16:colId xmlns:a16="http://schemas.microsoft.com/office/drawing/2014/main" val="3136505007"/>
-                    </a:ext>
-                  </a:extLst>
-                </a:gridCol>
-              </a:tblGrid>
-              <a:tr h="274881">
-                <a:tc>
-                  <a:txBody>
-                    <a:bodyPr/>
-                    <a:lstStyle/>
-                    <a:p>
-                      <a:pPr rtl="0" fontAlgn="ctr"/>
-                      <a:r>
-                        <a:rPr lang="ja-JP" altLang="en-US" sz="1200">
-                          <a:effectLst/>
-                        </a:rPr>
-                        <a:t>ユースケース名</a:t>
-                      </a:r>
-                    </a:p>
-                  </a:txBody>
-                  <a:tcPr marL="22860" marR="22860" marT="0" marB="0" anchor="ctr">
-                    <a:lnL w="7620" cap="flat" cmpd="sng" algn="ctr">
-                      <a:solidFill>
-                        <a:srgbClr val="000000"/>
-                      </a:solidFill>
-                      <a:prstDash val="solid"/>
-                      <a:round/>
-                      <a:headEnd type="none" w="med" len="med"/>
-                      <a:tailEnd type="none" w="med" len="med"/>
-                    </a:lnL>
-                    <a:lnR w="7620" cap="flat" cmpd="sng" algn="ctr">
-                      <a:solidFill>
-                        <a:srgbClr val="CCCCCC"/>
-                      </a:solidFill>
-                      <a:prstDash val="solid"/>
-                      <a:round/>
-                      <a:headEnd type="none" w="med" len="med"/>
-                      <a:tailEnd type="none" w="med" len="med"/>
-                    </a:lnR>
-                    <a:lnT w="7620" cap="flat" cmpd="sng" algn="ctr">
-                      <a:solidFill>
-                        <a:srgbClr val="000000"/>
-                      </a:solidFill>
-                      <a:prstDash val="solid"/>
-                      <a:round/>
-                      <a:headEnd type="none" w="med" len="med"/>
-                      <a:tailEnd type="none" w="med" len="med"/>
-                    </a:lnT>
-                    <a:lnB w="7620" cap="flat" cmpd="sng" algn="ctr">
-                      <a:solidFill>
-                        <a:srgbClr val="CCCCCC"/>
-                      </a:solidFill>
-                      <a:prstDash val="solid"/>
-                      <a:round/>
-                      <a:headEnd type="none" w="med" len="med"/>
-                      <a:tailEnd type="none" w="med" len="med"/>
-                    </a:lnB>
-                    <a:solidFill>
-                      <a:srgbClr val="EFEFEF"/>
-                    </a:solidFill>
-                  </a:tcPr>
-                </a:tc>
-                <a:tc>
-                  <a:txBody>
-                    <a:bodyPr/>
-                    <a:lstStyle/>
-                    <a:p>
-                      <a:pPr rtl="0" fontAlgn="t"/>
-                      <a:r>
-                        <a:rPr lang="ja-JP" altLang="en-US" sz="1200">
-                          <a:effectLst/>
-                        </a:rPr>
-                        <a:t>走行体がゴールまで走行する</a:t>
-                      </a:r>
-                    </a:p>
-                  </a:txBody>
-                  <a:tcPr marL="22860" marR="22860" marT="0" marB="0">
-                    <a:lnL w="7620" cap="flat" cmpd="sng" algn="ctr">
-                      <a:solidFill>
-                        <a:srgbClr val="CCCCCC"/>
-                      </a:solidFill>
-                      <a:prstDash val="solid"/>
-                      <a:round/>
-                      <a:headEnd type="none" w="med" len="med"/>
-                      <a:tailEnd type="none" w="med" len="med"/>
-                    </a:lnL>
-                    <a:lnR w="7620" cap="flat" cmpd="sng" algn="ctr">
-                      <a:solidFill>
-                        <a:srgbClr val="000000"/>
-                      </a:solidFill>
-                      <a:prstDash val="solid"/>
-                      <a:round/>
-                      <a:headEnd type="none" w="med" len="med"/>
-                      <a:tailEnd type="none" w="med" len="med"/>
-                    </a:lnR>
-                    <a:lnT w="7620" cap="flat" cmpd="sng" algn="ctr">
-                      <a:solidFill>
-                        <a:srgbClr val="000000"/>
-                      </a:solidFill>
-                      <a:prstDash val="solid"/>
-                      <a:round/>
-                      <a:headEnd type="none" w="med" len="med"/>
-                      <a:tailEnd type="none" w="med" len="med"/>
-                    </a:lnT>
-                    <a:lnB w="7620" cap="flat" cmpd="sng" algn="ctr">
-                      <a:solidFill>
-                        <a:srgbClr val="CCCCCC"/>
-                      </a:solidFill>
-                      <a:prstDash val="solid"/>
-                      <a:round/>
-                      <a:headEnd type="none" w="med" len="med"/>
-                      <a:tailEnd type="none" w="med" len="med"/>
-                    </a:lnB>
-                  </a:tcPr>
-                </a:tc>
-                <a:extLst>
-                  <a:ext uri="{0D108BD9-81ED-4DB2-BD59-A6C34878D82A}">
-                    <a16:rowId xmlns:a16="http://schemas.microsoft.com/office/drawing/2014/main" val="3455296152"/>
-                  </a:ext>
-                </a:extLst>
-              </a:tr>
-              <a:tr h="274881">
-                <a:tc>
-                  <a:txBody>
-                    <a:bodyPr/>
-                    <a:lstStyle/>
-                    <a:p>
-                      <a:pPr rtl="0" fontAlgn="ctr"/>
-                      <a:r>
-                        <a:rPr lang="ja-JP" altLang="en-US" sz="1200">
-                          <a:effectLst/>
-                        </a:rPr>
-                        <a:t>概要</a:t>
-                      </a:r>
-                    </a:p>
-                  </a:txBody>
-                  <a:tcPr marL="22860" marR="22860" marT="0" marB="0" anchor="ctr">
-                    <a:lnL w="7620" cap="flat" cmpd="sng" algn="ctr">
-                      <a:solidFill>
-                        <a:srgbClr val="000000"/>
-                      </a:solidFill>
-                      <a:prstDash val="solid"/>
-                      <a:round/>
-                      <a:headEnd type="none" w="med" len="med"/>
-                      <a:tailEnd type="none" w="med" len="med"/>
-                    </a:lnL>
-                    <a:lnR w="7620" cap="flat" cmpd="sng" algn="ctr">
-                      <a:solidFill>
-                        <a:srgbClr val="CCCCCC"/>
-                      </a:solidFill>
-                      <a:prstDash val="solid"/>
-                      <a:round/>
-                      <a:headEnd type="none" w="med" len="med"/>
-                      <a:tailEnd type="none" w="med" len="med"/>
-                    </a:lnR>
-                    <a:lnT w="7620" cap="flat" cmpd="sng" algn="ctr">
-                      <a:solidFill>
-                        <a:srgbClr val="CCCCCC"/>
-                      </a:solidFill>
-                      <a:prstDash val="solid"/>
-                      <a:round/>
-                      <a:headEnd type="none" w="med" len="med"/>
-                      <a:tailEnd type="none" w="med" len="med"/>
-                    </a:lnT>
-                    <a:lnB w="7620" cap="flat" cmpd="sng" algn="ctr">
-                      <a:solidFill>
-                        <a:srgbClr val="CCCCCC"/>
-                      </a:solidFill>
-                      <a:prstDash val="solid"/>
-                      <a:round/>
-                      <a:headEnd type="none" w="med" len="med"/>
-                      <a:tailEnd type="none" w="med" len="med"/>
-                    </a:lnB>
-                    <a:solidFill>
-                      <a:srgbClr val="EFEFEF"/>
-                    </a:solidFill>
-                  </a:tcPr>
-                </a:tc>
-                <a:tc>
-                  <a:txBody>
-                    <a:bodyPr/>
-                    <a:lstStyle/>
-                    <a:p>
-                      <a:pPr rtl="0" fontAlgn="t"/>
-                      <a:r>
-                        <a:rPr lang="ja-JP" altLang="en-US" sz="1200">
-                          <a:effectLst/>
-                        </a:rPr>
-                        <a:t>基本コースを走行するシステム</a:t>
-                      </a:r>
-                    </a:p>
-                  </a:txBody>
-                  <a:tcPr marL="22860" marR="22860" marT="0" marB="0">
-                    <a:lnL w="7620" cap="flat" cmpd="sng" algn="ctr">
-                      <a:solidFill>
-                        <a:srgbClr val="CCCCCC"/>
-                      </a:solidFill>
-                      <a:prstDash val="solid"/>
-                      <a:round/>
-                      <a:headEnd type="none" w="med" len="med"/>
-                      <a:tailEnd type="none" w="med" len="med"/>
-                    </a:lnL>
-                    <a:lnR w="7620" cap="flat" cmpd="sng" algn="ctr">
-                      <a:solidFill>
-                        <a:srgbClr val="000000"/>
-                      </a:solidFill>
-                      <a:prstDash val="solid"/>
-                      <a:round/>
-                      <a:headEnd type="none" w="med" len="med"/>
-                      <a:tailEnd type="none" w="med" len="med"/>
-                    </a:lnR>
-                    <a:lnT w="7620" cap="flat" cmpd="sng" algn="ctr">
-                      <a:solidFill>
-                        <a:srgbClr val="CCCCCC"/>
-                      </a:solidFill>
-                      <a:prstDash val="solid"/>
-                      <a:round/>
-                      <a:headEnd type="none" w="med" len="med"/>
-                      <a:tailEnd type="none" w="med" len="med"/>
-                    </a:lnT>
-                    <a:lnB w="7620" cap="flat" cmpd="sng" algn="ctr">
-                      <a:solidFill>
-                        <a:srgbClr val="CCCCCC"/>
-                      </a:solidFill>
-                      <a:prstDash val="solid"/>
-                      <a:round/>
-                      <a:headEnd type="none" w="med" len="med"/>
-                      <a:tailEnd type="none" w="med" len="med"/>
-                    </a:lnB>
-                  </a:tcPr>
-                </a:tc>
-                <a:extLst>
-                  <a:ext uri="{0D108BD9-81ED-4DB2-BD59-A6C34878D82A}">
-                    <a16:rowId xmlns:a16="http://schemas.microsoft.com/office/drawing/2014/main" val="411903944"/>
-                  </a:ext>
-                </a:extLst>
-              </a:tr>
-              <a:tr h="274881">
-                <a:tc>
-                  <a:txBody>
-                    <a:bodyPr/>
-                    <a:lstStyle/>
-                    <a:p>
-                      <a:pPr rtl="0" fontAlgn="ctr"/>
-                      <a:r>
-                        <a:rPr lang="ja-JP" altLang="en-US" sz="1200">
-                          <a:effectLst/>
-                        </a:rPr>
-                        <a:t>アクター</a:t>
-                      </a:r>
-                    </a:p>
-                  </a:txBody>
-                  <a:tcPr marL="22860" marR="22860" marT="0" marB="0" anchor="ctr">
-                    <a:lnL w="7620" cap="flat" cmpd="sng" algn="ctr">
-                      <a:solidFill>
-                        <a:srgbClr val="000000"/>
-                      </a:solidFill>
-                      <a:prstDash val="solid"/>
-                      <a:round/>
-                      <a:headEnd type="none" w="med" len="med"/>
-                      <a:tailEnd type="none" w="med" len="med"/>
-                    </a:lnL>
-                    <a:lnR w="7620" cap="flat" cmpd="sng" algn="ctr">
-                      <a:solidFill>
-                        <a:srgbClr val="CCCCCC"/>
-                      </a:solidFill>
-                      <a:prstDash val="solid"/>
-                      <a:round/>
-                      <a:headEnd type="none" w="med" len="med"/>
-                      <a:tailEnd type="none" w="med" len="med"/>
-                    </a:lnR>
-                    <a:lnT w="7620" cap="flat" cmpd="sng" algn="ctr">
-                      <a:solidFill>
-                        <a:srgbClr val="CCCCCC"/>
-                      </a:solidFill>
-                      <a:prstDash val="solid"/>
-                      <a:round/>
-                      <a:headEnd type="none" w="med" len="med"/>
-                      <a:tailEnd type="none" w="med" len="med"/>
-                    </a:lnT>
-                    <a:lnB w="7620" cap="flat" cmpd="sng" algn="ctr">
-                      <a:solidFill>
-                        <a:srgbClr val="CCCCCC"/>
-                      </a:solidFill>
-                      <a:prstDash val="solid"/>
-                      <a:round/>
-                      <a:headEnd type="none" w="med" len="med"/>
-                      <a:tailEnd type="none" w="med" len="med"/>
-                    </a:lnB>
-                    <a:solidFill>
-                      <a:srgbClr val="EFEFEF"/>
-                    </a:solidFill>
-                  </a:tcPr>
-                </a:tc>
-                <a:tc>
-                  <a:txBody>
-                    <a:bodyPr/>
-                    <a:lstStyle/>
-                    <a:p>
-                      <a:pPr rtl="0" fontAlgn="t"/>
-                      <a:r>
-                        <a:rPr lang="ja-JP" altLang="en-US" sz="1200">
-                          <a:effectLst/>
-                        </a:rPr>
-                        <a:t>開発者</a:t>
-                      </a:r>
-                    </a:p>
-                  </a:txBody>
-                  <a:tcPr marL="22860" marR="22860" marT="0" marB="0">
-                    <a:lnL w="7620" cap="flat" cmpd="sng" algn="ctr">
-                      <a:solidFill>
-                        <a:srgbClr val="CCCCCC"/>
-                      </a:solidFill>
-                      <a:prstDash val="solid"/>
-                      <a:round/>
-                      <a:headEnd type="none" w="med" len="med"/>
-                      <a:tailEnd type="none" w="med" len="med"/>
-                    </a:lnL>
-                    <a:lnR w="7620" cap="flat" cmpd="sng" algn="ctr">
-                      <a:solidFill>
-                        <a:srgbClr val="000000"/>
-                      </a:solidFill>
-                      <a:prstDash val="solid"/>
-                      <a:round/>
-                      <a:headEnd type="none" w="med" len="med"/>
-                      <a:tailEnd type="none" w="med" len="med"/>
-                    </a:lnR>
-                    <a:lnT w="7620" cap="flat" cmpd="sng" algn="ctr">
-                      <a:solidFill>
-                        <a:srgbClr val="CCCCCC"/>
-                      </a:solidFill>
-                      <a:prstDash val="solid"/>
-                      <a:round/>
-                      <a:headEnd type="none" w="med" len="med"/>
-                      <a:tailEnd type="none" w="med" len="med"/>
-                    </a:lnT>
-                    <a:lnB w="7620" cap="flat" cmpd="sng" algn="ctr">
-                      <a:solidFill>
-                        <a:srgbClr val="CCCCCC"/>
-                      </a:solidFill>
-                      <a:prstDash val="solid"/>
-                      <a:round/>
-                      <a:headEnd type="none" w="med" len="med"/>
-                      <a:tailEnd type="none" w="med" len="med"/>
-                    </a:lnB>
-                  </a:tcPr>
-                </a:tc>
-                <a:extLst>
-                  <a:ext uri="{0D108BD9-81ED-4DB2-BD59-A6C34878D82A}">
-                    <a16:rowId xmlns:a16="http://schemas.microsoft.com/office/drawing/2014/main" val="1409890337"/>
-                  </a:ext>
-                </a:extLst>
-              </a:tr>
-              <a:tr h="2418955">
-                <a:tc>
-                  <a:txBody>
-                    <a:bodyPr/>
-                    <a:lstStyle/>
-                    <a:p>
-                      <a:pPr rtl="0" fontAlgn="ctr"/>
-                      <a:r>
-                        <a:rPr lang="ja-JP" altLang="en-US" sz="1200" dirty="0">
-                          <a:effectLst/>
-                        </a:rPr>
-                        <a:t>基本系列</a:t>
-                      </a:r>
-                    </a:p>
-                  </a:txBody>
-                  <a:tcPr marL="22860" marR="22860" marT="0" marB="0" anchor="ctr">
-                    <a:lnL w="7620" cap="flat" cmpd="sng" algn="ctr">
-                      <a:solidFill>
-                        <a:srgbClr val="000000"/>
-                      </a:solidFill>
-                      <a:prstDash val="solid"/>
-                      <a:round/>
-                      <a:headEnd type="none" w="med" len="med"/>
-                      <a:tailEnd type="none" w="med" len="med"/>
-                    </a:lnL>
-                    <a:lnR w="7620" cap="flat" cmpd="sng" algn="ctr">
-                      <a:solidFill>
-                        <a:srgbClr val="CCCCCC"/>
-                      </a:solidFill>
-                      <a:prstDash val="solid"/>
-                      <a:round/>
-                      <a:headEnd type="none" w="med" len="med"/>
-                      <a:tailEnd type="none" w="med" len="med"/>
-                    </a:lnR>
-                    <a:lnT w="7620" cap="flat" cmpd="sng" algn="ctr">
-                      <a:solidFill>
-                        <a:srgbClr val="CCCCCC"/>
-                      </a:solidFill>
-                      <a:prstDash val="solid"/>
-                      <a:round/>
-                      <a:headEnd type="none" w="med" len="med"/>
-                      <a:tailEnd type="none" w="med" len="med"/>
-                    </a:lnT>
-                    <a:lnB w="7620" cap="flat" cmpd="sng" algn="ctr">
-                      <a:solidFill>
-                        <a:srgbClr val="000000"/>
-                      </a:solidFill>
-                      <a:prstDash val="solid"/>
-                      <a:round/>
-                      <a:headEnd type="none" w="med" len="med"/>
-                      <a:tailEnd type="none" w="med" len="med"/>
-                    </a:lnB>
-                    <a:solidFill>
-                      <a:srgbClr val="EFEFEF"/>
-                    </a:solidFill>
-                  </a:tcPr>
-                </a:tc>
-                <a:tc>
-                  <a:txBody>
-                    <a:bodyPr/>
-                    <a:lstStyle/>
-                    <a:p>
-                      <a:pPr rtl="0" fontAlgn="t"/>
-                      <a:r>
-                        <a:rPr lang="en-US" altLang="ja-JP" sz="1200" dirty="0">
-                          <a:effectLst/>
-                        </a:rPr>
-                        <a:t>1.</a:t>
-                      </a:r>
-                      <a:r>
-                        <a:rPr lang="ja-JP" altLang="en-US" sz="1200" dirty="0">
-                          <a:effectLst/>
-                        </a:rPr>
-                        <a:t>開発者が走行体を起動すると、走行体は動作を開始する。</a:t>
-                      </a:r>
-                      <a:br>
-                        <a:rPr lang="ja-JP" altLang="en-US" sz="1200" dirty="0">
-                          <a:effectLst/>
-                        </a:rPr>
-                      </a:br>
-                      <a:r>
-                        <a:rPr lang="en-US" altLang="ja-JP" sz="1200" dirty="0">
-                          <a:effectLst/>
-                        </a:rPr>
-                        <a:t>2.</a:t>
-                      </a:r>
-                      <a:r>
-                        <a:rPr lang="ja-JP" altLang="en-US" sz="1200" dirty="0">
-                          <a:effectLst/>
-                        </a:rPr>
-                        <a:t>走行体は動作を開始すると、デバイスを初期化し、走行開始の指示を待つ。</a:t>
-                      </a:r>
-                      <a:br>
-                        <a:rPr lang="ja-JP" altLang="en-US" sz="1200" dirty="0">
-                          <a:effectLst/>
-                        </a:rPr>
-                      </a:br>
-                      <a:r>
-                        <a:rPr lang="en-US" altLang="ja-JP" sz="1200" dirty="0">
-                          <a:effectLst/>
-                        </a:rPr>
-                        <a:t>3.</a:t>
-                      </a:r>
-                      <a:r>
-                        <a:rPr lang="ja-JP" altLang="en-US" sz="1200" dirty="0">
-                          <a:effectLst/>
-                        </a:rPr>
-                        <a:t>開発者はスタートボタンを押して、走行体に走行開始の指示を出す。</a:t>
-                      </a:r>
-                      <a:br>
-                        <a:rPr lang="ja-JP" altLang="en-US" sz="1200" dirty="0">
-                          <a:effectLst/>
-                        </a:rPr>
-                      </a:br>
-                      <a:r>
-                        <a:rPr lang="en-US" altLang="ja-JP" sz="1200" dirty="0">
-                          <a:effectLst/>
-                        </a:rPr>
-                        <a:t>4.</a:t>
-                      </a:r>
-                      <a:r>
-                        <a:rPr lang="ja-JP" altLang="en-US" sz="1200" dirty="0">
-                          <a:effectLst/>
-                        </a:rPr>
-                        <a:t>走行体は、自分が経路上にいるかどうかを確認し、</a:t>
-                      </a:r>
-                      <a:r>
-                        <a:rPr lang="en-US" altLang="ja-JP" sz="1200" dirty="0">
-                          <a:effectLst/>
-                        </a:rPr>
-                        <a:t>PID</a:t>
-                      </a:r>
-                      <a:r>
-                        <a:rPr lang="ja-JP" altLang="en-US" sz="1200" dirty="0">
-                          <a:effectLst/>
-                        </a:rPr>
-                        <a:t>制御により走行する向きを計算する。</a:t>
-                      </a:r>
-                      <a:br>
-                        <a:rPr lang="ja-JP" altLang="en-US" sz="1200" dirty="0">
-                          <a:effectLst/>
-                        </a:rPr>
-                      </a:br>
-                      <a:r>
-                        <a:rPr lang="en-US" altLang="ja-JP" sz="1200" dirty="0">
-                          <a:effectLst/>
-                        </a:rPr>
-                        <a:t>5.</a:t>
-                      </a:r>
-                      <a:r>
-                        <a:rPr lang="ja-JP" altLang="en-US" sz="1200" dirty="0">
-                          <a:effectLst/>
-                        </a:rPr>
-                        <a:t>走行体は計算された制御量に従って走行し、センサーにより位置を検知する。</a:t>
-                      </a:r>
-                      <a:br>
-                        <a:rPr lang="ja-JP" altLang="en-US" sz="1200" dirty="0">
-                          <a:effectLst/>
-                        </a:rPr>
-                      </a:br>
-                      <a:r>
-                        <a:rPr lang="en-US" altLang="ja-JP" sz="1200" dirty="0">
-                          <a:effectLst/>
-                        </a:rPr>
-                        <a:t>6.</a:t>
-                      </a:r>
-                      <a:r>
-                        <a:rPr lang="ja-JP" altLang="en-US" sz="1200" dirty="0">
-                          <a:effectLst/>
-                        </a:rPr>
-                        <a:t>手順</a:t>
-                      </a:r>
-                      <a:r>
-                        <a:rPr lang="en-US" altLang="ja-JP" sz="1200" dirty="0">
-                          <a:effectLst/>
-                        </a:rPr>
-                        <a:t>4〜5</a:t>
-                      </a:r>
-                      <a:r>
-                        <a:rPr lang="ja-JP" altLang="en-US" sz="1200" dirty="0">
-                          <a:effectLst/>
-                        </a:rPr>
-                        <a:t>を繰り返すことで、経路に沿って走行する。</a:t>
-                      </a:r>
-                      <a:br>
-                        <a:rPr lang="ja-JP" altLang="en-US" sz="1200" dirty="0">
-                          <a:effectLst/>
-                        </a:rPr>
-                      </a:br>
-                      <a:r>
-                        <a:rPr lang="en-US" altLang="ja-JP" sz="1200" dirty="0">
-                          <a:effectLst/>
-                        </a:rPr>
-                        <a:t>7.</a:t>
-                      </a:r>
-                      <a:r>
-                        <a:rPr lang="ja-JP" altLang="en-US" sz="1200" dirty="0">
-                          <a:effectLst/>
-                        </a:rPr>
-                        <a:t>ゴールの印があるかどうかを確認する。</a:t>
-                      </a:r>
-                      <a:br>
-                        <a:rPr lang="ja-JP" altLang="en-US" sz="1200" dirty="0">
-                          <a:effectLst/>
-                        </a:rPr>
-                      </a:br>
-                      <a:r>
-                        <a:rPr lang="en-US" altLang="ja-JP" sz="1200" dirty="0">
-                          <a:effectLst/>
-                        </a:rPr>
-                        <a:t>8.</a:t>
-                      </a:r>
-                      <a:r>
-                        <a:rPr lang="ja-JP" altLang="en-US" sz="1200" dirty="0">
-                          <a:effectLst/>
-                        </a:rPr>
-                        <a:t>ゴールを検知した場合、走行を終了する。</a:t>
-                      </a:r>
-                    </a:p>
-                  </a:txBody>
-                  <a:tcPr marL="22860" marR="22860" marT="0" marB="0">
-                    <a:lnL w="7620" cap="flat" cmpd="sng" algn="ctr">
-                      <a:solidFill>
-                        <a:srgbClr val="CCCCCC"/>
-                      </a:solidFill>
-                      <a:prstDash val="solid"/>
-                      <a:round/>
-                      <a:headEnd type="none" w="med" len="med"/>
-                      <a:tailEnd type="none" w="med" len="med"/>
-                    </a:lnL>
-                    <a:lnR w="7620" cap="flat" cmpd="sng" algn="ctr">
-                      <a:solidFill>
-                        <a:srgbClr val="000000"/>
-                      </a:solidFill>
-                      <a:prstDash val="solid"/>
-                      <a:round/>
-                      <a:headEnd type="none" w="med" len="med"/>
-                      <a:tailEnd type="none" w="med" len="med"/>
-                    </a:lnR>
-                    <a:lnT w="7620" cap="flat" cmpd="sng" algn="ctr">
-                      <a:solidFill>
-                        <a:srgbClr val="CCCCCC"/>
-                      </a:solidFill>
-                      <a:prstDash val="solid"/>
-                      <a:round/>
-                      <a:headEnd type="none" w="med" len="med"/>
-                      <a:tailEnd type="none" w="med" len="med"/>
-                    </a:lnT>
-                    <a:lnB w="7620" cap="flat" cmpd="sng" algn="ctr">
-                      <a:solidFill>
-                        <a:srgbClr val="000000"/>
-                      </a:solidFill>
-                      <a:prstDash val="solid"/>
-                      <a:round/>
-                      <a:headEnd type="none" w="med" len="med"/>
-                      <a:tailEnd type="none" w="med" len="med"/>
-                    </a:lnB>
-                  </a:tcPr>
-                </a:tc>
-                <a:extLst>
-                  <a:ext uri="{0D108BD9-81ED-4DB2-BD59-A6C34878D82A}">
-                    <a16:rowId xmlns:a16="http://schemas.microsoft.com/office/drawing/2014/main" val="3355572915"/>
-                  </a:ext>
-                </a:extLst>
-              </a:tr>
-            </a:tbl>
-          </a:graphicData>
-        </a:graphic>
-      </p:graphicFrame>
-      <p:pic>
-        <p:nvPicPr>
-          <p:cNvPr id="1030" name="Picture 6">
-            <a:extLst>
-              <a:ext uri="{FF2B5EF4-FFF2-40B4-BE49-F238E27FC236}">
-                <a16:creationId xmlns:a16="http://schemas.microsoft.com/office/drawing/2014/main" id="{8F02AB8F-AF5D-40C0-B071-0DD02C1545BC}"/>
-              </a:ext>
-            </a:extLst>
-          </p:cNvPr>
-          <p:cNvPicPr>
-            <a:picLocks noChangeAspect="1" noChangeArrowheads="1"/>
-          </p:cNvPicPr>
-          <p:nvPr/>
-        </p:nvPicPr>
-        <p:blipFill>
-          <a:blip r:embed="rId3">
-            <a:extLst>
-              <a:ext uri="{28A0092B-C50C-407E-A947-70E740481C1C}">
-                <a14:useLocalDpi xmlns:a14="http://schemas.microsoft.com/office/drawing/2010/main" val="0"/>
-              </a:ext>
-            </a:extLst>
-          </a:blip>
-          <a:srcRect/>
-          <a:stretch>
-            <a:fillRect/>
-          </a:stretch>
-        </p:blipFill>
-        <p:spPr bwMode="auto">
-          <a:xfrm>
-            <a:off x="9429275" y="1975094"/>
-            <a:ext cx="5578473" cy="7249661"/>
-          </a:xfrm>
-          <a:prstGeom prst="rect">
-            <a:avLst/>
-          </a:prstGeom>
-          <a:noFill/>
-          <a:extLst>
-            <a:ext uri="{909E8E84-426E-40DD-AFC4-6F175D3DCCD1}">
-              <a14:hiddenFill xmlns:a14="http://schemas.microsoft.com/office/drawing/2010/main">
-                <a:solidFill>
-                  <a:srgbClr val="FFFFFF"/>
-                </a:solidFill>
-              </a14:hiddenFill>
-            </a:ext>
-          </a:extLst>
-        </p:spPr>
-      </p:pic>
+              <a:t>ここに機能のモデルを書く</a:t>
+            </a:r>
+          </a:p>
+        </p:txBody>
+      </p:sp>
     </p:spTree>
     <p:extLst>
       <p:ext uri="{BB962C8B-B14F-4D97-AF65-F5344CB8AC3E}">
@@ -8277,232 +7635,42 @@
             <p:ph type="title"/>
           </p:nvPr>
         </p:nvSpPr>
-        <p:spPr>
-          <a:xfrm>
-            <a:off x="0" y="0"/>
-            <a:ext cx="15119350" cy="720000"/>
-          </a:xfrm>
-          <a:solidFill>
-            <a:schemeClr val="tx2">
-              <a:lumMod val="20000"/>
-              <a:lumOff val="80000"/>
-            </a:schemeClr>
-          </a:solidFill>
-        </p:spPr>
-        <p:txBody>
-          <a:bodyPr>
-            <a:normAutofit/>
-          </a:bodyPr>
+        <p:spPr/>
+        <p:txBody>
+          <a:bodyPr/>
           <a:lstStyle/>
           <a:p>
             <a:r>
-              <a:rPr lang="ja-JP" altLang="en-US" sz="2000" dirty="0">
-                <a:latin typeface="メイリオ" panose="020B0604030504040204" pitchFamily="50" charset="-128"/>
-                <a:ea typeface="メイリオ" panose="020B0604030504040204" pitchFamily="50" charset="-128"/>
-              </a:rPr>
-              <a:t>　　</a:t>
-            </a:r>
-            <a:r>
-              <a:rPr lang="en-US" altLang="ja-JP" sz="2000" dirty="0">
-                <a:latin typeface="メイリオ" panose="020B0604030504040204" pitchFamily="50" charset="-128"/>
-                <a:ea typeface="メイリオ" panose="020B0604030504040204" pitchFamily="50" charset="-128"/>
-              </a:rPr>
-              <a:t>2-1 </a:t>
-            </a:r>
-            <a:r>
-              <a:rPr kumimoji="1" lang="ja-JP" altLang="en-US" sz="2000" dirty="0">
-                <a:latin typeface="メイリオ" panose="020B0604030504040204" pitchFamily="50" charset="-128"/>
-                <a:ea typeface="メイリオ" panose="020B0604030504040204" pitchFamily="50" charset="-128"/>
-              </a:rPr>
+              <a:rPr kumimoji="1" lang="ja-JP" altLang="en-US" dirty="0"/>
               <a:t>構造モデル</a:t>
             </a:r>
           </a:p>
         </p:txBody>
       </p:sp>
-      <p:pic>
-        <p:nvPicPr>
-          <p:cNvPr id="10" name="図 9">
+      <p:sp>
+        <p:nvSpPr>
+          <p:cNvPr id="6" name="コンテンツ プレースホルダー 5">
             <a:extLst>
               <a:ext uri="{FF2B5EF4-FFF2-40B4-BE49-F238E27FC236}">
-                <a16:creationId xmlns:a16="http://schemas.microsoft.com/office/drawing/2014/main" id="{EA322BE1-86A3-4365-B174-087EFAE64631}"/>
+                <a16:creationId xmlns:a16="http://schemas.microsoft.com/office/drawing/2014/main" id="{26FAAD07-F302-42C1-85D9-C09DAB46A420}"/>
               </a:ext>
             </a:extLst>
           </p:cNvPr>
-          <p:cNvPicPr>
-            <a:picLocks noChangeAspect="1"/>
-          </p:cNvPicPr>
-          <p:nvPr/>
-        </p:nvPicPr>
-        <p:blipFill>
-          <a:blip r:embed="rId2">
-            <a:extLst>
-              <a:ext uri="{28A0092B-C50C-407E-A947-70E740481C1C}">
-                <a14:useLocalDpi xmlns:a14="http://schemas.microsoft.com/office/drawing/2010/main" val="0"/>
-              </a:ext>
-            </a:extLst>
-          </a:blip>
-          <a:stretch>
-            <a:fillRect/>
-          </a:stretch>
-        </p:blipFill>
-        <p:spPr>
-          <a:xfrm>
-            <a:off x="7757321" y="1618441"/>
-            <a:ext cx="6899776" cy="3727465"/>
-          </a:xfrm>
-          <a:prstGeom prst="rect">
-            <a:avLst/>
-          </a:prstGeom>
-        </p:spPr>
-      </p:pic>
-      <p:sp>
-        <p:nvSpPr>
-          <p:cNvPr id="11" name="テキスト ボックス 10">
-            <a:extLst>
-              <a:ext uri="{FF2B5EF4-FFF2-40B4-BE49-F238E27FC236}">
-                <a16:creationId xmlns:a16="http://schemas.microsoft.com/office/drawing/2014/main" id="{D054377F-72A6-4D3E-BA46-1105CC767498}"/>
-              </a:ext>
-            </a:extLst>
-          </p:cNvPr>
-          <p:cNvSpPr txBox="1"/>
-          <p:nvPr/>
-        </p:nvSpPr>
-        <p:spPr>
-          <a:xfrm>
-            <a:off x="462253" y="2032270"/>
-            <a:ext cx="3240360" cy="707886"/>
-          </a:xfrm>
-          <a:prstGeom prst="rect">
-            <a:avLst/>
-          </a:prstGeom>
-          <a:noFill/>
-        </p:spPr>
-        <p:txBody>
-          <a:bodyPr wrap="square" rtlCol="0">
-            <a:spAutoFit/>
-          </a:bodyPr>
+          <p:cNvSpPr>
+            <a:spLocks noGrp="1"/>
+          </p:cNvSpPr>
+          <p:nvPr>
+            <p:ph idx="1"/>
+          </p:nvPr>
+        </p:nvSpPr>
+        <p:spPr/>
+        <p:txBody>
+          <a:bodyPr/>
           <a:lstStyle/>
           <a:p>
             <a:r>
-              <a:rPr kumimoji="1" lang="ja-JP" altLang="en-US" sz="4000" u="sng" dirty="0"/>
-              <a:t>パッケージ図</a:t>
-            </a:r>
-          </a:p>
-        </p:txBody>
-      </p:sp>
-      <p:pic>
-        <p:nvPicPr>
-          <p:cNvPr id="14" name="図 13">
-            <a:extLst>
-              <a:ext uri="{FF2B5EF4-FFF2-40B4-BE49-F238E27FC236}">
-                <a16:creationId xmlns:a16="http://schemas.microsoft.com/office/drawing/2014/main" id="{EA8D51C0-0779-4413-9C1D-26C4F9555042}"/>
-              </a:ext>
-            </a:extLst>
-          </p:cNvPr>
-          <p:cNvPicPr>
-            <a:picLocks noChangeAspect="1"/>
-          </p:cNvPicPr>
-          <p:nvPr/>
-        </p:nvPicPr>
-        <p:blipFill>
-          <a:blip r:embed="rId3"/>
-          <a:stretch>
-            <a:fillRect/>
-          </a:stretch>
-        </p:blipFill>
-        <p:spPr>
-          <a:xfrm>
-            <a:off x="462253" y="3418641"/>
-            <a:ext cx="6803478" cy="1927265"/>
-          </a:xfrm>
-          <a:prstGeom prst="rect">
-            <a:avLst/>
-          </a:prstGeom>
-        </p:spPr>
-      </p:pic>
-      <p:sp>
-        <p:nvSpPr>
-          <p:cNvPr id="15" name="テキスト ボックス 14">
-            <a:extLst>
-              <a:ext uri="{FF2B5EF4-FFF2-40B4-BE49-F238E27FC236}">
-                <a16:creationId xmlns:a16="http://schemas.microsoft.com/office/drawing/2014/main" id="{0042EBEC-5BAA-4D77-9358-3746B88F5F58}"/>
-              </a:ext>
-            </a:extLst>
-          </p:cNvPr>
-          <p:cNvSpPr txBox="1"/>
-          <p:nvPr/>
-        </p:nvSpPr>
-        <p:spPr>
-          <a:xfrm>
-            <a:off x="462253" y="2969642"/>
-            <a:ext cx="4289110" cy="461665"/>
-          </a:xfrm>
-          <a:prstGeom prst="rect">
-            <a:avLst/>
-          </a:prstGeom>
-          <a:noFill/>
-        </p:spPr>
-        <p:txBody>
-          <a:bodyPr wrap="square" rtlCol="0">
-            <a:spAutoFit/>
-          </a:bodyPr>
-          <a:lstStyle/>
-          <a:p>
-            <a:r>
-              <a:rPr lang="ja-JP" altLang="en-US" sz="2400" dirty="0"/>
-              <a:t>表</a:t>
-            </a:r>
-            <a:r>
-              <a:rPr lang="en-US" altLang="ja-JP" sz="2400" dirty="0"/>
-              <a:t>2.1 </a:t>
-            </a:r>
-            <a:r>
-              <a:rPr lang="ja-JP" altLang="en-US" sz="2400" dirty="0"/>
-              <a:t>パッケージ名とその役割</a:t>
-            </a:r>
-            <a:endParaRPr kumimoji="1" lang="ja-JP" altLang="en-US" sz="2400" dirty="0"/>
-          </a:p>
-        </p:txBody>
-      </p:sp>
-      <p:sp>
-        <p:nvSpPr>
-          <p:cNvPr id="16" name="テキスト ボックス 15">
-            <a:extLst>
-              <a:ext uri="{FF2B5EF4-FFF2-40B4-BE49-F238E27FC236}">
-                <a16:creationId xmlns:a16="http://schemas.microsoft.com/office/drawing/2014/main" id="{7738DF1B-4521-47E8-9540-35BB5C2B43BD}"/>
-              </a:ext>
-            </a:extLst>
-          </p:cNvPr>
-          <p:cNvSpPr txBox="1"/>
-          <p:nvPr/>
-        </p:nvSpPr>
-        <p:spPr>
-          <a:xfrm>
-            <a:off x="9215859" y="5489922"/>
-            <a:ext cx="3625274" cy="461665"/>
-          </a:xfrm>
-          <a:prstGeom prst="rect">
-            <a:avLst/>
-          </a:prstGeom>
-          <a:noFill/>
-        </p:spPr>
-        <p:txBody>
-          <a:bodyPr wrap="square" rtlCol="0">
-            <a:spAutoFit/>
-          </a:bodyPr>
-          <a:lstStyle/>
-          <a:p>
-            <a:r>
-              <a:rPr kumimoji="1" lang="ja-JP" altLang="en-US" sz="2400" dirty="0"/>
-              <a:t>図</a:t>
-            </a:r>
-            <a:r>
-              <a:rPr kumimoji="1" lang="en-US" altLang="ja-JP" sz="2400" dirty="0"/>
-              <a:t>2.1 </a:t>
-            </a:r>
-            <a:r>
-              <a:rPr kumimoji="1" lang="ja-JP" altLang="en-US" sz="2400" dirty="0"/>
-              <a:t>全体のパッケージ図</a:t>
+              <a:rPr kumimoji="1" lang="ja-JP" altLang="en-US" dirty="0"/>
+              <a:t>ここに構造のモデルを書く</a:t>
             </a:r>
           </a:p>
         </p:txBody>
@@ -8537,209 +7705,6 @@
           <a:chExt cx="0" cy="0"/>
         </a:xfrm>
       </p:grpSpPr>
-      <p:pic>
-        <p:nvPicPr>
-          <p:cNvPr id="4" name="図 3">
-            <a:extLst>
-              <a:ext uri="{FF2B5EF4-FFF2-40B4-BE49-F238E27FC236}">
-                <a16:creationId xmlns:a16="http://schemas.microsoft.com/office/drawing/2014/main" id="{933F1AF7-1101-4B41-91FC-646BD022F48E}"/>
-              </a:ext>
-            </a:extLst>
-          </p:cNvPr>
-          <p:cNvPicPr>
-            <a:picLocks noChangeAspect="1"/>
-          </p:cNvPicPr>
-          <p:nvPr/>
-        </p:nvPicPr>
-        <p:blipFill>
-          <a:blip r:embed="rId2">
-            <a:extLst>
-              <a:ext uri="{28A0092B-C50C-407E-A947-70E740481C1C}">
-                <a14:useLocalDpi xmlns:a14="http://schemas.microsoft.com/office/drawing/2010/main" val="0"/>
-              </a:ext>
-            </a:extLst>
-          </a:blip>
-          <a:stretch>
-            <a:fillRect/>
-          </a:stretch>
-        </p:blipFill>
-        <p:spPr>
-          <a:xfrm>
-            <a:off x="1492333" y="2321570"/>
-            <a:ext cx="11395934" cy="5256584"/>
-          </a:xfrm>
-          <a:prstGeom prst="rect">
-            <a:avLst/>
-          </a:prstGeom>
-        </p:spPr>
-      </p:pic>
-      <p:sp>
-        <p:nvSpPr>
-          <p:cNvPr id="8" name="テキスト ボックス 7">
-            <a:extLst>
-              <a:ext uri="{FF2B5EF4-FFF2-40B4-BE49-F238E27FC236}">
-                <a16:creationId xmlns:a16="http://schemas.microsoft.com/office/drawing/2014/main" id="{AA383FB0-6ECB-4AFB-861B-B3714D37C602}"/>
-              </a:ext>
-            </a:extLst>
-          </p:cNvPr>
-          <p:cNvSpPr txBox="1"/>
-          <p:nvPr/>
-        </p:nvSpPr>
-        <p:spPr>
-          <a:xfrm>
-            <a:off x="376209" y="1397660"/>
-            <a:ext cx="2232248" cy="707886"/>
-          </a:xfrm>
-          <a:prstGeom prst="rect">
-            <a:avLst/>
-          </a:prstGeom>
-          <a:noFill/>
-        </p:spPr>
-        <p:txBody>
-          <a:bodyPr wrap="square" rtlCol="0">
-            <a:spAutoFit/>
-          </a:bodyPr>
-          <a:lstStyle/>
-          <a:p>
-            <a:pPr algn="ctr"/>
-            <a:r>
-              <a:rPr kumimoji="1" lang="ja-JP" altLang="en-US" sz="4000" u="sng" dirty="0"/>
-              <a:t>クラス図</a:t>
-            </a:r>
-          </a:p>
-        </p:txBody>
-      </p:sp>
-      <p:sp>
-        <p:nvSpPr>
-          <p:cNvPr id="3" name="テキスト ボックス 2">
-            <a:extLst>
-              <a:ext uri="{FF2B5EF4-FFF2-40B4-BE49-F238E27FC236}">
-                <a16:creationId xmlns:a16="http://schemas.microsoft.com/office/drawing/2014/main" id="{0688A10F-E8F5-43C0-821D-0186DA17C13C}"/>
-              </a:ext>
-            </a:extLst>
-          </p:cNvPr>
-          <p:cNvSpPr txBox="1"/>
-          <p:nvPr/>
-        </p:nvSpPr>
-        <p:spPr>
-          <a:xfrm>
-            <a:off x="5714136" y="7775778"/>
-            <a:ext cx="2952328" cy="461665"/>
-          </a:xfrm>
-          <a:prstGeom prst="rect">
-            <a:avLst/>
-          </a:prstGeom>
-          <a:noFill/>
-        </p:spPr>
-        <p:txBody>
-          <a:bodyPr wrap="square" rtlCol="0">
-            <a:spAutoFit/>
-          </a:bodyPr>
-          <a:lstStyle/>
-          <a:p>
-            <a:r>
-              <a:rPr kumimoji="1" lang="ja-JP" altLang="en-US" sz="2400" dirty="0"/>
-              <a:t>図</a:t>
-            </a:r>
-            <a:r>
-              <a:rPr kumimoji="1" lang="en-US" altLang="ja-JP" sz="2400" dirty="0"/>
-              <a:t>2.2 </a:t>
-            </a:r>
-            <a:r>
-              <a:rPr kumimoji="1" lang="ja-JP" altLang="en-US" sz="2400" dirty="0"/>
-              <a:t>全体のクラス図</a:t>
-            </a:r>
-          </a:p>
-        </p:txBody>
-      </p:sp>
-      <p:sp>
-        <p:nvSpPr>
-          <p:cNvPr id="12" name="タイトル 1">
-            <a:extLst>
-              <a:ext uri="{FF2B5EF4-FFF2-40B4-BE49-F238E27FC236}">
-                <a16:creationId xmlns:a16="http://schemas.microsoft.com/office/drawing/2014/main" id="{5989D834-3781-46F2-BF94-937D929D3612}"/>
-              </a:ext>
-            </a:extLst>
-          </p:cNvPr>
-          <p:cNvSpPr>
-            <a:spLocks noGrp="1"/>
-          </p:cNvSpPr>
-          <p:nvPr>
-            <p:ph type="title"/>
-          </p:nvPr>
-        </p:nvSpPr>
-        <p:spPr>
-          <a:xfrm>
-            <a:off x="0" y="0"/>
-            <a:ext cx="15119350" cy="720000"/>
-          </a:xfrm>
-          <a:solidFill>
-            <a:schemeClr val="tx2">
-              <a:lumMod val="20000"/>
-              <a:lumOff val="80000"/>
-            </a:schemeClr>
-          </a:solidFill>
-        </p:spPr>
-        <p:txBody>
-          <a:bodyPr>
-            <a:normAutofit/>
-          </a:bodyPr>
-          <a:lstStyle/>
-          <a:p>
-            <a:r>
-              <a:rPr lang="ja-JP" altLang="en-US" sz="2000" dirty="0">
-                <a:latin typeface="メイリオ" panose="020B0604030504040204" pitchFamily="50" charset="-128"/>
-                <a:ea typeface="メイリオ" panose="020B0604030504040204" pitchFamily="50" charset="-128"/>
-              </a:rPr>
-              <a:t>　　</a:t>
-            </a:r>
-            <a:r>
-              <a:rPr lang="en-US" altLang="ja-JP" sz="2000" dirty="0">
-                <a:latin typeface="メイリオ" panose="020B0604030504040204" pitchFamily="50" charset="-128"/>
-                <a:ea typeface="メイリオ" panose="020B0604030504040204" pitchFamily="50" charset="-128"/>
-              </a:rPr>
-              <a:t>2-2 </a:t>
-            </a:r>
-            <a:r>
-              <a:rPr kumimoji="1" lang="ja-JP" altLang="en-US" sz="2000" dirty="0">
-                <a:latin typeface="メイリオ" panose="020B0604030504040204" pitchFamily="50" charset="-128"/>
-                <a:ea typeface="メイリオ" panose="020B0604030504040204" pitchFamily="50" charset="-128"/>
-              </a:rPr>
-              <a:t>構造モデル</a:t>
-            </a:r>
-          </a:p>
-        </p:txBody>
-      </p:sp>
-    </p:spTree>
-    <p:extLst>
-      <p:ext uri="{BB962C8B-B14F-4D97-AF65-F5344CB8AC3E}">
-        <p14:creationId xmlns:p14="http://schemas.microsoft.com/office/powerpoint/2010/main" val="3435779903"/>
-      </p:ext>
-    </p:extLst>
-  </p:cSld>
-  <p:clrMapOvr>
-    <a:masterClrMapping/>
-  </p:clrMapOvr>
-</p:sld>
-</file>
-
-<file path=ppt/slides/slide5.xml><?xml version="1.0" encoding="utf-8"?>
-<p:sld xmlns:a="http://schemas.openxmlformats.org/drawingml/2006/main" xmlns:r="http://schemas.openxmlformats.org/officeDocument/2006/relationships" xmlns:p="http://schemas.openxmlformats.org/presentationml/2006/main">
-  <p:cSld>
-    <p:spTree>
-      <p:nvGrpSpPr>
-        <p:cNvPr id="1" name=""/>
-        <p:cNvGrpSpPr/>
-        <p:nvPr/>
-      </p:nvGrpSpPr>
-      <p:grpSpPr>
-        <a:xfrm>
-          <a:off x="0" y="0"/>
-          <a:ext cx="0" cy="0"/>
-          <a:chOff x="0" y="0"/>
-          <a:chExt cx="0" cy="0"/>
-        </a:xfrm>
-      </p:grpSpPr>
       <p:sp>
         <p:nvSpPr>
           <p:cNvPr id="2" name="タイトル 1">
@@ -8810,7 +7775,7 @@
 </p:sld>
 </file>
 
-<file path=ppt/slides/slide6.xml><?xml version="1.0" encoding="utf-8"?>
+<file path=ppt/slides/slide5.xml><?xml version="1.0" encoding="utf-8"?>
 <p:sld xmlns:a="http://schemas.openxmlformats.org/drawingml/2006/main" xmlns:r="http://schemas.openxmlformats.org/officeDocument/2006/relationships" xmlns:p="http://schemas.openxmlformats.org/presentationml/2006/main">
   <p:cSld>
     <p:spTree>
